--- a/masters/Finii_Reporting_YT.pptx
+++ b/masters/Finii_Reporting_YT.pptx
@@ -212,7 +212,7 @@
           <a:p>
             <a:fld id="{602608CA-B3ED-DD46-8CED-19691F7E2AFB}" type="datetimeFigureOut">
               <a:rPr lang="de-DE" smtClean="0"/>
-              <a:t>16.10.23</a:t>
+              <a:t>03.11.23</a:t>
             </a:fld>
             <a:endParaRPr lang="de-DE"/>
           </a:p>
@@ -481,7 +481,7 @@
 
 <file path=ppt/slideLayouts/slideLayout1.xml><?xml version="1.0" encoding="utf-8"?>
 <p:sldLayout xmlns:a="http://schemas.openxmlformats.org/drawingml/2006/main" xmlns:r="http://schemas.openxmlformats.org/officeDocument/2006/relationships" xmlns:p="http://schemas.openxmlformats.org/presentationml/2006/main" preserve="1" userDrawn="1">
-  <p:cSld name="YOUTUBE">
+  <p:cSld name="1_YOUTUBE">
     <p:bg>
       <p:bgRef idx="1001">
         <a:schemeClr val="bg1"/>
@@ -593,144 +593,6 @@
       </p:pic>
       <p:sp>
         <p:nvSpPr>
-          <p:cNvPr id="38" name="Inhaltsplatzhalter 34">
-            <a:extLst>
-              <a:ext uri="{FF2B5EF4-FFF2-40B4-BE49-F238E27FC236}">
-                <a16:creationId xmlns:a16="http://schemas.microsoft.com/office/drawing/2014/main" id="{07879E44-A6C7-2976-A9A1-2623F2F389C7}"/>
-              </a:ext>
-            </a:extLst>
-          </p:cNvPr>
-          <p:cNvSpPr>
-            <a:spLocks noGrp="1"/>
-          </p:cNvSpPr>
-          <p:nvPr>
-            <p:ph sz="quarter" idx="21"/>
-          </p:nvPr>
-        </p:nvSpPr>
-        <p:spPr>
-          <a:xfrm>
-            <a:off x="399070" y="3495487"/>
-            <a:ext cx="1763846" cy="330200"/>
-          </a:xfrm>
-          <a:prstGeom prst="rect">
-            <a:avLst/>
-          </a:prstGeom>
-        </p:spPr>
-        <p:txBody>
-          <a:bodyPr anchor="ctr"/>
-          <a:lstStyle>
-            <a:lvl1pPr marL="0" indent="0" algn="l">
-              <a:buNone/>
-              <a:defRPr lang="de-DE" sz="1400" b="1" i="0" kern="1200" baseline="0" dirty="0">
-                <a:solidFill>
-                  <a:schemeClr val="tx1"/>
-                </a:solidFill>
-                <a:latin typeface="Arial" panose="020B0604020202020204" pitchFamily="34" charset="0"/>
-                <a:ea typeface="+mn-ea"/>
-                <a:cs typeface="+mn-cs"/>
-              </a:defRPr>
-            </a:lvl1pPr>
-          </a:lstStyle>
-          <a:p>
-            <a:pPr lvl="0"/>
-            <a:endParaRPr lang="de-DE" dirty="0"/>
-          </a:p>
-        </p:txBody>
-      </p:sp>
-      <p:sp>
-        <p:nvSpPr>
-          <p:cNvPr id="36" name="Inhaltsplatzhalter 34">
-            <a:extLst>
-              <a:ext uri="{FF2B5EF4-FFF2-40B4-BE49-F238E27FC236}">
-                <a16:creationId xmlns:a16="http://schemas.microsoft.com/office/drawing/2014/main" id="{1A9D5E31-9C4F-142F-DFAA-871608A02FDC}"/>
-              </a:ext>
-            </a:extLst>
-          </p:cNvPr>
-          <p:cNvSpPr>
-            <a:spLocks noGrp="1"/>
-          </p:cNvSpPr>
-          <p:nvPr>
-            <p:ph sz="quarter" idx="20"/>
-          </p:nvPr>
-        </p:nvSpPr>
-        <p:spPr>
-          <a:xfrm>
-            <a:off x="399070" y="2804751"/>
-            <a:ext cx="1763847" cy="330200"/>
-          </a:xfrm>
-          <a:prstGeom prst="rect">
-            <a:avLst/>
-          </a:prstGeom>
-        </p:spPr>
-        <p:txBody>
-          <a:bodyPr anchor="ctr"/>
-          <a:lstStyle>
-            <a:lvl1pPr marL="0" indent="0" algn="l">
-              <a:buNone/>
-              <a:defRPr lang="de-DE" sz="1400" b="1" i="0" kern="1200" baseline="0" dirty="0">
-                <a:solidFill>
-                  <a:schemeClr val="tx1"/>
-                </a:solidFill>
-                <a:latin typeface="Arial" panose="020B0604020202020204" pitchFamily="34" charset="0"/>
-                <a:ea typeface="+mn-ea"/>
-                <a:cs typeface="+mn-cs"/>
-              </a:defRPr>
-            </a:lvl1pPr>
-          </a:lstStyle>
-          <a:p>
-            <a:pPr lvl="0"/>
-            <a:endParaRPr lang="de-DE" dirty="0"/>
-          </a:p>
-        </p:txBody>
-      </p:sp>
-      <p:sp>
-        <p:nvSpPr>
-          <p:cNvPr id="35" name="Inhaltsplatzhalter 34">
-            <a:extLst>
-              <a:ext uri="{FF2B5EF4-FFF2-40B4-BE49-F238E27FC236}">
-                <a16:creationId xmlns:a16="http://schemas.microsoft.com/office/drawing/2014/main" id="{410E16EB-1385-E0ED-B8B6-E0F8BCC2DE80}"/>
-              </a:ext>
-            </a:extLst>
-          </p:cNvPr>
-          <p:cNvSpPr>
-            <a:spLocks noGrp="1"/>
-          </p:cNvSpPr>
-          <p:nvPr>
-            <p:ph sz="quarter" idx="19"/>
-          </p:nvPr>
-        </p:nvSpPr>
-        <p:spPr>
-          <a:xfrm>
-            <a:off x="399070" y="2135867"/>
-            <a:ext cx="1789254" cy="330200"/>
-          </a:xfrm>
-          <a:prstGeom prst="rect">
-            <a:avLst/>
-          </a:prstGeom>
-        </p:spPr>
-        <p:txBody>
-          <a:bodyPr anchor="ctr"/>
-          <a:lstStyle>
-            <a:lvl1pPr marL="0" indent="0" algn="l">
-              <a:buNone/>
-              <a:defRPr lang="de-DE" sz="1400" b="1" i="0" kern="1200" baseline="0" dirty="0">
-                <a:solidFill>
-                  <a:schemeClr val="tx1"/>
-                </a:solidFill>
-                <a:latin typeface="Arial" panose="020B0604020202020204" pitchFamily="34" charset="0"/>
-                <a:ea typeface="+mn-ea"/>
-                <a:cs typeface="+mn-cs"/>
-              </a:defRPr>
-            </a:lvl1pPr>
-          </a:lstStyle>
-          <a:p>
-            <a:pPr lvl="0"/>
-            <a:endParaRPr lang="de-DE" dirty="0"/>
-          </a:p>
-        </p:txBody>
-      </p:sp>
-      <p:sp>
-        <p:nvSpPr>
           <p:cNvPr id="3" name="Bildplatzhalter 2">
             <a:extLst>
               <a:ext uri="{FF2B5EF4-FFF2-40B4-BE49-F238E27FC236}">
@@ -833,7 +695,7 @@
         </p:nvSpPr>
         <p:spPr>
           <a:xfrm>
-            <a:off x="6074030" y="1555760"/>
+            <a:off x="6074031" y="1555760"/>
             <a:ext cx="1098379" cy="246221"/>
           </a:xfrm>
           <a:prstGeom prst="rect">
@@ -875,10 +737,10 @@
         </p:nvGrpSpPr>
         <p:grpSpPr>
           <a:xfrm>
-            <a:off x="389768" y="2359382"/>
-            <a:ext cx="1252267" cy="1622641"/>
-            <a:chOff x="474867" y="3359104"/>
-            <a:chExt cx="1252267" cy="1622641"/>
+            <a:off x="389964" y="2359382"/>
+            <a:ext cx="1058107" cy="1561086"/>
+            <a:chOff x="475063" y="3359104"/>
+            <a:chExt cx="1058107" cy="1561086"/>
           </a:xfrm>
         </p:grpSpPr>
         <p:sp>
@@ -896,7 +758,7 @@
           <p:spPr>
             <a:xfrm>
               <a:off x="477726" y="3359104"/>
-              <a:ext cx="712054" cy="261610"/>
+              <a:ext cx="503664" cy="200055"/>
             </a:xfrm>
             <a:prstGeom prst="rect">
               <a:avLst/>
@@ -911,7 +773,7 @@
             <a:p>
               <a:pPr algn="l"/>
               <a:r>
-                <a:rPr lang="de-DE" sz="1100" b="0" i="0" dirty="0">
+                <a:rPr lang="de-DE" sz="700" b="0" i="0" dirty="0">
                   <a:solidFill>
                     <a:schemeClr val="tx1"/>
                   </a:solidFill>
@@ -938,7 +800,7 @@
           <p:spPr>
             <a:xfrm>
               <a:off x="475063" y="4039619"/>
-              <a:ext cx="1039067" cy="261610"/>
+              <a:ext cx="731290" cy="200055"/>
             </a:xfrm>
             <a:prstGeom prst="rect">
               <a:avLst/>
@@ -951,9 +813,9 @@
             </a:bodyPr>
             <a:lstStyle/>
             <a:p>
-              <a:pPr algn="ctr"/>
+              <a:pPr algn="l"/>
               <a:r>
-                <a:rPr lang="de-DE" sz="1100" b="0" i="0" dirty="0">
+                <a:rPr lang="de-DE" sz="700" b="0" i="0" dirty="0">
                   <a:solidFill>
                     <a:schemeClr val="tx1"/>
                   </a:solidFill>
@@ -979,8 +841,8 @@
           </p:nvSpPr>
           <p:spPr>
             <a:xfrm>
-              <a:off x="474867" y="4720135"/>
-              <a:ext cx="1252267" cy="261610"/>
+              <a:off x="475063" y="4720135"/>
+              <a:ext cx="1058107" cy="200055"/>
             </a:xfrm>
             <a:prstGeom prst="rect">
               <a:avLst/>
@@ -988,14 +850,14 @@
             <a:noFill/>
           </p:spPr>
           <p:txBody>
-            <a:bodyPr wrap="none" rtlCol="0">
+            <a:bodyPr wrap="square" rtlCol="0">
               <a:spAutoFit/>
             </a:bodyPr>
             <a:lstStyle/>
             <a:p>
-              <a:pPr algn="ctr"/>
+              <a:pPr algn="l"/>
               <a:r>
-                <a:rPr lang="de-DE" sz="1100" b="0" i="0" dirty="0">
+                <a:rPr lang="de-DE" sz="700" b="0" i="0" dirty="0">
                   <a:solidFill>
                     <a:schemeClr val="tx1"/>
                   </a:solidFill>
@@ -1194,8 +1056,8 @@
         </p:nvSpPr>
         <p:spPr>
           <a:xfrm>
-            <a:off x="397846" y="390369"/>
-            <a:ext cx="6851444" cy="584775"/>
+            <a:off x="397845" y="390369"/>
+            <a:ext cx="7892673" cy="584775"/>
           </a:xfrm>
           <a:prstGeom prst="rect">
             <a:avLst/>
@@ -1346,246 +1208,6 @@
       </p:sp>
       <p:sp>
         <p:nvSpPr>
-          <p:cNvPr id="25" name="Inhaltsplatzhalter 36">
-            <a:extLst>
-              <a:ext uri="{FF2B5EF4-FFF2-40B4-BE49-F238E27FC236}">
-                <a16:creationId xmlns:a16="http://schemas.microsoft.com/office/drawing/2014/main" id="{1E40773A-E7F7-56E0-AEEE-E08E8A6E5FD9}"/>
-              </a:ext>
-            </a:extLst>
-          </p:cNvPr>
-          <p:cNvSpPr>
-            <a:spLocks noGrp="1"/>
-          </p:cNvSpPr>
-          <p:nvPr>
-            <p:ph sz="quarter" idx="13"/>
-          </p:nvPr>
-        </p:nvSpPr>
-        <p:spPr>
-          <a:xfrm>
-            <a:off x="4507496" y="2636079"/>
-            <a:ext cx="808684" cy="181530"/>
-          </a:xfrm>
-          <a:prstGeom prst="rect">
-            <a:avLst/>
-          </a:prstGeom>
-        </p:spPr>
-        <p:txBody>
-          <a:bodyPr anchor="ctr"/>
-          <a:lstStyle>
-            <a:lvl1pPr marL="0" indent="0" algn="l">
-              <a:buNone/>
-              <a:defRPr sz="1050" b="0" i="0" baseline="0">
-                <a:solidFill>
-                  <a:schemeClr val="tx1"/>
-                </a:solidFill>
-                <a:latin typeface="Arial" panose="020B0604020202020204" pitchFamily="34" charset="0"/>
-              </a:defRPr>
-            </a:lvl1pPr>
-            <a:lvl2pPr marL="457200" indent="0">
-              <a:buNone/>
-              <a:defRPr sz="1000" b="0" i="0">
-                <a:solidFill>
-                  <a:schemeClr val="bg1"/>
-                </a:solidFill>
-                <a:latin typeface="MB Corpo S Text Office Light" panose="020B0404050000000004" pitchFamily="34" charset="77"/>
-              </a:defRPr>
-            </a:lvl2pPr>
-            <a:lvl3pPr marL="914400" indent="0">
-              <a:buNone/>
-              <a:defRPr sz="900" b="0" i="0">
-                <a:solidFill>
-                  <a:schemeClr val="bg1"/>
-                </a:solidFill>
-                <a:latin typeface="MB Corpo S Text Office Light" panose="020B0404050000000004" pitchFamily="34" charset="77"/>
-              </a:defRPr>
-            </a:lvl3pPr>
-            <a:lvl4pPr marL="1371600" indent="0">
-              <a:buNone/>
-              <a:defRPr sz="800" b="0" i="0">
-                <a:solidFill>
-                  <a:schemeClr val="bg1"/>
-                </a:solidFill>
-                <a:latin typeface="MB Corpo S Text Office Light" panose="020B0404050000000004" pitchFamily="34" charset="77"/>
-              </a:defRPr>
-            </a:lvl4pPr>
-            <a:lvl5pPr marL="1828800" indent="0">
-              <a:buNone/>
-              <a:defRPr sz="800" b="0" i="0">
-                <a:solidFill>
-                  <a:schemeClr val="bg1"/>
-                </a:solidFill>
-                <a:latin typeface="MB Corpo S Text Office Light" panose="020B0404050000000004" pitchFamily="34" charset="77"/>
-              </a:defRPr>
-            </a:lvl5pPr>
-          </a:lstStyle>
-          <a:p>
-            <a:pPr lvl="0"/>
-            <a:endParaRPr lang="de-DE" dirty="0"/>
-          </a:p>
-        </p:txBody>
-      </p:sp>
-      <p:sp>
-        <p:nvSpPr>
-          <p:cNvPr id="49" name="Inhaltsplatzhalter 36">
-            <a:extLst>
-              <a:ext uri="{FF2B5EF4-FFF2-40B4-BE49-F238E27FC236}">
-                <a16:creationId xmlns:a16="http://schemas.microsoft.com/office/drawing/2014/main" id="{335BF4B0-9BF0-BE91-617E-733DE858B031}"/>
-              </a:ext>
-            </a:extLst>
-          </p:cNvPr>
-          <p:cNvSpPr>
-            <a:spLocks noGrp="1"/>
-          </p:cNvSpPr>
-          <p:nvPr>
-            <p:ph sz="quarter" idx="14"/>
-          </p:nvPr>
-        </p:nvSpPr>
-        <p:spPr>
-          <a:xfrm>
-            <a:off x="4503933" y="3190641"/>
-            <a:ext cx="808685" cy="181530"/>
-          </a:xfrm>
-          <a:prstGeom prst="rect">
-            <a:avLst/>
-          </a:prstGeom>
-        </p:spPr>
-        <p:txBody>
-          <a:bodyPr anchor="ctr"/>
-          <a:lstStyle>
-            <a:lvl1pPr marL="0" indent="0" algn="l">
-              <a:buNone/>
-              <a:defRPr sz="1050" b="0" i="0" baseline="0">
-                <a:solidFill>
-                  <a:schemeClr val="tx1"/>
-                </a:solidFill>
-                <a:latin typeface="Arial" panose="020B0604020202020204" pitchFamily="34" charset="0"/>
-              </a:defRPr>
-            </a:lvl1pPr>
-            <a:lvl2pPr marL="457200" indent="0">
-              <a:buNone/>
-              <a:defRPr sz="1000" b="0" i="0">
-                <a:solidFill>
-                  <a:schemeClr val="bg1"/>
-                </a:solidFill>
-                <a:latin typeface="MB Corpo S Text Office Light" panose="020B0404050000000004" pitchFamily="34" charset="77"/>
-              </a:defRPr>
-            </a:lvl2pPr>
-            <a:lvl3pPr marL="914400" indent="0">
-              <a:buNone/>
-              <a:defRPr sz="900" b="0" i="0">
-                <a:solidFill>
-                  <a:schemeClr val="bg1"/>
-                </a:solidFill>
-                <a:latin typeface="MB Corpo S Text Office Light" panose="020B0404050000000004" pitchFamily="34" charset="77"/>
-              </a:defRPr>
-            </a:lvl3pPr>
-            <a:lvl4pPr marL="1371600" indent="0">
-              <a:buNone/>
-              <a:defRPr sz="800" b="0" i="0">
-                <a:solidFill>
-                  <a:schemeClr val="bg1"/>
-                </a:solidFill>
-                <a:latin typeface="MB Corpo S Text Office Light" panose="020B0404050000000004" pitchFamily="34" charset="77"/>
-              </a:defRPr>
-            </a:lvl4pPr>
-            <a:lvl5pPr marL="1828800" indent="0">
-              <a:buNone/>
-              <a:defRPr sz="800" b="0" i="0">
-                <a:solidFill>
-                  <a:schemeClr val="bg1"/>
-                </a:solidFill>
-                <a:latin typeface="MB Corpo S Text Office Light" panose="020B0404050000000004" pitchFamily="34" charset="77"/>
-              </a:defRPr>
-            </a:lvl5pPr>
-          </a:lstStyle>
-          <a:p>
-            <a:pPr lvl="0"/>
-            <a:endParaRPr lang="de-DE" dirty="0"/>
-          </a:p>
-        </p:txBody>
-      </p:sp>
-      <p:sp>
-        <p:nvSpPr>
-          <p:cNvPr id="50" name="Inhaltsplatzhalter 36">
-            <a:extLst>
-              <a:ext uri="{FF2B5EF4-FFF2-40B4-BE49-F238E27FC236}">
-                <a16:creationId xmlns:a16="http://schemas.microsoft.com/office/drawing/2014/main" id="{FFEE5A88-5DC3-D442-886D-0C9B975472C2}"/>
-              </a:ext>
-            </a:extLst>
-          </p:cNvPr>
-          <p:cNvSpPr>
-            <a:spLocks noGrp="1"/>
-          </p:cNvSpPr>
-          <p:nvPr>
-            <p:ph sz="quarter" idx="15"/>
-          </p:nvPr>
-        </p:nvSpPr>
-        <p:spPr>
-          <a:xfrm>
-            <a:off x="4503933" y="3745533"/>
-            <a:ext cx="808685" cy="181530"/>
-          </a:xfrm>
-          <a:prstGeom prst="rect">
-            <a:avLst/>
-          </a:prstGeom>
-        </p:spPr>
-        <p:txBody>
-          <a:bodyPr anchor="ctr"/>
-          <a:lstStyle>
-            <a:lvl1pPr marL="0" indent="0" algn="l">
-              <a:buNone/>
-              <a:defRPr sz="1050" b="0" i="0" baseline="0">
-                <a:solidFill>
-                  <a:schemeClr val="tx1"/>
-                </a:solidFill>
-                <a:latin typeface="Arial" panose="020B0604020202020204" pitchFamily="34" charset="0"/>
-              </a:defRPr>
-            </a:lvl1pPr>
-            <a:lvl2pPr marL="457200" indent="0">
-              <a:buNone/>
-              <a:defRPr sz="1000" b="0" i="0">
-                <a:solidFill>
-                  <a:schemeClr val="bg1"/>
-                </a:solidFill>
-                <a:latin typeface="MB Corpo S Text Office Light" panose="020B0404050000000004" pitchFamily="34" charset="77"/>
-              </a:defRPr>
-            </a:lvl2pPr>
-            <a:lvl3pPr marL="914400" indent="0">
-              <a:buNone/>
-              <a:defRPr sz="900" b="0" i="0">
-                <a:solidFill>
-                  <a:schemeClr val="bg1"/>
-                </a:solidFill>
-                <a:latin typeface="MB Corpo S Text Office Light" panose="020B0404050000000004" pitchFamily="34" charset="77"/>
-              </a:defRPr>
-            </a:lvl3pPr>
-            <a:lvl4pPr marL="1371600" indent="0">
-              <a:buNone/>
-              <a:defRPr sz="800" b="0" i="0">
-                <a:solidFill>
-                  <a:schemeClr val="bg1"/>
-                </a:solidFill>
-                <a:latin typeface="MB Corpo S Text Office Light" panose="020B0404050000000004" pitchFamily="34" charset="77"/>
-              </a:defRPr>
-            </a:lvl4pPr>
-            <a:lvl5pPr marL="1828800" indent="0">
-              <a:buNone/>
-              <a:defRPr sz="800" b="0" i="0">
-                <a:solidFill>
-                  <a:schemeClr val="bg1"/>
-                </a:solidFill>
-                <a:latin typeface="MB Corpo S Text Office Light" panose="020B0404050000000004" pitchFamily="34" charset="77"/>
-              </a:defRPr>
-            </a:lvl5pPr>
-          </a:lstStyle>
-          <a:p>
-            <a:pPr lvl="0"/>
-            <a:endParaRPr lang="de-DE" dirty="0"/>
-          </a:p>
-        </p:txBody>
-      </p:sp>
-      <p:sp>
-        <p:nvSpPr>
           <p:cNvPr id="53" name="Textfeld 52">
             <a:extLst>
               <a:ext uri="{FF2B5EF4-FFF2-40B4-BE49-F238E27FC236}">
@@ -1709,246 +1331,6 @@
       </p:sp>
       <p:sp>
         <p:nvSpPr>
-          <p:cNvPr id="56" name="Inhaltsplatzhalter 36">
-            <a:extLst>
-              <a:ext uri="{FF2B5EF4-FFF2-40B4-BE49-F238E27FC236}">
-                <a16:creationId xmlns:a16="http://schemas.microsoft.com/office/drawing/2014/main" id="{9CC0F812-B734-D2DD-DD89-2120A3B3E728}"/>
-              </a:ext>
-            </a:extLst>
-          </p:cNvPr>
-          <p:cNvSpPr>
-            <a:spLocks noGrp="1"/>
-          </p:cNvSpPr>
-          <p:nvPr>
-            <p:ph sz="quarter" idx="30"/>
-          </p:nvPr>
-        </p:nvSpPr>
-        <p:spPr>
-          <a:xfrm>
-            <a:off x="7653515" y="2636079"/>
-            <a:ext cx="808684" cy="181530"/>
-          </a:xfrm>
-          <a:prstGeom prst="rect">
-            <a:avLst/>
-          </a:prstGeom>
-        </p:spPr>
-        <p:txBody>
-          <a:bodyPr anchor="ctr"/>
-          <a:lstStyle>
-            <a:lvl1pPr marL="0" indent="0" algn="l">
-              <a:buNone/>
-              <a:defRPr sz="1050" b="0" i="0" baseline="0">
-                <a:solidFill>
-                  <a:schemeClr val="tx1"/>
-                </a:solidFill>
-                <a:latin typeface="Arial" panose="020B0604020202020204" pitchFamily="34" charset="0"/>
-              </a:defRPr>
-            </a:lvl1pPr>
-            <a:lvl2pPr marL="457200" indent="0">
-              <a:buNone/>
-              <a:defRPr sz="1000" b="0" i="0">
-                <a:solidFill>
-                  <a:schemeClr val="bg1"/>
-                </a:solidFill>
-                <a:latin typeface="MB Corpo S Text Office Light" panose="020B0404050000000004" pitchFamily="34" charset="77"/>
-              </a:defRPr>
-            </a:lvl2pPr>
-            <a:lvl3pPr marL="914400" indent="0">
-              <a:buNone/>
-              <a:defRPr sz="900" b="0" i="0">
-                <a:solidFill>
-                  <a:schemeClr val="bg1"/>
-                </a:solidFill>
-                <a:latin typeface="MB Corpo S Text Office Light" panose="020B0404050000000004" pitchFamily="34" charset="77"/>
-              </a:defRPr>
-            </a:lvl3pPr>
-            <a:lvl4pPr marL="1371600" indent="0">
-              <a:buNone/>
-              <a:defRPr sz="800" b="0" i="0">
-                <a:solidFill>
-                  <a:schemeClr val="bg1"/>
-                </a:solidFill>
-                <a:latin typeface="MB Corpo S Text Office Light" panose="020B0404050000000004" pitchFamily="34" charset="77"/>
-              </a:defRPr>
-            </a:lvl4pPr>
-            <a:lvl5pPr marL="1828800" indent="0">
-              <a:buNone/>
-              <a:defRPr sz="800" b="0" i="0">
-                <a:solidFill>
-                  <a:schemeClr val="bg1"/>
-                </a:solidFill>
-                <a:latin typeface="MB Corpo S Text Office Light" panose="020B0404050000000004" pitchFamily="34" charset="77"/>
-              </a:defRPr>
-            </a:lvl5pPr>
-          </a:lstStyle>
-          <a:p>
-            <a:pPr lvl="0"/>
-            <a:endParaRPr lang="de-DE" dirty="0"/>
-          </a:p>
-        </p:txBody>
-      </p:sp>
-      <p:sp>
-        <p:nvSpPr>
-          <p:cNvPr id="57" name="Inhaltsplatzhalter 36">
-            <a:extLst>
-              <a:ext uri="{FF2B5EF4-FFF2-40B4-BE49-F238E27FC236}">
-                <a16:creationId xmlns:a16="http://schemas.microsoft.com/office/drawing/2014/main" id="{C1738A0E-F9EB-A6EB-CD4B-2D729E0F7A09}"/>
-              </a:ext>
-            </a:extLst>
-          </p:cNvPr>
-          <p:cNvSpPr>
-            <a:spLocks noGrp="1"/>
-          </p:cNvSpPr>
-          <p:nvPr>
-            <p:ph sz="quarter" idx="31"/>
-          </p:nvPr>
-        </p:nvSpPr>
-        <p:spPr>
-          <a:xfrm>
-            <a:off x="7649952" y="3190641"/>
-            <a:ext cx="808685" cy="181530"/>
-          </a:xfrm>
-          <a:prstGeom prst="rect">
-            <a:avLst/>
-          </a:prstGeom>
-        </p:spPr>
-        <p:txBody>
-          <a:bodyPr anchor="ctr"/>
-          <a:lstStyle>
-            <a:lvl1pPr marL="0" indent="0" algn="l">
-              <a:buNone/>
-              <a:defRPr sz="1050" b="0" i="0" baseline="0">
-                <a:solidFill>
-                  <a:schemeClr val="tx1"/>
-                </a:solidFill>
-                <a:latin typeface="Arial" panose="020B0604020202020204" pitchFamily="34" charset="0"/>
-              </a:defRPr>
-            </a:lvl1pPr>
-            <a:lvl2pPr marL="457200" indent="0">
-              <a:buNone/>
-              <a:defRPr sz="1000" b="0" i="0">
-                <a:solidFill>
-                  <a:schemeClr val="bg1"/>
-                </a:solidFill>
-                <a:latin typeface="MB Corpo S Text Office Light" panose="020B0404050000000004" pitchFamily="34" charset="77"/>
-              </a:defRPr>
-            </a:lvl2pPr>
-            <a:lvl3pPr marL="914400" indent="0">
-              <a:buNone/>
-              <a:defRPr sz="900" b="0" i="0">
-                <a:solidFill>
-                  <a:schemeClr val="bg1"/>
-                </a:solidFill>
-                <a:latin typeface="MB Corpo S Text Office Light" panose="020B0404050000000004" pitchFamily="34" charset="77"/>
-              </a:defRPr>
-            </a:lvl3pPr>
-            <a:lvl4pPr marL="1371600" indent="0">
-              <a:buNone/>
-              <a:defRPr sz="800" b="0" i="0">
-                <a:solidFill>
-                  <a:schemeClr val="bg1"/>
-                </a:solidFill>
-                <a:latin typeface="MB Corpo S Text Office Light" panose="020B0404050000000004" pitchFamily="34" charset="77"/>
-              </a:defRPr>
-            </a:lvl4pPr>
-            <a:lvl5pPr marL="1828800" indent="0">
-              <a:buNone/>
-              <a:defRPr sz="800" b="0" i="0">
-                <a:solidFill>
-                  <a:schemeClr val="bg1"/>
-                </a:solidFill>
-                <a:latin typeface="MB Corpo S Text Office Light" panose="020B0404050000000004" pitchFamily="34" charset="77"/>
-              </a:defRPr>
-            </a:lvl5pPr>
-          </a:lstStyle>
-          <a:p>
-            <a:pPr lvl="0"/>
-            <a:endParaRPr lang="de-DE" dirty="0"/>
-          </a:p>
-        </p:txBody>
-      </p:sp>
-      <p:sp>
-        <p:nvSpPr>
-          <p:cNvPr id="58" name="Inhaltsplatzhalter 36">
-            <a:extLst>
-              <a:ext uri="{FF2B5EF4-FFF2-40B4-BE49-F238E27FC236}">
-                <a16:creationId xmlns:a16="http://schemas.microsoft.com/office/drawing/2014/main" id="{275D7E1D-0F36-D29A-1151-D876C276C6D3}"/>
-              </a:ext>
-            </a:extLst>
-          </p:cNvPr>
-          <p:cNvSpPr>
-            <a:spLocks noGrp="1"/>
-          </p:cNvSpPr>
-          <p:nvPr>
-            <p:ph sz="quarter" idx="32"/>
-          </p:nvPr>
-        </p:nvSpPr>
-        <p:spPr>
-          <a:xfrm>
-            <a:off x="7649952" y="3745533"/>
-            <a:ext cx="808685" cy="181530"/>
-          </a:xfrm>
-          <a:prstGeom prst="rect">
-            <a:avLst/>
-          </a:prstGeom>
-        </p:spPr>
-        <p:txBody>
-          <a:bodyPr anchor="ctr"/>
-          <a:lstStyle>
-            <a:lvl1pPr marL="0" indent="0" algn="l">
-              <a:buNone/>
-              <a:defRPr sz="1050" b="0" i="0" baseline="0">
-                <a:solidFill>
-                  <a:schemeClr val="tx1"/>
-                </a:solidFill>
-                <a:latin typeface="Arial" panose="020B0604020202020204" pitchFamily="34" charset="0"/>
-              </a:defRPr>
-            </a:lvl1pPr>
-            <a:lvl2pPr marL="457200" indent="0">
-              <a:buNone/>
-              <a:defRPr sz="1000" b="0" i="0">
-                <a:solidFill>
-                  <a:schemeClr val="bg1"/>
-                </a:solidFill>
-                <a:latin typeface="MB Corpo S Text Office Light" panose="020B0404050000000004" pitchFamily="34" charset="77"/>
-              </a:defRPr>
-            </a:lvl2pPr>
-            <a:lvl3pPr marL="914400" indent="0">
-              <a:buNone/>
-              <a:defRPr sz="900" b="0" i="0">
-                <a:solidFill>
-                  <a:schemeClr val="bg1"/>
-                </a:solidFill>
-                <a:latin typeface="MB Corpo S Text Office Light" panose="020B0404050000000004" pitchFamily="34" charset="77"/>
-              </a:defRPr>
-            </a:lvl3pPr>
-            <a:lvl4pPr marL="1371600" indent="0">
-              <a:buNone/>
-              <a:defRPr sz="800" b="0" i="0">
-                <a:solidFill>
-                  <a:schemeClr val="bg1"/>
-                </a:solidFill>
-                <a:latin typeface="MB Corpo S Text Office Light" panose="020B0404050000000004" pitchFamily="34" charset="77"/>
-              </a:defRPr>
-            </a:lvl4pPr>
-            <a:lvl5pPr marL="1828800" indent="0">
-              <a:buNone/>
-              <a:defRPr sz="800" b="0" i="0">
-                <a:solidFill>
-                  <a:schemeClr val="bg1"/>
-                </a:solidFill>
-                <a:latin typeface="MB Corpo S Text Office Light" panose="020B0404050000000004" pitchFamily="34" charset="77"/>
-              </a:defRPr>
-            </a:lvl5pPr>
-          </a:lstStyle>
-          <a:p>
-            <a:pPr lvl="0"/>
-            <a:endParaRPr lang="de-DE" dirty="0"/>
-          </a:p>
-        </p:txBody>
-      </p:sp>
-      <p:sp>
-        <p:nvSpPr>
           <p:cNvPr id="61" name="Textfeld 60">
             <a:extLst>
               <a:ext uri="{FF2B5EF4-FFF2-40B4-BE49-F238E27FC236}">
@@ -2072,678 +1454,6 @@
       </p:sp>
       <p:sp>
         <p:nvSpPr>
-          <p:cNvPr id="64" name="Inhaltsplatzhalter 36">
-            <a:extLst>
-              <a:ext uri="{FF2B5EF4-FFF2-40B4-BE49-F238E27FC236}">
-                <a16:creationId xmlns:a16="http://schemas.microsoft.com/office/drawing/2014/main" id="{BE0A8A39-4C13-9A11-BC0C-C95A19AD9AA6}"/>
-              </a:ext>
-            </a:extLst>
-          </p:cNvPr>
-          <p:cNvSpPr>
-            <a:spLocks noGrp="1"/>
-          </p:cNvSpPr>
-          <p:nvPr>
-            <p:ph sz="quarter" idx="34"/>
-          </p:nvPr>
-        </p:nvSpPr>
-        <p:spPr>
-          <a:xfrm>
-            <a:off x="10766047" y="2636079"/>
-            <a:ext cx="808684" cy="181530"/>
-          </a:xfrm>
-          <a:prstGeom prst="rect">
-            <a:avLst/>
-          </a:prstGeom>
-        </p:spPr>
-        <p:txBody>
-          <a:bodyPr anchor="ctr"/>
-          <a:lstStyle>
-            <a:lvl1pPr marL="0" indent="0" algn="l">
-              <a:buNone/>
-              <a:defRPr sz="1050" b="0" i="0" baseline="0">
-                <a:solidFill>
-                  <a:schemeClr val="tx1"/>
-                </a:solidFill>
-                <a:latin typeface="Arial" panose="020B0604020202020204" pitchFamily="34" charset="0"/>
-              </a:defRPr>
-            </a:lvl1pPr>
-            <a:lvl2pPr marL="457200" indent="0">
-              <a:buNone/>
-              <a:defRPr sz="1000" b="0" i="0">
-                <a:solidFill>
-                  <a:schemeClr val="bg1"/>
-                </a:solidFill>
-                <a:latin typeface="MB Corpo S Text Office Light" panose="020B0404050000000004" pitchFamily="34" charset="77"/>
-              </a:defRPr>
-            </a:lvl2pPr>
-            <a:lvl3pPr marL="914400" indent="0">
-              <a:buNone/>
-              <a:defRPr sz="900" b="0" i="0">
-                <a:solidFill>
-                  <a:schemeClr val="bg1"/>
-                </a:solidFill>
-                <a:latin typeface="MB Corpo S Text Office Light" panose="020B0404050000000004" pitchFamily="34" charset="77"/>
-              </a:defRPr>
-            </a:lvl3pPr>
-            <a:lvl4pPr marL="1371600" indent="0">
-              <a:buNone/>
-              <a:defRPr sz="800" b="0" i="0">
-                <a:solidFill>
-                  <a:schemeClr val="bg1"/>
-                </a:solidFill>
-                <a:latin typeface="MB Corpo S Text Office Light" panose="020B0404050000000004" pitchFamily="34" charset="77"/>
-              </a:defRPr>
-            </a:lvl4pPr>
-            <a:lvl5pPr marL="1828800" indent="0">
-              <a:buNone/>
-              <a:defRPr sz="800" b="0" i="0">
-                <a:solidFill>
-                  <a:schemeClr val="bg1"/>
-                </a:solidFill>
-                <a:latin typeface="MB Corpo S Text Office Light" panose="020B0404050000000004" pitchFamily="34" charset="77"/>
-              </a:defRPr>
-            </a:lvl5pPr>
-          </a:lstStyle>
-          <a:p>
-            <a:pPr lvl="0"/>
-            <a:endParaRPr lang="de-DE" dirty="0"/>
-          </a:p>
-        </p:txBody>
-      </p:sp>
-      <p:sp>
-        <p:nvSpPr>
-          <p:cNvPr id="65" name="Inhaltsplatzhalter 36">
-            <a:extLst>
-              <a:ext uri="{FF2B5EF4-FFF2-40B4-BE49-F238E27FC236}">
-                <a16:creationId xmlns:a16="http://schemas.microsoft.com/office/drawing/2014/main" id="{C03BF7D6-FABC-2740-39AD-F91164D37935}"/>
-              </a:ext>
-            </a:extLst>
-          </p:cNvPr>
-          <p:cNvSpPr>
-            <a:spLocks noGrp="1"/>
-          </p:cNvSpPr>
-          <p:nvPr>
-            <p:ph sz="quarter" idx="35"/>
-          </p:nvPr>
-        </p:nvSpPr>
-        <p:spPr>
-          <a:xfrm>
-            <a:off x="10762484" y="3190641"/>
-            <a:ext cx="808685" cy="181530"/>
-          </a:xfrm>
-          <a:prstGeom prst="rect">
-            <a:avLst/>
-          </a:prstGeom>
-        </p:spPr>
-        <p:txBody>
-          <a:bodyPr anchor="ctr"/>
-          <a:lstStyle>
-            <a:lvl1pPr marL="0" indent="0" algn="l">
-              <a:buNone/>
-              <a:defRPr sz="1050" b="0" i="0" baseline="0">
-                <a:solidFill>
-                  <a:schemeClr val="tx1"/>
-                </a:solidFill>
-                <a:latin typeface="Arial" panose="020B0604020202020204" pitchFamily="34" charset="0"/>
-              </a:defRPr>
-            </a:lvl1pPr>
-            <a:lvl2pPr marL="457200" indent="0">
-              <a:buNone/>
-              <a:defRPr sz="1000" b="0" i="0">
-                <a:solidFill>
-                  <a:schemeClr val="bg1"/>
-                </a:solidFill>
-                <a:latin typeface="MB Corpo S Text Office Light" panose="020B0404050000000004" pitchFamily="34" charset="77"/>
-              </a:defRPr>
-            </a:lvl2pPr>
-            <a:lvl3pPr marL="914400" indent="0">
-              <a:buNone/>
-              <a:defRPr sz="900" b="0" i="0">
-                <a:solidFill>
-                  <a:schemeClr val="bg1"/>
-                </a:solidFill>
-                <a:latin typeface="MB Corpo S Text Office Light" panose="020B0404050000000004" pitchFamily="34" charset="77"/>
-              </a:defRPr>
-            </a:lvl3pPr>
-            <a:lvl4pPr marL="1371600" indent="0">
-              <a:buNone/>
-              <a:defRPr sz="800" b="0" i="0">
-                <a:solidFill>
-                  <a:schemeClr val="bg1"/>
-                </a:solidFill>
-                <a:latin typeface="MB Corpo S Text Office Light" panose="020B0404050000000004" pitchFamily="34" charset="77"/>
-              </a:defRPr>
-            </a:lvl4pPr>
-            <a:lvl5pPr marL="1828800" indent="0">
-              <a:buNone/>
-              <a:defRPr sz="800" b="0" i="0">
-                <a:solidFill>
-                  <a:schemeClr val="bg1"/>
-                </a:solidFill>
-                <a:latin typeface="MB Corpo S Text Office Light" panose="020B0404050000000004" pitchFamily="34" charset="77"/>
-              </a:defRPr>
-            </a:lvl5pPr>
-          </a:lstStyle>
-          <a:p>
-            <a:pPr lvl="0"/>
-            <a:endParaRPr lang="de-DE" dirty="0"/>
-          </a:p>
-        </p:txBody>
-      </p:sp>
-      <p:sp>
-        <p:nvSpPr>
-          <p:cNvPr id="66" name="Inhaltsplatzhalter 36">
-            <a:extLst>
-              <a:ext uri="{FF2B5EF4-FFF2-40B4-BE49-F238E27FC236}">
-                <a16:creationId xmlns:a16="http://schemas.microsoft.com/office/drawing/2014/main" id="{66890CCF-C301-8ABF-9408-4A99E4462722}"/>
-              </a:ext>
-            </a:extLst>
-          </p:cNvPr>
-          <p:cNvSpPr>
-            <a:spLocks noGrp="1"/>
-          </p:cNvSpPr>
-          <p:nvPr>
-            <p:ph sz="quarter" idx="36"/>
-          </p:nvPr>
-        </p:nvSpPr>
-        <p:spPr>
-          <a:xfrm>
-            <a:off x="10762484" y="3745533"/>
-            <a:ext cx="808685" cy="181530"/>
-          </a:xfrm>
-          <a:prstGeom prst="rect">
-            <a:avLst/>
-          </a:prstGeom>
-        </p:spPr>
-        <p:txBody>
-          <a:bodyPr anchor="ctr"/>
-          <a:lstStyle>
-            <a:lvl1pPr marL="0" indent="0" algn="l">
-              <a:buNone/>
-              <a:defRPr sz="1050" b="0" i="0" baseline="0">
-                <a:solidFill>
-                  <a:schemeClr val="tx1"/>
-                </a:solidFill>
-                <a:latin typeface="Arial" panose="020B0604020202020204" pitchFamily="34" charset="0"/>
-              </a:defRPr>
-            </a:lvl1pPr>
-            <a:lvl2pPr marL="457200" indent="0">
-              <a:buNone/>
-              <a:defRPr sz="1000" b="0" i="0">
-                <a:solidFill>
-                  <a:schemeClr val="bg1"/>
-                </a:solidFill>
-                <a:latin typeface="MB Corpo S Text Office Light" panose="020B0404050000000004" pitchFamily="34" charset="77"/>
-              </a:defRPr>
-            </a:lvl2pPr>
-            <a:lvl3pPr marL="914400" indent="0">
-              <a:buNone/>
-              <a:defRPr sz="900" b="0" i="0">
-                <a:solidFill>
-                  <a:schemeClr val="bg1"/>
-                </a:solidFill>
-                <a:latin typeface="MB Corpo S Text Office Light" panose="020B0404050000000004" pitchFamily="34" charset="77"/>
-              </a:defRPr>
-            </a:lvl3pPr>
-            <a:lvl4pPr marL="1371600" indent="0">
-              <a:buNone/>
-              <a:defRPr sz="800" b="0" i="0">
-                <a:solidFill>
-                  <a:schemeClr val="bg1"/>
-                </a:solidFill>
-                <a:latin typeface="MB Corpo S Text Office Light" panose="020B0404050000000004" pitchFamily="34" charset="77"/>
-              </a:defRPr>
-            </a:lvl4pPr>
-            <a:lvl5pPr marL="1828800" indent="0">
-              <a:buNone/>
-              <a:defRPr sz="800" b="0" i="0">
-                <a:solidFill>
-                  <a:schemeClr val="bg1"/>
-                </a:solidFill>
-                <a:latin typeface="MB Corpo S Text Office Light" panose="020B0404050000000004" pitchFamily="34" charset="77"/>
-              </a:defRPr>
-            </a:lvl5pPr>
-          </a:lstStyle>
-          <a:p>
-            <a:pPr lvl="0"/>
-            <a:endParaRPr lang="de-DE" dirty="0"/>
-          </a:p>
-        </p:txBody>
-      </p:sp>
-      <p:sp>
-        <p:nvSpPr>
-          <p:cNvPr id="69" name="Inhaltsplatzhalter 36">
-            <a:extLst>
-              <a:ext uri="{FF2B5EF4-FFF2-40B4-BE49-F238E27FC236}">
-                <a16:creationId xmlns:a16="http://schemas.microsoft.com/office/drawing/2014/main" id="{30BE31B3-07F0-DA28-71CC-78C79917C30A}"/>
-              </a:ext>
-            </a:extLst>
-          </p:cNvPr>
-          <p:cNvSpPr>
-            <a:spLocks noGrp="1"/>
-          </p:cNvSpPr>
-          <p:nvPr>
-            <p:ph sz="quarter" idx="38"/>
-          </p:nvPr>
-        </p:nvSpPr>
-        <p:spPr>
-          <a:xfrm>
-            <a:off x="4503934" y="2268174"/>
-            <a:ext cx="808684" cy="181530"/>
-          </a:xfrm>
-          <a:prstGeom prst="rect">
-            <a:avLst/>
-          </a:prstGeom>
-        </p:spPr>
-        <p:txBody>
-          <a:bodyPr anchor="ctr"/>
-          <a:lstStyle>
-            <a:lvl1pPr marL="0" indent="0" algn="l">
-              <a:buNone/>
-              <a:defRPr sz="700" b="0" i="0" baseline="0">
-                <a:solidFill>
-                  <a:schemeClr val="tx1"/>
-                </a:solidFill>
-                <a:latin typeface="Arial" panose="020B0604020202020204" pitchFamily="34" charset="0"/>
-              </a:defRPr>
-            </a:lvl1pPr>
-            <a:lvl2pPr marL="457200" indent="0">
-              <a:buNone/>
-              <a:defRPr sz="1000" b="0" i="0">
-                <a:solidFill>
-                  <a:schemeClr val="bg1"/>
-                </a:solidFill>
-                <a:latin typeface="MB Corpo S Text Office Light" panose="020B0404050000000004" pitchFamily="34" charset="77"/>
-              </a:defRPr>
-            </a:lvl2pPr>
-            <a:lvl3pPr marL="914400" indent="0">
-              <a:buNone/>
-              <a:defRPr sz="900" b="0" i="0">
-                <a:solidFill>
-                  <a:schemeClr val="bg1"/>
-                </a:solidFill>
-                <a:latin typeface="MB Corpo S Text Office Light" panose="020B0404050000000004" pitchFamily="34" charset="77"/>
-              </a:defRPr>
-            </a:lvl3pPr>
-            <a:lvl4pPr marL="1371600" indent="0">
-              <a:buNone/>
-              <a:defRPr sz="800" b="0" i="0">
-                <a:solidFill>
-                  <a:schemeClr val="bg1"/>
-                </a:solidFill>
-                <a:latin typeface="MB Corpo S Text Office Light" panose="020B0404050000000004" pitchFamily="34" charset="77"/>
-              </a:defRPr>
-            </a:lvl4pPr>
-            <a:lvl5pPr marL="1828800" indent="0">
-              <a:buNone/>
-              <a:defRPr sz="800" b="0" i="0">
-                <a:solidFill>
-                  <a:schemeClr val="bg1"/>
-                </a:solidFill>
-                <a:latin typeface="MB Corpo S Text Office Light" panose="020B0404050000000004" pitchFamily="34" charset="77"/>
-              </a:defRPr>
-            </a:lvl5pPr>
-          </a:lstStyle>
-          <a:p>
-            <a:pPr lvl="0"/>
-            <a:endParaRPr lang="de-DE" dirty="0"/>
-          </a:p>
-        </p:txBody>
-      </p:sp>
-      <p:sp>
-        <p:nvSpPr>
-          <p:cNvPr id="70" name="Inhaltsplatzhalter 36">
-            <a:extLst>
-              <a:ext uri="{FF2B5EF4-FFF2-40B4-BE49-F238E27FC236}">
-                <a16:creationId xmlns:a16="http://schemas.microsoft.com/office/drawing/2014/main" id="{C2B4B28E-B744-320B-45F5-B01610695B31}"/>
-              </a:ext>
-            </a:extLst>
-          </p:cNvPr>
-          <p:cNvSpPr>
-            <a:spLocks noGrp="1"/>
-          </p:cNvSpPr>
-          <p:nvPr>
-            <p:ph sz="quarter" idx="39"/>
-          </p:nvPr>
-        </p:nvSpPr>
-        <p:spPr>
-          <a:xfrm>
-            <a:off x="7649952" y="2274058"/>
-            <a:ext cx="808684" cy="181530"/>
-          </a:xfrm>
-          <a:prstGeom prst="rect">
-            <a:avLst/>
-          </a:prstGeom>
-        </p:spPr>
-        <p:txBody>
-          <a:bodyPr anchor="ctr"/>
-          <a:lstStyle>
-            <a:lvl1pPr marL="0" indent="0" algn="l">
-              <a:buNone/>
-              <a:defRPr sz="700" b="0" i="0" baseline="0">
-                <a:solidFill>
-                  <a:schemeClr val="tx1"/>
-                </a:solidFill>
-                <a:latin typeface="Arial" panose="020B0604020202020204" pitchFamily="34" charset="0"/>
-              </a:defRPr>
-            </a:lvl1pPr>
-            <a:lvl2pPr marL="457200" indent="0">
-              <a:buNone/>
-              <a:defRPr sz="1000" b="0" i="0">
-                <a:solidFill>
-                  <a:schemeClr val="bg1"/>
-                </a:solidFill>
-                <a:latin typeface="MB Corpo S Text Office Light" panose="020B0404050000000004" pitchFamily="34" charset="77"/>
-              </a:defRPr>
-            </a:lvl2pPr>
-            <a:lvl3pPr marL="914400" indent="0">
-              <a:buNone/>
-              <a:defRPr sz="900" b="0" i="0">
-                <a:solidFill>
-                  <a:schemeClr val="bg1"/>
-                </a:solidFill>
-                <a:latin typeface="MB Corpo S Text Office Light" panose="020B0404050000000004" pitchFamily="34" charset="77"/>
-              </a:defRPr>
-            </a:lvl3pPr>
-            <a:lvl4pPr marL="1371600" indent="0">
-              <a:buNone/>
-              <a:defRPr sz="800" b="0" i="0">
-                <a:solidFill>
-                  <a:schemeClr val="bg1"/>
-                </a:solidFill>
-                <a:latin typeface="MB Corpo S Text Office Light" panose="020B0404050000000004" pitchFamily="34" charset="77"/>
-              </a:defRPr>
-            </a:lvl4pPr>
-            <a:lvl5pPr marL="1828800" indent="0">
-              <a:buNone/>
-              <a:defRPr sz="800" b="0" i="0">
-                <a:solidFill>
-                  <a:schemeClr val="bg1"/>
-                </a:solidFill>
-                <a:latin typeface="MB Corpo S Text Office Light" panose="020B0404050000000004" pitchFamily="34" charset="77"/>
-              </a:defRPr>
-            </a:lvl5pPr>
-          </a:lstStyle>
-          <a:p>
-            <a:pPr lvl="0"/>
-            <a:endParaRPr lang="de-DE" dirty="0"/>
-          </a:p>
-        </p:txBody>
-      </p:sp>
-      <p:sp>
-        <p:nvSpPr>
-          <p:cNvPr id="71" name="Inhaltsplatzhalter 36">
-            <a:extLst>
-              <a:ext uri="{FF2B5EF4-FFF2-40B4-BE49-F238E27FC236}">
-                <a16:creationId xmlns:a16="http://schemas.microsoft.com/office/drawing/2014/main" id="{521B8DCD-2FD6-8C90-46EB-B9178A3C65C4}"/>
-              </a:ext>
-            </a:extLst>
-          </p:cNvPr>
-          <p:cNvSpPr>
-            <a:spLocks noGrp="1"/>
-          </p:cNvSpPr>
-          <p:nvPr>
-            <p:ph sz="quarter" idx="40"/>
-          </p:nvPr>
-        </p:nvSpPr>
-        <p:spPr>
-          <a:xfrm>
-            <a:off x="10762485" y="2268174"/>
-            <a:ext cx="808684" cy="181530"/>
-          </a:xfrm>
-          <a:prstGeom prst="rect">
-            <a:avLst/>
-          </a:prstGeom>
-        </p:spPr>
-        <p:txBody>
-          <a:bodyPr anchor="ctr"/>
-          <a:lstStyle>
-            <a:lvl1pPr marL="0" indent="0" algn="l">
-              <a:buNone/>
-              <a:defRPr sz="700" b="0" i="0" baseline="0">
-                <a:solidFill>
-                  <a:schemeClr val="tx1"/>
-                </a:solidFill>
-                <a:latin typeface="Arial" panose="020B0604020202020204" pitchFamily="34" charset="0"/>
-              </a:defRPr>
-            </a:lvl1pPr>
-            <a:lvl2pPr marL="457200" indent="0">
-              <a:buNone/>
-              <a:defRPr sz="1000" b="0" i="0">
-                <a:solidFill>
-                  <a:schemeClr val="bg1"/>
-                </a:solidFill>
-                <a:latin typeface="MB Corpo S Text Office Light" panose="020B0404050000000004" pitchFamily="34" charset="77"/>
-              </a:defRPr>
-            </a:lvl2pPr>
-            <a:lvl3pPr marL="914400" indent="0">
-              <a:buNone/>
-              <a:defRPr sz="900" b="0" i="0">
-                <a:solidFill>
-                  <a:schemeClr val="bg1"/>
-                </a:solidFill>
-                <a:latin typeface="MB Corpo S Text Office Light" panose="020B0404050000000004" pitchFamily="34" charset="77"/>
-              </a:defRPr>
-            </a:lvl3pPr>
-            <a:lvl4pPr marL="1371600" indent="0">
-              <a:buNone/>
-              <a:defRPr sz="800" b="0" i="0">
-                <a:solidFill>
-                  <a:schemeClr val="bg1"/>
-                </a:solidFill>
-                <a:latin typeface="MB Corpo S Text Office Light" panose="020B0404050000000004" pitchFamily="34" charset="77"/>
-              </a:defRPr>
-            </a:lvl4pPr>
-            <a:lvl5pPr marL="1828800" indent="0">
-              <a:buNone/>
-              <a:defRPr sz="800" b="0" i="0">
-                <a:solidFill>
-                  <a:schemeClr val="bg1"/>
-                </a:solidFill>
-                <a:latin typeface="MB Corpo S Text Office Light" panose="020B0404050000000004" pitchFamily="34" charset="77"/>
-              </a:defRPr>
-            </a:lvl5pPr>
-          </a:lstStyle>
-          <a:p>
-            <a:pPr lvl="0"/>
-            <a:endParaRPr lang="de-DE" dirty="0"/>
-          </a:p>
-        </p:txBody>
-      </p:sp>
-      <p:sp>
-        <p:nvSpPr>
-          <p:cNvPr id="8" name="Inhaltsplatzhalter 54">
-            <a:extLst>
-              <a:ext uri="{FF2B5EF4-FFF2-40B4-BE49-F238E27FC236}">
-                <a16:creationId xmlns:a16="http://schemas.microsoft.com/office/drawing/2014/main" id="{4843759C-4B13-0884-F423-5B746F1CCD17}"/>
-              </a:ext>
-            </a:extLst>
-          </p:cNvPr>
-          <p:cNvSpPr>
-            <a:spLocks noGrp="1"/>
-          </p:cNvSpPr>
-          <p:nvPr>
-            <p:ph sz="quarter" idx="42"/>
-          </p:nvPr>
-        </p:nvSpPr>
-        <p:spPr>
-          <a:xfrm>
-            <a:off x="2511596" y="5572022"/>
-            <a:ext cx="1949450" cy="230832"/>
-          </a:xfrm>
-          <a:prstGeom prst="rect">
-            <a:avLst/>
-          </a:prstGeom>
-          <a:noFill/>
-        </p:spPr>
-        <p:txBody>
-          <a:bodyPr wrap="square" rtlCol="0">
-            <a:spAutoFit/>
-          </a:bodyPr>
-          <a:lstStyle>
-            <a:lvl1pPr marL="0" indent="0">
-              <a:buNone/>
-              <a:defRPr lang="de-DE" sz="1000" b="0" i="0" kern="1200" baseline="0" dirty="0" smtClean="0">
-                <a:solidFill>
-                  <a:schemeClr val="tx1"/>
-                </a:solidFill>
-                <a:latin typeface="Arial" panose="020B0604020202020204" pitchFamily="34" charset="0"/>
-                <a:ea typeface="+mn-ea"/>
-                <a:cs typeface="Arial" panose="020B0604020202020204" pitchFamily="34" charset="0"/>
-              </a:defRPr>
-            </a:lvl1pPr>
-            <a:lvl2pPr>
-              <a:defRPr lang="de-DE" sz="1800" smtClean="0"/>
-            </a:lvl2pPr>
-            <a:lvl3pPr>
-              <a:defRPr lang="de-DE" sz="1800" smtClean="0"/>
-            </a:lvl3pPr>
-            <a:lvl4pPr>
-              <a:defRPr lang="de-DE" smtClean="0"/>
-            </a:lvl4pPr>
-            <a:lvl5pPr>
-              <a:defRPr lang="de-DE"/>
-            </a:lvl5pPr>
-          </a:lstStyle>
-          <a:p>
-            <a:pPr marL="0" lvl="0" algn="ctr"/>
-            <a:r>
-              <a:rPr lang="de-DE" dirty="0"/>
-              <a:t>Mastertextformat bearbeiten</a:t>
-            </a:r>
-          </a:p>
-        </p:txBody>
-      </p:sp>
-      <p:sp>
-        <p:nvSpPr>
-          <p:cNvPr id="9" name="Inhaltsplatzhalter 54">
-            <a:extLst>
-              <a:ext uri="{FF2B5EF4-FFF2-40B4-BE49-F238E27FC236}">
-                <a16:creationId xmlns:a16="http://schemas.microsoft.com/office/drawing/2014/main" id="{AE52B0FB-67EF-5BD9-3C6B-075DE5F8E73B}"/>
-              </a:ext>
-            </a:extLst>
-          </p:cNvPr>
-          <p:cNvSpPr>
-            <a:spLocks noGrp="1"/>
-          </p:cNvSpPr>
-          <p:nvPr>
-            <p:ph sz="quarter" idx="43"/>
-          </p:nvPr>
-        </p:nvSpPr>
-        <p:spPr>
-          <a:xfrm>
-            <a:off x="5648490" y="5572022"/>
-            <a:ext cx="1949450" cy="230832"/>
-          </a:xfrm>
-          <a:prstGeom prst="rect">
-            <a:avLst/>
-          </a:prstGeom>
-          <a:noFill/>
-        </p:spPr>
-        <p:txBody>
-          <a:bodyPr wrap="square" rtlCol="0">
-            <a:spAutoFit/>
-          </a:bodyPr>
-          <a:lstStyle>
-            <a:lvl1pPr marL="0" indent="0">
-              <a:buNone/>
-              <a:defRPr lang="de-DE" sz="1000" b="0" i="0" kern="1200" baseline="0" dirty="0" smtClean="0">
-                <a:solidFill>
-                  <a:schemeClr val="tx1"/>
-                </a:solidFill>
-                <a:latin typeface="Arial" panose="020B0604020202020204" pitchFamily="34" charset="0"/>
-                <a:ea typeface="+mn-ea"/>
-                <a:cs typeface="Arial" panose="020B0604020202020204" pitchFamily="34" charset="0"/>
-              </a:defRPr>
-            </a:lvl1pPr>
-            <a:lvl2pPr>
-              <a:defRPr lang="de-DE" sz="1800" smtClean="0"/>
-            </a:lvl2pPr>
-            <a:lvl3pPr>
-              <a:defRPr lang="de-DE" sz="1800" smtClean="0"/>
-            </a:lvl3pPr>
-            <a:lvl4pPr>
-              <a:defRPr lang="de-DE" smtClean="0"/>
-            </a:lvl4pPr>
-            <a:lvl5pPr>
-              <a:defRPr lang="de-DE"/>
-            </a:lvl5pPr>
-          </a:lstStyle>
-          <a:p>
-            <a:pPr marL="0" lvl="0" algn="ctr"/>
-            <a:r>
-              <a:rPr lang="de-DE" dirty="0"/>
-              <a:t>Mastertextformat bearbeiten</a:t>
-            </a:r>
-          </a:p>
-        </p:txBody>
-      </p:sp>
-      <p:sp>
-        <p:nvSpPr>
-          <p:cNvPr id="27" name="Inhaltsplatzhalter 54">
-            <a:extLst>
-              <a:ext uri="{FF2B5EF4-FFF2-40B4-BE49-F238E27FC236}">
-                <a16:creationId xmlns:a16="http://schemas.microsoft.com/office/drawing/2014/main" id="{903DA698-2B66-78B4-D067-27877449FE50}"/>
-              </a:ext>
-            </a:extLst>
-          </p:cNvPr>
-          <p:cNvSpPr>
-            <a:spLocks noGrp="1"/>
-          </p:cNvSpPr>
-          <p:nvPr>
-            <p:ph sz="quarter" idx="44"/>
-          </p:nvPr>
-        </p:nvSpPr>
-        <p:spPr>
-          <a:xfrm>
-            <a:off x="8770775" y="5572022"/>
-            <a:ext cx="1949450" cy="230832"/>
-          </a:xfrm>
-          <a:prstGeom prst="rect">
-            <a:avLst/>
-          </a:prstGeom>
-          <a:noFill/>
-        </p:spPr>
-        <p:txBody>
-          <a:bodyPr wrap="square" rtlCol="0">
-            <a:spAutoFit/>
-          </a:bodyPr>
-          <a:lstStyle>
-            <a:lvl1pPr marL="0" indent="0">
-              <a:buNone/>
-              <a:defRPr lang="de-DE" sz="1000" b="0" i="0" kern="1200" baseline="0" dirty="0" smtClean="0">
-                <a:solidFill>
-                  <a:schemeClr val="tx1"/>
-                </a:solidFill>
-                <a:latin typeface="Arial" panose="020B0604020202020204" pitchFamily="34" charset="0"/>
-                <a:ea typeface="+mn-ea"/>
-                <a:cs typeface="Arial" panose="020B0604020202020204" pitchFamily="34" charset="0"/>
-              </a:defRPr>
-            </a:lvl1pPr>
-            <a:lvl2pPr>
-              <a:defRPr lang="de-DE" sz="1800" smtClean="0"/>
-            </a:lvl2pPr>
-            <a:lvl3pPr>
-              <a:defRPr lang="de-DE" sz="1800" smtClean="0"/>
-            </a:lvl3pPr>
-            <a:lvl4pPr>
-              <a:defRPr lang="de-DE" smtClean="0"/>
-            </a:lvl4pPr>
-            <a:lvl5pPr>
-              <a:defRPr lang="de-DE"/>
-            </a:lvl5pPr>
-          </a:lstStyle>
-          <a:p>
-            <a:pPr marL="0" lvl="0" algn="ctr"/>
-            <a:r>
-              <a:rPr lang="de-DE" dirty="0"/>
-              <a:t>Mastertextformat bearbeiten</a:t>
-            </a:r>
-          </a:p>
-        </p:txBody>
-      </p:sp>
-      <p:sp>
-        <p:nvSpPr>
           <p:cNvPr id="31" name="Bildplatzhalter 2">
             <a:extLst>
               <a:ext uri="{FF2B5EF4-FFF2-40B4-BE49-F238E27FC236}">
@@ -2852,10 +1562,10 @@
         </p:nvGrpSpPr>
         <p:grpSpPr>
           <a:xfrm>
-            <a:off x="482851" y="2101436"/>
-            <a:ext cx="1799009" cy="1363368"/>
-            <a:chOff x="482851" y="2101436"/>
-            <a:chExt cx="1755623" cy="1363368"/>
+            <a:off x="457796" y="2118136"/>
+            <a:ext cx="1763847" cy="1363368"/>
+            <a:chOff x="486925" y="2101436"/>
+            <a:chExt cx="1721309" cy="1363368"/>
           </a:xfrm>
         </p:grpSpPr>
         <p:cxnSp>
@@ -2874,7 +1584,7 @@
           </p:nvCxnSpPr>
           <p:spPr>
             <a:xfrm>
-              <a:off x="517165" y="2101436"/>
+              <a:off x="486925" y="2101436"/>
               <a:ext cx="1721309" cy="0"/>
             </a:xfrm>
             <a:prstGeom prst="line">
@@ -2919,7 +1629,7 @@
           </p:nvCxnSpPr>
           <p:spPr>
             <a:xfrm>
-              <a:off x="517165" y="2773181"/>
+              <a:off x="486925" y="2773181"/>
               <a:ext cx="1721309" cy="0"/>
             </a:xfrm>
             <a:prstGeom prst="line">
@@ -2964,7 +1674,7 @@
           </p:nvCxnSpPr>
           <p:spPr>
             <a:xfrm>
-              <a:off x="482851" y="3464804"/>
+              <a:off x="486925" y="3464804"/>
               <a:ext cx="1721309" cy="0"/>
             </a:xfrm>
             <a:prstGeom prst="line">
@@ -2994,10 +1704,730 @@
           </p:style>
         </p:cxnSp>
       </p:grpSp>
+      <p:sp>
+        <p:nvSpPr>
+          <p:cNvPr id="7" name="Inhaltsplatzhalter 6">
+            <a:extLst>
+              <a:ext uri="{FF2B5EF4-FFF2-40B4-BE49-F238E27FC236}">
+                <a16:creationId xmlns:a16="http://schemas.microsoft.com/office/drawing/2014/main" id="{56E3FAAB-479C-77E6-C909-661A185295C9}"/>
+              </a:ext>
+            </a:extLst>
+          </p:cNvPr>
+          <p:cNvSpPr>
+            <a:spLocks noGrp="1"/>
+          </p:cNvSpPr>
+          <p:nvPr>
+            <p:ph sz="quarter" idx="48"/>
+          </p:nvPr>
+        </p:nvSpPr>
+        <p:spPr>
+          <a:xfrm>
+            <a:off x="4492172" y="2590710"/>
+            <a:ext cx="959523" cy="200055"/>
+          </a:xfrm>
+          <a:prstGeom prst="rect">
+            <a:avLst/>
+          </a:prstGeom>
+        </p:spPr>
+        <p:txBody>
+          <a:bodyPr/>
+          <a:lstStyle>
+            <a:lvl1pPr marL="0" indent="0">
+              <a:buFontTx/>
+              <a:buNone/>
+              <a:defRPr sz="1050" baseline="0"/>
+            </a:lvl1pPr>
+          </a:lstStyle>
+          <a:p>
+            <a:pPr lvl="0"/>
+            <a:endParaRPr lang="de-DE" dirty="0"/>
+          </a:p>
+        </p:txBody>
+      </p:sp>
+      <p:sp>
+        <p:nvSpPr>
+          <p:cNvPr id="15" name="Inhaltsplatzhalter 6">
+            <a:extLst>
+              <a:ext uri="{FF2B5EF4-FFF2-40B4-BE49-F238E27FC236}">
+                <a16:creationId xmlns:a16="http://schemas.microsoft.com/office/drawing/2014/main" id="{B8FCF0F9-7348-DABC-9A07-42B5EC46B7C4}"/>
+              </a:ext>
+            </a:extLst>
+          </p:cNvPr>
+          <p:cNvSpPr>
+            <a:spLocks noGrp="1"/>
+          </p:cNvSpPr>
+          <p:nvPr>
+            <p:ph sz="quarter" idx="49"/>
+          </p:nvPr>
+        </p:nvSpPr>
+        <p:spPr>
+          <a:xfrm>
+            <a:off x="4492172" y="3131667"/>
+            <a:ext cx="959523" cy="200055"/>
+          </a:xfrm>
+          <a:prstGeom prst="rect">
+            <a:avLst/>
+          </a:prstGeom>
+        </p:spPr>
+        <p:txBody>
+          <a:bodyPr/>
+          <a:lstStyle>
+            <a:lvl1pPr marL="0" indent="0">
+              <a:buFontTx/>
+              <a:buNone/>
+              <a:defRPr sz="1050" baseline="0"/>
+            </a:lvl1pPr>
+          </a:lstStyle>
+          <a:p>
+            <a:pPr lvl="0"/>
+            <a:endParaRPr lang="de-DE" dirty="0"/>
+          </a:p>
+        </p:txBody>
+      </p:sp>
+      <p:sp>
+        <p:nvSpPr>
+          <p:cNvPr id="16" name="Inhaltsplatzhalter 6">
+            <a:extLst>
+              <a:ext uri="{FF2B5EF4-FFF2-40B4-BE49-F238E27FC236}">
+                <a16:creationId xmlns:a16="http://schemas.microsoft.com/office/drawing/2014/main" id="{1825555F-E05A-F040-B0B2-C36DA66EDFB2}"/>
+              </a:ext>
+            </a:extLst>
+          </p:cNvPr>
+          <p:cNvSpPr>
+            <a:spLocks noGrp="1"/>
+          </p:cNvSpPr>
+          <p:nvPr>
+            <p:ph sz="quarter" idx="50"/>
+          </p:nvPr>
+        </p:nvSpPr>
+        <p:spPr>
+          <a:xfrm>
+            <a:off x="4492172" y="3684018"/>
+            <a:ext cx="959523" cy="200055"/>
+          </a:xfrm>
+          <a:prstGeom prst="rect">
+            <a:avLst/>
+          </a:prstGeom>
+        </p:spPr>
+        <p:txBody>
+          <a:bodyPr/>
+          <a:lstStyle>
+            <a:lvl1pPr marL="0" indent="0">
+              <a:buFontTx/>
+              <a:buNone/>
+              <a:defRPr sz="1050" baseline="0"/>
+            </a:lvl1pPr>
+          </a:lstStyle>
+          <a:p>
+            <a:pPr lvl="0"/>
+            <a:endParaRPr lang="de-DE" dirty="0"/>
+          </a:p>
+        </p:txBody>
+      </p:sp>
+      <p:sp>
+        <p:nvSpPr>
+          <p:cNvPr id="17" name="Inhaltsplatzhalter 6">
+            <a:extLst>
+              <a:ext uri="{FF2B5EF4-FFF2-40B4-BE49-F238E27FC236}">
+                <a16:creationId xmlns:a16="http://schemas.microsoft.com/office/drawing/2014/main" id="{F9974DE1-7425-0FE8-C52C-E6F44A5001AE}"/>
+              </a:ext>
+            </a:extLst>
+          </p:cNvPr>
+          <p:cNvSpPr>
+            <a:spLocks noGrp="1"/>
+          </p:cNvSpPr>
+          <p:nvPr>
+            <p:ph sz="quarter" idx="51"/>
+          </p:nvPr>
+        </p:nvSpPr>
+        <p:spPr>
+          <a:xfrm>
+            <a:off x="4492172" y="2204918"/>
+            <a:ext cx="808684" cy="200055"/>
+          </a:xfrm>
+          <a:prstGeom prst="rect">
+            <a:avLst/>
+          </a:prstGeom>
+        </p:spPr>
+        <p:txBody>
+          <a:bodyPr/>
+          <a:lstStyle>
+            <a:lvl1pPr marL="0" indent="0">
+              <a:buFontTx/>
+              <a:buNone/>
+              <a:defRPr sz="700" baseline="0"/>
+            </a:lvl1pPr>
+          </a:lstStyle>
+          <a:p>
+            <a:pPr lvl="0"/>
+            <a:endParaRPr lang="de-DE" dirty="0"/>
+          </a:p>
+        </p:txBody>
+      </p:sp>
+      <p:sp>
+        <p:nvSpPr>
+          <p:cNvPr id="19" name="Inhaltsplatzhalter 6">
+            <a:extLst>
+              <a:ext uri="{FF2B5EF4-FFF2-40B4-BE49-F238E27FC236}">
+                <a16:creationId xmlns:a16="http://schemas.microsoft.com/office/drawing/2014/main" id="{48F6D96D-F618-FA70-4320-8260D486C91F}"/>
+              </a:ext>
+            </a:extLst>
+          </p:cNvPr>
+          <p:cNvSpPr>
+            <a:spLocks noGrp="1"/>
+          </p:cNvSpPr>
+          <p:nvPr>
+            <p:ph sz="quarter" idx="52"/>
+          </p:nvPr>
+        </p:nvSpPr>
+        <p:spPr>
+          <a:xfrm>
+            <a:off x="2386633" y="5572697"/>
+            <a:ext cx="2145861" cy="200055"/>
+          </a:xfrm>
+          <a:prstGeom prst="rect">
+            <a:avLst/>
+          </a:prstGeom>
+        </p:spPr>
+        <p:txBody>
+          <a:bodyPr/>
+          <a:lstStyle>
+            <a:lvl1pPr marL="0" indent="0" algn="ctr">
+              <a:buFontTx/>
+              <a:buNone/>
+              <a:defRPr sz="1050" baseline="0"/>
+            </a:lvl1pPr>
+          </a:lstStyle>
+          <a:p>
+            <a:pPr lvl="0"/>
+            <a:endParaRPr lang="de-DE" dirty="0"/>
+          </a:p>
+        </p:txBody>
+      </p:sp>
+      <p:sp>
+        <p:nvSpPr>
+          <p:cNvPr id="33" name="Inhaltsplatzhalter 6">
+            <a:extLst>
+              <a:ext uri="{FF2B5EF4-FFF2-40B4-BE49-F238E27FC236}">
+                <a16:creationId xmlns:a16="http://schemas.microsoft.com/office/drawing/2014/main" id="{24991BB3-4068-3C04-0F8E-33C7492C153E}"/>
+              </a:ext>
+            </a:extLst>
+          </p:cNvPr>
+          <p:cNvSpPr>
+            <a:spLocks noGrp="1"/>
+          </p:cNvSpPr>
+          <p:nvPr>
+            <p:ph sz="quarter" idx="53"/>
+          </p:nvPr>
+        </p:nvSpPr>
+        <p:spPr>
+          <a:xfrm>
+            <a:off x="7630813" y="2590710"/>
+            <a:ext cx="959523" cy="200055"/>
+          </a:xfrm>
+          <a:prstGeom prst="rect">
+            <a:avLst/>
+          </a:prstGeom>
+        </p:spPr>
+        <p:txBody>
+          <a:bodyPr/>
+          <a:lstStyle>
+            <a:lvl1pPr marL="0" indent="0">
+              <a:buFontTx/>
+              <a:buNone/>
+              <a:defRPr sz="1050" baseline="0"/>
+            </a:lvl1pPr>
+          </a:lstStyle>
+          <a:p>
+            <a:pPr lvl="0"/>
+            <a:endParaRPr lang="de-DE" dirty="0"/>
+          </a:p>
+        </p:txBody>
+      </p:sp>
+      <p:sp>
+        <p:nvSpPr>
+          <p:cNvPr id="40" name="Inhaltsplatzhalter 6">
+            <a:extLst>
+              <a:ext uri="{FF2B5EF4-FFF2-40B4-BE49-F238E27FC236}">
+                <a16:creationId xmlns:a16="http://schemas.microsoft.com/office/drawing/2014/main" id="{AB5C065A-5431-DEA0-044E-F05FEB90945E}"/>
+              </a:ext>
+            </a:extLst>
+          </p:cNvPr>
+          <p:cNvSpPr>
+            <a:spLocks noGrp="1"/>
+          </p:cNvSpPr>
+          <p:nvPr>
+            <p:ph sz="quarter" idx="54"/>
+          </p:nvPr>
+        </p:nvSpPr>
+        <p:spPr>
+          <a:xfrm>
+            <a:off x="7630813" y="3131667"/>
+            <a:ext cx="959523" cy="200055"/>
+          </a:xfrm>
+          <a:prstGeom prst="rect">
+            <a:avLst/>
+          </a:prstGeom>
+        </p:spPr>
+        <p:txBody>
+          <a:bodyPr/>
+          <a:lstStyle>
+            <a:lvl1pPr marL="0" indent="0">
+              <a:buFontTx/>
+              <a:buNone/>
+              <a:defRPr sz="1050" baseline="0"/>
+            </a:lvl1pPr>
+          </a:lstStyle>
+          <a:p>
+            <a:pPr lvl="0"/>
+            <a:endParaRPr lang="de-DE" dirty="0"/>
+          </a:p>
+        </p:txBody>
+      </p:sp>
+      <p:sp>
+        <p:nvSpPr>
+          <p:cNvPr id="42" name="Inhaltsplatzhalter 6">
+            <a:extLst>
+              <a:ext uri="{FF2B5EF4-FFF2-40B4-BE49-F238E27FC236}">
+                <a16:creationId xmlns:a16="http://schemas.microsoft.com/office/drawing/2014/main" id="{E43CA7FC-1159-5E5F-A2D8-5A276EFCC29B}"/>
+              </a:ext>
+            </a:extLst>
+          </p:cNvPr>
+          <p:cNvSpPr>
+            <a:spLocks noGrp="1"/>
+          </p:cNvSpPr>
+          <p:nvPr>
+            <p:ph sz="quarter" idx="55"/>
+          </p:nvPr>
+        </p:nvSpPr>
+        <p:spPr>
+          <a:xfrm>
+            <a:off x="7630813" y="3684018"/>
+            <a:ext cx="959523" cy="200055"/>
+          </a:xfrm>
+          <a:prstGeom prst="rect">
+            <a:avLst/>
+          </a:prstGeom>
+        </p:spPr>
+        <p:txBody>
+          <a:bodyPr/>
+          <a:lstStyle>
+            <a:lvl1pPr marL="0" indent="0">
+              <a:buFontTx/>
+              <a:buNone/>
+              <a:defRPr sz="1050" baseline="0"/>
+            </a:lvl1pPr>
+          </a:lstStyle>
+          <a:p>
+            <a:pPr lvl="0"/>
+            <a:endParaRPr lang="de-DE" dirty="0"/>
+          </a:p>
+        </p:txBody>
+      </p:sp>
+      <p:sp>
+        <p:nvSpPr>
+          <p:cNvPr id="43" name="Inhaltsplatzhalter 6">
+            <a:extLst>
+              <a:ext uri="{FF2B5EF4-FFF2-40B4-BE49-F238E27FC236}">
+                <a16:creationId xmlns:a16="http://schemas.microsoft.com/office/drawing/2014/main" id="{B18FA5FF-B3E9-FCB4-1AC1-D6A3520094E8}"/>
+              </a:ext>
+            </a:extLst>
+          </p:cNvPr>
+          <p:cNvSpPr>
+            <a:spLocks noGrp="1"/>
+          </p:cNvSpPr>
+          <p:nvPr>
+            <p:ph sz="quarter" idx="56"/>
+          </p:nvPr>
+        </p:nvSpPr>
+        <p:spPr>
+          <a:xfrm>
+            <a:off x="7630813" y="2204918"/>
+            <a:ext cx="808684" cy="200055"/>
+          </a:xfrm>
+          <a:prstGeom prst="rect">
+            <a:avLst/>
+          </a:prstGeom>
+        </p:spPr>
+        <p:txBody>
+          <a:bodyPr/>
+          <a:lstStyle>
+            <a:lvl1pPr marL="0" indent="0">
+              <a:buFontTx/>
+              <a:buNone/>
+              <a:defRPr sz="700" baseline="0"/>
+            </a:lvl1pPr>
+          </a:lstStyle>
+          <a:p>
+            <a:pPr lvl="0"/>
+            <a:endParaRPr lang="de-DE" dirty="0"/>
+          </a:p>
+        </p:txBody>
+      </p:sp>
+      <p:sp>
+        <p:nvSpPr>
+          <p:cNvPr id="44" name="Inhaltsplatzhalter 6">
+            <a:extLst>
+              <a:ext uri="{FF2B5EF4-FFF2-40B4-BE49-F238E27FC236}">
+                <a16:creationId xmlns:a16="http://schemas.microsoft.com/office/drawing/2014/main" id="{0668D744-97BA-F81A-5FA7-1B359652F654}"/>
+              </a:ext>
+            </a:extLst>
+          </p:cNvPr>
+          <p:cNvSpPr>
+            <a:spLocks noGrp="1"/>
+          </p:cNvSpPr>
+          <p:nvPr>
+            <p:ph sz="quarter" idx="57"/>
+          </p:nvPr>
+        </p:nvSpPr>
+        <p:spPr>
+          <a:xfrm>
+            <a:off x="5525274" y="5572697"/>
+            <a:ext cx="2145861" cy="200055"/>
+          </a:xfrm>
+          <a:prstGeom prst="rect">
+            <a:avLst/>
+          </a:prstGeom>
+        </p:spPr>
+        <p:txBody>
+          <a:bodyPr/>
+          <a:lstStyle>
+            <a:lvl1pPr marL="0" indent="0" algn="ctr">
+              <a:buFontTx/>
+              <a:buNone/>
+              <a:defRPr sz="1050" baseline="0"/>
+            </a:lvl1pPr>
+          </a:lstStyle>
+          <a:p>
+            <a:pPr lvl="0"/>
+            <a:endParaRPr lang="de-DE" dirty="0"/>
+          </a:p>
+        </p:txBody>
+      </p:sp>
+      <p:sp>
+        <p:nvSpPr>
+          <p:cNvPr id="45" name="Inhaltsplatzhalter 6">
+            <a:extLst>
+              <a:ext uri="{FF2B5EF4-FFF2-40B4-BE49-F238E27FC236}">
+                <a16:creationId xmlns:a16="http://schemas.microsoft.com/office/drawing/2014/main" id="{DE351616-E905-2AB1-F3A5-38A2E87988EB}"/>
+              </a:ext>
+            </a:extLst>
+          </p:cNvPr>
+          <p:cNvSpPr>
+            <a:spLocks noGrp="1"/>
+          </p:cNvSpPr>
+          <p:nvPr>
+            <p:ph sz="quarter" idx="58"/>
+          </p:nvPr>
+        </p:nvSpPr>
+        <p:spPr>
+          <a:xfrm>
+            <a:off x="10753521" y="2590710"/>
+            <a:ext cx="959523" cy="200055"/>
+          </a:xfrm>
+          <a:prstGeom prst="rect">
+            <a:avLst/>
+          </a:prstGeom>
+        </p:spPr>
+        <p:txBody>
+          <a:bodyPr/>
+          <a:lstStyle>
+            <a:lvl1pPr marL="0" indent="0">
+              <a:buFontTx/>
+              <a:buNone/>
+              <a:defRPr sz="1050" baseline="0"/>
+            </a:lvl1pPr>
+          </a:lstStyle>
+          <a:p>
+            <a:pPr lvl="0"/>
+            <a:endParaRPr lang="de-DE" dirty="0"/>
+          </a:p>
+        </p:txBody>
+      </p:sp>
+      <p:sp>
+        <p:nvSpPr>
+          <p:cNvPr id="47" name="Inhaltsplatzhalter 6">
+            <a:extLst>
+              <a:ext uri="{FF2B5EF4-FFF2-40B4-BE49-F238E27FC236}">
+                <a16:creationId xmlns:a16="http://schemas.microsoft.com/office/drawing/2014/main" id="{C94D834B-DFC8-AF32-0506-413F02472231}"/>
+              </a:ext>
+            </a:extLst>
+          </p:cNvPr>
+          <p:cNvSpPr>
+            <a:spLocks noGrp="1"/>
+          </p:cNvSpPr>
+          <p:nvPr>
+            <p:ph sz="quarter" idx="59"/>
+          </p:nvPr>
+        </p:nvSpPr>
+        <p:spPr>
+          <a:xfrm>
+            <a:off x="10753521" y="3131667"/>
+            <a:ext cx="959523" cy="200055"/>
+          </a:xfrm>
+          <a:prstGeom prst="rect">
+            <a:avLst/>
+          </a:prstGeom>
+        </p:spPr>
+        <p:txBody>
+          <a:bodyPr/>
+          <a:lstStyle>
+            <a:lvl1pPr marL="0" indent="0">
+              <a:buFontTx/>
+              <a:buNone/>
+              <a:defRPr sz="1050" baseline="0"/>
+            </a:lvl1pPr>
+          </a:lstStyle>
+          <a:p>
+            <a:pPr lvl="0"/>
+            <a:endParaRPr lang="de-DE" dirty="0"/>
+          </a:p>
+        </p:txBody>
+      </p:sp>
+      <p:sp>
+        <p:nvSpPr>
+          <p:cNvPr id="48" name="Inhaltsplatzhalter 6">
+            <a:extLst>
+              <a:ext uri="{FF2B5EF4-FFF2-40B4-BE49-F238E27FC236}">
+                <a16:creationId xmlns:a16="http://schemas.microsoft.com/office/drawing/2014/main" id="{0319EDD4-2540-1F4B-0B7E-2729DC4567C5}"/>
+              </a:ext>
+            </a:extLst>
+          </p:cNvPr>
+          <p:cNvSpPr>
+            <a:spLocks noGrp="1"/>
+          </p:cNvSpPr>
+          <p:nvPr>
+            <p:ph sz="quarter" idx="60"/>
+          </p:nvPr>
+        </p:nvSpPr>
+        <p:spPr>
+          <a:xfrm>
+            <a:off x="10753521" y="3684018"/>
+            <a:ext cx="959523" cy="200055"/>
+          </a:xfrm>
+          <a:prstGeom prst="rect">
+            <a:avLst/>
+          </a:prstGeom>
+        </p:spPr>
+        <p:txBody>
+          <a:bodyPr/>
+          <a:lstStyle>
+            <a:lvl1pPr marL="0" indent="0">
+              <a:buFontTx/>
+              <a:buNone/>
+              <a:defRPr sz="1050" baseline="0"/>
+            </a:lvl1pPr>
+          </a:lstStyle>
+          <a:p>
+            <a:pPr lvl="0"/>
+            <a:endParaRPr lang="de-DE" dirty="0"/>
+          </a:p>
+        </p:txBody>
+      </p:sp>
+      <p:sp>
+        <p:nvSpPr>
+          <p:cNvPr id="51" name="Inhaltsplatzhalter 6">
+            <a:extLst>
+              <a:ext uri="{FF2B5EF4-FFF2-40B4-BE49-F238E27FC236}">
+                <a16:creationId xmlns:a16="http://schemas.microsoft.com/office/drawing/2014/main" id="{2438F2C2-C301-AD61-17A3-E2517E822F31}"/>
+              </a:ext>
+            </a:extLst>
+          </p:cNvPr>
+          <p:cNvSpPr>
+            <a:spLocks noGrp="1"/>
+          </p:cNvSpPr>
+          <p:nvPr>
+            <p:ph sz="quarter" idx="61"/>
+          </p:nvPr>
+        </p:nvSpPr>
+        <p:spPr>
+          <a:xfrm>
+            <a:off x="10753521" y="2204918"/>
+            <a:ext cx="808684" cy="200055"/>
+          </a:xfrm>
+          <a:prstGeom prst="rect">
+            <a:avLst/>
+          </a:prstGeom>
+        </p:spPr>
+        <p:txBody>
+          <a:bodyPr/>
+          <a:lstStyle>
+            <a:lvl1pPr marL="0" indent="0">
+              <a:buFontTx/>
+              <a:buNone/>
+              <a:defRPr sz="700" baseline="0"/>
+            </a:lvl1pPr>
+          </a:lstStyle>
+          <a:p>
+            <a:pPr lvl="0"/>
+            <a:endParaRPr lang="de-DE" dirty="0"/>
+          </a:p>
+        </p:txBody>
+      </p:sp>
+      <p:sp>
+        <p:nvSpPr>
+          <p:cNvPr id="52" name="Inhaltsplatzhalter 6">
+            <a:extLst>
+              <a:ext uri="{FF2B5EF4-FFF2-40B4-BE49-F238E27FC236}">
+                <a16:creationId xmlns:a16="http://schemas.microsoft.com/office/drawing/2014/main" id="{B29127A2-B666-C328-CF04-D0976D1B7736}"/>
+              </a:ext>
+            </a:extLst>
+          </p:cNvPr>
+          <p:cNvSpPr>
+            <a:spLocks noGrp="1"/>
+          </p:cNvSpPr>
+          <p:nvPr>
+            <p:ph sz="quarter" idx="62"/>
+          </p:nvPr>
+        </p:nvSpPr>
+        <p:spPr>
+          <a:xfrm>
+            <a:off x="8647982" y="5572697"/>
+            <a:ext cx="2145861" cy="200055"/>
+          </a:xfrm>
+          <a:prstGeom prst="rect">
+            <a:avLst/>
+          </a:prstGeom>
+        </p:spPr>
+        <p:txBody>
+          <a:bodyPr/>
+          <a:lstStyle>
+            <a:lvl1pPr marL="0" indent="0" algn="ctr">
+              <a:buFontTx/>
+              <a:buNone/>
+              <a:defRPr sz="1050" baseline="0"/>
+            </a:lvl1pPr>
+          </a:lstStyle>
+          <a:p>
+            <a:pPr lvl="0"/>
+            <a:endParaRPr lang="de-DE" dirty="0"/>
+          </a:p>
+        </p:txBody>
+      </p:sp>
+      <p:sp>
+        <p:nvSpPr>
+          <p:cNvPr id="59" name="Inhaltsplatzhalter 6">
+            <a:extLst>
+              <a:ext uri="{FF2B5EF4-FFF2-40B4-BE49-F238E27FC236}">
+                <a16:creationId xmlns:a16="http://schemas.microsoft.com/office/drawing/2014/main" id="{2DF6E6F2-DEE2-40D0-23AF-31FED09AB79E}"/>
+              </a:ext>
+            </a:extLst>
+          </p:cNvPr>
+          <p:cNvSpPr>
+            <a:spLocks noGrp="1"/>
+          </p:cNvSpPr>
+          <p:nvPr>
+            <p:ph sz="quarter" idx="63"/>
+          </p:nvPr>
+        </p:nvSpPr>
+        <p:spPr>
+          <a:xfrm>
+            <a:off x="389964" y="3522438"/>
+            <a:ext cx="1763844" cy="261607"/>
+          </a:xfrm>
+          <a:prstGeom prst="rect">
+            <a:avLst/>
+          </a:prstGeom>
+        </p:spPr>
+        <p:txBody>
+          <a:bodyPr/>
+          <a:lstStyle>
+            <a:lvl1pPr marL="0" indent="0">
+              <a:buFontTx/>
+              <a:buNone/>
+              <a:defRPr sz="1050" baseline="0"/>
+            </a:lvl1pPr>
+          </a:lstStyle>
+          <a:p>
+            <a:pPr lvl="0"/>
+            <a:endParaRPr lang="de-DE" dirty="0"/>
+          </a:p>
+        </p:txBody>
+      </p:sp>
+      <p:sp>
+        <p:nvSpPr>
+          <p:cNvPr id="60" name="Inhaltsplatzhalter 6">
+            <a:extLst>
+              <a:ext uri="{FF2B5EF4-FFF2-40B4-BE49-F238E27FC236}">
+                <a16:creationId xmlns:a16="http://schemas.microsoft.com/office/drawing/2014/main" id="{6B57F45D-73B0-915E-8BB0-CAD092C8356C}"/>
+              </a:ext>
+            </a:extLst>
+          </p:cNvPr>
+          <p:cNvSpPr>
+            <a:spLocks noGrp="1"/>
+          </p:cNvSpPr>
+          <p:nvPr>
+            <p:ph sz="quarter" idx="64"/>
+          </p:nvPr>
+        </p:nvSpPr>
+        <p:spPr>
+          <a:xfrm>
+            <a:off x="389964" y="2817471"/>
+            <a:ext cx="1763844" cy="261607"/>
+          </a:xfrm>
+          <a:prstGeom prst="rect">
+            <a:avLst/>
+          </a:prstGeom>
+        </p:spPr>
+        <p:txBody>
+          <a:bodyPr/>
+          <a:lstStyle>
+            <a:lvl1pPr marL="0" indent="0">
+              <a:buFontTx/>
+              <a:buNone/>
+              <a:defRPr sz="1050" baseline="0"/>
+            </a:lvl1pPr>
+          </a:lstStyle>
+          <a:p>
+            <a:pPr lvl="0"/>
+            <a:endParaRPr lang="de-DE" dirty="0"/>
+          </a:p>
+        </p:txBody>
+      </p:sp>
+      <p:sp>
+        <p:nvSpPr>
+          <p:cNvPr id="67" name="Inhaltsplatzhalter 6">
+            <a:extLst>
+              <a:ext uri="{FF2B5EF4-FFF2-40B4-BE49-F238E27FC236}">
+                <a16:creationId xmlns:a16="http://schemas.microsoft.com/office/drawing/2014/main" id="{87D189EF-A726-4E6F-268B-1E63E1EC5F6C}"/>
+              </a:ext>
+            </a:extLst>
+          </p:cNvPr>
+          <p:cNvSpPr>
+            <a:spLocks noGrp="1"/>
+          </p:cNvSpPr>
+          <p:nvPr>
+            <p:ph sz="quarter" idx="65"/>
+          </p:nvPr>
+        </p:nvSpPr>
+        <p:spPr>
+          <a:xfrm>
+            <a:off x="389964" y="2146263"/>
+            <a:ext cx="1763844" cy="261607"/>
+          </a:xfrm>
+          <a:prstGeom prst="rect">
+            <a:avLst/>
+          </a:prstGeom>
+        </p:spPr>
+        <p:txBody>
+          <a:bodyPr/>
+          <a:lstStyle>
+            <a:lvl1pPr marL="0" indent="0">
+              <a:buFontTx/>
+              <a:buNone/>
+              <a:defRPr sz="1050" baseline="0"/>
+            </a:lvl1pPr>
+          </a:lstStyle>
+          <a:p>
+            <a:pPr lvl="0"/>
+            <a:endParaRPr lang="de-DE" dirty="0"/>
+          </a:p>
+        </p:txBody>
+      </p:sp>
     </p:spTree>
     <p:extLst>
       <p:ext uri="{BB962C8B-B14F-4D97-AF65-F5344CB8AC3E}">
-        <p14:creationId xmlns:p14="http://schemas.microsoft.com/office/powerpoint/2010/main" val="2101691394"/>
+        <p14:creationId xmlns:p14="http://schemas.microsoft.com/office/powerpoint/2010/main" val="2257213375"/>
       </p:ext>
     </p:extLst>
   </p:cSld>
@@ -3009,7 +2439,7 @@
 
 <file path=ppt/slideLayouts/slideLayout2.xml><?xml version="1.0" encoding="utf-8"?>
 <p:sldLayout xmlns:a="http://schemas.openxmlformats.org/drawingml/2006/main" xmlns:r="http://schemas.openxmlformats.org/officeDocument/2006/relationships" xmlns:p="http://schemas.openxmlformats.org/presentationml/2006/main" preserve="1" userDrawn="1">
-  <p:cSld name="1_YOUTUBE">
+  <p:cSld name="2_YOUTUBE">
     <p:bg>
       <p:bgRef idx="1001">
         <a:schemeClr val="bg1"/>
@@ -3121,144 +2551,6 @@
       </p:pic>
       <p:sp>
         <p:nvSpPr>
-          <p:cNvPr id="38" name="Inhaltsplatzhalter 34">
-            <a:extLst>
-              <a:ext uri="{FF2B5EF4-FFF2-40B4-BE49-F238E27FC236}">
-                <a16:creationId xmlns:a16="http://schemas.microsoft.com/office/drawing/2014/main" id="{07879E44-A6C7-2976-A9A1-2623F2F389C7}"/>
-              </a:ext>
-            </a:extLst>
-          </p:cNvPr>
-          <p:cNvSpPr>
-            <a:spLocks noGrp="1"/>
-          </p:cNvSpPr>
-          <p:nvPr>
-            <p:ph sz="quarter" idx="21"/>
-          </p:nvPr>
-        </p:nvSpPr>
-        <p:spPr>
-          <a:xfrm>
-            <a:off x="399070" y="3495487"/>
-            <a:ext cx="1763846" cy="330200"/>
-          </a:xfrm>
-          <a:prstGeom prst="rect">
-            <a:avLst/>
-          </a:prstGeom>
-        </p:spPr>
-        <p:txBody>
-          <a:bodyPr anchor="ctr"/>
-          <a:lstStyle>
-            <a:lvl1pPr marL="0" indent="0" algn="l">
-              <a:buNone/>
-              <a:defRPr lang="de-DE" sz="1400" b="1" i="0" kern="1200" baseline="0" dirty="0">
-                <a:solidFill>
-                  <a:schemeClr val="tx1"/>
-                </a:solidFill>
-                <a:latin typeface="Arial" panose="020B0604020202020204" pitchFamily="34" charset="0"/>
-                <a:ea typeface="+mn-ea"/>
-                <a:cs typeface="+mn-cs"/>
-              </a:defRPr>
-            </a:lvl1pPr>
-          </a:lstStyle>
-          <a:p>
-            <a:pPr lvl="0"/>
-            <a:endParaRPr lang="de-DE" dirty="0"/>
-          </a:p>
-        </p:txBody>
-      </p:sp>
-      <p:sp>
-        <p:nvSpPr>
-          <p:cNvPr id="36" name="Inhaltsplatzhalter 34">
-            <a:extLst>
-              <a:ext uri="{FF2B5EF4-FFF2-40B4-BE49-F238E27FC236}">
-                <a16:creationId xmlns:a16="http://schemas.microsoft.com/office/drawing/2014/main" id="{1A9D5E31-9C4F-142F-DFAA-871608A02FDC}"/>
-              </a:ext>
-            </a:extLst>
-          </p:cNvPr>
-          <p:cNvSpPr>
-            <a:spLocks noGrp="1"/>
-          </p:cNvSpPr>
-          <p:nvPr>
-            <p:ph sz="quarter" idx="20"/>
-          </p:nvPr>
-        </p:nvSpPr>
-        <p:spPr>
-          <a:xfrm>
-            <a:off x="399070" y="2804751"/>
-            <a:ext cx="1763847" cy="330200"/>
-          </a:xfrm>
-          <a:prstGeom prst="rect">
-            <a:avLst/>
-          </a:prstGeom>
-        </p:spPr>
-        <p:txBody>
-          <a:bodyPr anchor="ctr"/>
-          <a:lstStyle>
-            <a:lvl1pPr marL="0" indent="0" algn="l">
-              <a:buNone/>
-              <a:defRPr lang="de-DE" sz="1400" b="1" i="0" kern="1200" baseline="0" dirty="0">
-                <a:solidFill>
-                  <a:schemeClr val="tx1"/>
-                </a:solidFill>
-                <a:latin typeface="Arial" panose="020B0604020202020204" pitchFamily="34" charset="0"/>
-                <a:ea typeface="+mn-ea"/>
-                <a:cs typeface="+mn-cs"/>
-              </a:defRPr>
-            </a:lvl1pPr>
-          </a:lstStyle>
-          <a:p>
-            <a:pPr lvl="0"/>
-            <a:endParaRPr lang="de-DE" dirty="0"/>
-          </a:p>
-        </p:txBody>
-      </p:sp>
-      <p:sp>
-        <p:nvSpPr>
-          <p:cNvPr id="35" name="Inhaltsplatzhalter 34">
-            <a:extLst>
-              <a:ext uri="{FF2B5EF4-FFF2-40B4-BE49-F238E27FC236}">
-                <a16:creationId xmlns:a16="http://schemas.microsoft.com/office/drawing/2014/main" id="{410E16EB-1385-E0ED-B8B6-E0F8BCC2DE80}"/>
-              </a:ext>
-            </a:extLst>
-          </p:cNvPr>
-          <p:cNvSpPr>
-            <a:spLocks noGrp="1"/>
-          </p:cNvSpPr>
-          <p:nvPr>
-            <p:ph sz="quarter" idx="19"/>
-          </p:nvPr>
-        </p:nvSpPr>
-        <p:spPr>
-          <a:xfrm>
-            <a:off x="399070" y="2135867"/>
-            <a:ext cx="1789254" cy="330200"/>
-          </a:xfrm>
-          <a:prstGeom prst="rect">
-            <a:avLst/>
-          </a:prstGeom>
-        </p:spPr>
-        <p:txBody>
-          <a:bodyPr anchor="ctr"/>
-          <a:lstStyle>
-            <a:lvl1pPr marL="0" indent="0" algn="l">
-              <a:buNone/>
-              <a:defRPr lang="de-DE" sz="1400" b="1" i="0" kern="1200" baseline="0" dirty="0">
-                <a:solidFill>
-                  <a:schemeClr val="tx1"/>
-                </a:solidFill>
-                <a:latin typeface="Arial" panose="020B0604020202020204" pitchFamily="34" charset="0"/>
-                <a:ea typeface="+mn-ea"/>
-                <a:cs typeface="+mn-cs"/>
-              </a:defRPr>
-            </a:lvl1pPr>
-          </a:lstStyle>
-          <a:p>
-            <a:pPr lvl="0"/>
-            <a:endParaRPr lang="de-DE" dirty="0"/>
-          </a:p>
-        </p:txBody>
-      </p:sp>
-      <p:sp>
-        <p:nvSpPr>
           <p:cNvPr id="3" name="Bildplatzhalter 2">
             <a:extLst>
               <a:ext uri="{FF2B5EF4-FFF2-40B4-BE49-F238E27FC236}">
@@ -3403,10 +2695,10 @@
         </p:nvGrpSpPr>
         <p:grpSpPr>
           <a:xfrm>
-            <a:off x="389768" y="2359382"/>
-            <a:ext cx="1252267" cy="1622641"/>
-            <a:chOff x="474867" y="3359104"/>
-            <a:chExt cx="1252267" cy="1622641"/>
+            <a:off x="389964" y="2359382"/>
+            <a:ext cx="1058107" cy="1561086"/>
+            <a:chOff x="475063" y="3359104"/>
+            <a:chExt cx="1058107" cy="1561086"/>
           </a:xfrm>
         </p:grpSpPr>
         <p:sp>
@@ -3424,7 +2716,7 @@
           <p:spPr>
             <a:xfrm>
               <a:off x="477726" y="3359104"/>
-              <a:ext cx="712054" cy="261610"/>
+              <a:ext cx="503664" cy="200055"/>
             </a:xfrm>
             <a:prstGeom prst="rect">
               <a:avLst/>
@@ -3439,7 +2731,7 @@
             <a:p>
               <a:pPr algn="l"/>
               <a:r>
-                <a:rPr lang="de-DE" sz="1100" b="0" i="0" dirty="0">
+                <a:rPr lang="de-DE" sz="700" b="0" i="0" dirty="0">
                   <a:solidFill>
                     <a:schemeClr val="tx1"/>
                   </a:solidFill>
@@ -3466,7 +2758,7 @@
           <p:spPr>
             <a:xfrm>
               <a:off x="475063" y="4039619"/>
-              <a:ext cx="1039067" cy="261610"/>
+              <a:ext cx="731290" cy="200055"/>
             </a:xfrm>
             <a:prstGeom prst="rect">
               <a:avLst/>
@@ -3479,9 +2771,9 @@
             </a:bodyPr>
             <a:lstStyle/>
             <a:p>
-              <a:pPr algn="ctr"/>
+              <a:pPr algn="l"/>
               <a:r>
-                <a:rPr lang="de-DE" sz="1100" b="0" i="0" dirty="0">
+                <a:rPr lang="de-DE" sz="700" b="0" i="0" dirty="0">
                   <a:solidFill>
                     <a:schemeClr val="tx1"/>
                   </a:solidFill>
@@ -3507,8 +2799,8 @@
           </p:nvSpPr>
           <p:spPr>
             <a:xfrm>
-              <a:off x="474867" y="4720135"/>
-              <a:ext cx="1252267" cy="261610"/>
+              <a:off x="475063" y="4720135"/>
+              <a:ext cx="1058107" cy="200055"/>
             </a:xfrm>
             <a:prstGeom prst="rect">
               <a:avLst/>
@@ -3516,14 +2808,14 @@
             <a:noFill/>
           </p:spPr>
           <p:txBody>
-            <a:bodyPr wrap="none" rtlCol="0">
+            <a:bodyPr wrap="square" rtlCol="0">
               <a:spAutoFit/>
             </a:bodyPr>
             <a:lstStyle/>
             <a:p>
-              <a:pPr algn="ctr"/>
+              <a:pPr algn="l"/>
               <a:r>
-                <a:rPr lang="de-DE" sz="1100" b="0" i="0" dirty="0">
+                <a:rPr lang="de-DE" sz="700" b="0" i="0" dirty="0">
                   <a:solidFill>
                     <a:schemeClr val="tx1"/>
                   </a:solidFill>
@@ -3874,246 +3166,6 @@
       </p:sp>
       <p:sp>
         <p:nvSpPr>
-          <p:cNvPr id="25" name="Inhaltsplatzhalter 36">
-            <a:extLst>
-              <a:ext uri="{FF2B5EF4-FFF2-40B4-BE49-F238E27FC236}">
-                <a16:creationId xmlns:a16="http://schemas.microsoft.com/office/drawing/2014/main" id="{1E40773A-E7F7-56E0-AEEE-E08E8A6E5FD9}"/>
-              </a:ext>
-            </a:extLst>
-          </p:cNvPr>
-          <p:cNvSpPr>
-            <a:spLocks noGrp="1"/>
-          </p:cNvSpPr>
-          <p:nvPr>
-            <p:ph sz="quarter" idx="13"/>
-          </p:nvPr>
-        </p:nvSpPr>
-        <p:spPr>
-          <a:xfrm>
-            <a:off x="4507496" y="2636079"/>
-            <a:ext cx="808684" cy="181530"/>
-          </a:xfrm>
-          <a:prstGeom prst="rect">
-            <a:avLst/>
-          </a:prstGeom>
-        </p:spPr>
-        <p:txBody>
-          <a:bodyPr anchor="ctr"/>
-          <a:lstStyle>
-            <a:lvl1pPr marL="0" indent="0" algn="l">
-              <a:buNone/>
-              <a:defRPr sz="1050" b="0" i="0" baseline="0">
-                <a:solidFill>
-                  <a:schemeClr val="tx1"/>
-                </a:solidFill>
-                <a:latin typeface="Arial" panose="020B0604020202020204" pitchFamily="34" charset="0"/>
-              </a:defRPr>
-            </a:lvl1pPr>
-            <a:lvl2pPr marL="457200" indent="0">
-              <a:buNone/>
-              <a:defRPr sz="1000" b="0" i="0">
-                <a:solidFill>
-                  <a:schemeClr val="bg1"/>
-                </a:solidFill>
-                <a:latin typeface="MB Corpo S Text Office Light" panose="020B0404050000000004" pitchFamily="34" charset="77"/>
-              </a:defRPr>
-            </a:lvl2pPr>
-            <a:lvl3pPr marL="914400" indent="0">
-              <a:buNone/>
-              <a:defRPr sz="900" b="0" i="0">
-                <a:solidFill>
-                  <a:schemeClr val="bg1"/>
-                </a:solidFill>
-                <a:latin typeface="MB Corpo S Text Office Light" panose="020B0404050000000004" pitchFamily="34" charset="77"/>
-              </a:defRPr>
-            </a:lvl3pPr>
-            <a:lvl4pPr marL="1371600" indent="0">
-              <a:buNone/>
-              <a:defRPr sz="800" b="0" i="0">
-                <a:solidFill>
-                  <a:schemeClr val="bg1"/>
-                </a:solidFill>
-                <a:latin typeface="MB Corpo S Text Office Light" panose="020B0404050000000004" pitchFamily="34" charset="77"/>
-              </a:defRPr>
-            </a:lvl4pPr>
-            <a:lvl5pPr marL="1828800" indent="0">
-              <a:buNone/>
-              <a:defRPr sz="800" b="0" i="0">
-                <a:solidFill>
-                  <a:schemeClr val="bg1"/>
-                </a:solidFill>
-                <a:latin typeface="MB Corpo S Text Office Light" panose="020B0404050000000004" pitchFamily="34" charset="77"/>
-              </a:defRPr>
-            </a:lvl5pPr>
-          </a:lstStyle>
-          <a:p>
-            <a:pPr lvl="0"/>
-            <a:endParaRPr lang="de-DE" dirty="0"/>
-          </a:p>
-        </p:txBody>
-      </p:sp>
-      <p:sp>
-        <p:nvSpPr>
-          <p:cNvPr id="49" name="Inhaltsplatzhalter 36">
-            <a:extLst>
-              <a:ext uri="{FF2B5EF4-FFF2-40B4-BE49-F238E27FC236}">
-                <a16:creationId xmlns:a16="http://schemas.microsoft.com/office/drawing/2014/main" id="{335BF4B0-9BF0-BE91-617E-733DE858B031}"/>
-              </a:ext>
-            </a:extLst>
-          </p:cNvPr>
-          <p:cNvSpPr>
-            <a:spLocks noGrp="1"/>
-          </p:cNvSpPr>
-          <p:nvPr>
-            <p:ph sz="quarter" idx="14"/>
-          </p:nvPr>
-        </p:nvSpPr>
-        <p:spPr>
-          <a:xfrm>
-            <a:off x="4503933" y="3190641"/>
-            <a:ext cx="808685" cy="181530"/>
-          </a:xfrm>
-          <a:prstGeom prst="rect">
-            <a:avLst/>
-          </a:prstGeom>
-        </p:spPr>
-        <p:txBody>
-          <a:bodyPr anchor="ctr"/>
-          <a:lstStyle>
-            <a:lvl1pPr marL="0" indent="0" algn="l">
-              <a:buNone/>
-              <a:defRPr sz="1050" b="0" i="0" baseline="0">
-                <a:solidFill>
-                  <a:schemeClr val="tx1"/>
-                </a:solidFill>
-                <a:latin typeface="Arial" panose="020B0604020202020204" pitchFamily="34" charset="0"/>
-              </a:defRPr>
-            </a:lvl1pPr>
-            <a:lvl2pPr marL="457200" indent="0">
-              <a:buNone/>
-              <a:defRPr sz="1000" b="0" i="0">
-                <a:solidFill>
-                  <a:schemeClr val="bg1"/>
-                </a:solidFill>
-                <a:latin typeface="MB Corpo S Text Office Light" panose="020B0404050000000004" pitchFamily="34" charset="77"/>
-              </a:defRPr>
-            </a:lvl2pPr>
-            <a:lvl3pPr marL="914400" indent="0">
-              <a:buNone/>
-              <a:defRPr sz="900" b="0" i="0">
-                <a:solidFill>
-                  <a:schemeClr val="bg1"/>
-                </a:solidFill>
-                <a:latin typeface="MB Corpo S Text Office Light" panose="020B0404050000000004" pitchFamily="34" charset="77"/>
-              </a:defRPr>
-            </a:lvl3pPr>
-            <a:lvl4pPr marL="1371600" indent="0">
-              <a:buNone/>
-              <a:defRPr sz="800" b="0" i="0">
-                <a:solidFill>
-                  <a:schemeClr val="bg1"/>
-                </a:solidFill>
-                <a:latin typeface="MB Corpo S Text Office Light" panose="020B0404050000000004" pitchFamily="34" charset="77"/>
-              </a:defRPr>
-            </a:lvl4pPr>
-            <a:lvl5pPr marL="1828800" indent="0">
-              <a:buNone/>
-              <a:defRPr sz="800" b="0" i="0">
-                <a:solidFill>
-                  <a:schemeClr val="bg1"/>
-                </a:solidFill>
-                <a:latin typeface="MB Corpo S Text Office Light" panose="020B0404050000000004" pitchFamily="34" charset="77"/>
-              </a:defRPr>
-            </a:lvl5pPr>
-          </a:lstStyle>
-          <a:p>
-            <a:pPr lvl="0"/>
-            <a:endParaRPr lang="de-DE" dirty="0"/>
-          </a:p>
-        </p:txBody>
-      </p:sp>
-      <p:sp>
-        <p:nvSpPr>
-          <p:cNvPr id="50" name="Inhaltsplatzhalter 36">
-            <a:extLst>
-              <a:ext uri="{FF2B5EF4-FFF2-40B4-BE49-F238E27FC236}">
-                <a16:creationId xmlns:a16="http://schemas.microsoft.com/office/drawing/2014/main" id="{FFEE5A88-5DC3-D442-886D-0C9B975472C2}"/>
-              </a:ext>
-            </a:extLst>
-          </p:cNvPr>
-          <p:cNvSpPr>
-            <a:spLocks noGrp="1"/>
-          </p:cNvSpPr>
-          <p:nvPr>
-            <p:ph sz="quarter" idx="15"/>
-          </p:nvPr>
-        </p:nvSpPr>
-        <p:spPr>
-          <a:xfrm>
-            <a:off x="4503933" y="3745533"/>
-            <a:ext cx="808685" cy="181530"/>
-          </a:xfrm>
-          <a:prstGeom prst="rect">
-            <a:avLst/>
-          </a:prstGeom>
-        </p:spPr>
-        <p:txBody>
-          <a:bodyPr anchor="ctr"/>
-          <a:lstStyle>
-            <a:lvl1pPr marL="0" indent="0" algn="l">
-              <a:buNone/>
-              <a:defRPr sz="1050" b="0" i="0" baseline="0">
-                <a:solidFill>
-                  <a:schemeClr val="tx1"/>
-                </a:solidFill>
-                <a:latin typeface="Arial" panose="020B0604020202020204" pitchFamily="34" charset="0"/>
-              </a:defRPr>
-            </a:lvl1pPr>
-            <a:lvl2pPr marL="457200" indent="0">
-              <a:buNone/>
-              <a:defRPr sz="1000" b="0" i="0">
-                <a:solidFill>
-                  <a:schemeClr val="bg1"/>
-                </a:solidFill>
-                <a:latin typeface="MB Corpo S Text Office Light" panose="020B0404050000000004" pitchFamily="34" charset="77"/>
-              </a:defRPr>
-            </a:lvl2pPr>
-            <a:lvl3pPr marL="914400" indent="0">
-              <a:buNone/>
-              <a:defRPr sz="900" b="0" i="0">
-                <a:solidFill>
-                  <a:schemeClr val="bg1"/>
-                </a:solidFill>
-                <a:latin typeface="MB Corpo S Text Office Light" panose="020B0404050000000004" pitchFamily="34" charset="77"/>
-              </a:defRPr>
-            </a:lvl3pPr>
-            <a:lvl4pPr marL="1371600" indent="0">
-              <a:buNone/>
-              <a:defRPr sz="800" b="0" i="0">
-                <a:solidFill>
-                  <a:schemeClr val="bg1"/>
-                </a:solidFill>
-                <a:latin typeface="MB Corpo S Text Office Light" panose="020B0404050000000004" pitchFamily="34" charset="77"/>
-              </a:defRPr>
-            </a:lvl4pPr>
-            <a:lvl5pPr marL="1828800" indent="0">
-              <a:buNone/>
-              <a:defRPr sz="800" b="0" i="0">
-                <a:solidFill>
-                  <a:schemeClr val="bg1"/>
-                </a:solidFill>
-                <a:latin typeface="MB Corpo S Text Office Light" panose="020B0404050000000004" pitchFamily="34" charset="77"/>
-              </a:defRPr>
-            </a:lvl5pPr>
-          </a:lstStyle>
-          <a:p>
-            <a:pPr lvl="0"/>
-            <a:endParaRPr lang="de-DE" dirty="0"/>
-          </a:p>
-        </p:txBody>
-      </p:sp>
-      <p:sp>
-        <p:nvSpPr>
           <p:cNvPr id="53" name="Textfeld 52">
             <a:extLst>
               <a:ext uri="{FF2B5EF4-FFF2-40B4-BE49-F238E27FC236}">
@@ -4237,246 +3289,6 @@
       </p:sp>
       <p:sp>
         <p:nvSpPr>
-          <p:cNvPr id="56" name="Inhaltsplatzhalter 36">
-            <a:extLst>
-              <a:ext uri="{FF2B5EF4-FFF2-40B4-BE49-F238E27FC236}">
-                <a16:creationId xmlns:a16="http://schemas.microsoft.com/office/drawing/2014/main" id="{9CC0F812-B734-D2DD-DD89-2120A3B3E728}"/>
-              </a:ext>
-            </a:extLst>
-          </p:cNvPr>
-          <p:cNvSpPr>
-            <a:spLocks noGrp="1"/>
-          </p:cNvSpPr>
-          <p:nvPr>
-            <p:ph sz="quarter" idx="30"/>
-          </p:nvPr>
-        </p:nvSpPr>
-        <p:spPr>
-          <a:xfrm>
-            <a:off x="7653515" y="2636079"/>
-            <a:ext cx="808684" cy="181530"/>
-          </a:xfrm>
-          <a:prstGeom prst="rect">
-            <a:avLst/>
-          </a:prstGeom>
-        </p:spPr>
-        <p:txBody>
-          <a:bodyPr anchor="ctr"/>
-          <a:lstStyle>
-            <a:lvl1pPr marL="0" indent="0" algn="l">
-              <a:buNone/>
-              <a:defRPr sz="1050" b="0" i="0" baseline="0">
-                <a:solidFill>
-                  <a:schemeClr val="tx1"/>
-                </a:solidFill>
-                <a:latin typeface="Arial" panose="020B0604020202020204" pitchFamily="34" charset="0"/>
-              </a:defRPr>
-            </a:lvl1pPr>
-            <a:lvl2pPr marL="457200" indent="0">
-              <a:buNone/>
-              <a:defRPr sz="1000" b="0" i="0">
-                <a:solidFill>
-                  <a:schemeClr val="bg1"/>
-                </a:solidFill>
-                <a:latin typeface="MB Corpo S Text Office Light" panose="020B0404050000000004" pitchFamily="34" charset="77"/>
-              </a:defRPr>
-            </a:lvl2pPr>
-            <a:lvl3pPr marL="914400" indent="0">
-              <a:buNone/>
-              <a:defRPr sz="900" b="0" i="0">
-                <a:solidFill>
-                  <a:schemeClr val="bg1"/>
-                </a:solidFill>
-                <a:latin typeface="MB Corpo S Text Office Light" panose="020B0404050000000004" pitchFamily="34" charset="77"/>
-              </a:defRPr>
-            </a:lvl3pPr>
-            <a:lvl4pPr marL="1371600" indent="0">
-              <a:buNone/>
-              <a:defRPr sz="800" b="0" i="0">
-                <a:solidFill>
-                  <a:schemeClr val="bg1"/>
-                </a:solidFill>
-                <a:latin typeface="MB Corpo S Text Office Light" panose="020B0404050000000004" pitchFamily="34" charset="77"/>
-              </a:defRPr>
-            </a:lvl4pPr>
-            <a:lvl5pPr marL="1828800" indent="0">
-              <a:buNone/>
-              <a:defRPr sz="800" b="0" i="0">
-                <a:solidFill>
-                  <a:schemeClr val="bg1"/>
-                </a:solidFill>
-                <a:latin typeface="MB Corpo S Text Office Light" panose="020B0404050000000004" pitchFamily="34" charset="77"/>
-              </a:defRPr>
-            </a:lvl5pPr>
-          </a:lstStyle>
-          <a:p>
-            <a:pPr lvl="0"/>
-            <a:endParaRPr lang="de-DE" dirty="0"/>
-          </a:p>
-        </p:txBody>
-      </p:sp>
-      <p:sp>
-        <p:nvSpPr>
-          <p:cNvPr id="57" name="Inhaltsplatzhalter 36">
-            <a:extLst>
-              <a:ext uri="{FF2B5EF4-FFF2-40B4-BE49-F238E27FC236}">
-                <a16:creationId xmlns:a16="http://schemas.microsoft.com/office/drawing/2014/main" id="{C1738A0E-F9EB-A6EB-CD4B-2D729E0F7A09}"/>
-              </a:ext>
-            </a:extLst>
-          </p:cNvPr>
-          <p:cNvSpPr>
-            <a:spLocks noGrp="1"/>
-          </p:cNvSpPr>
-          <p:nvPr>
-            <p:ph sz="quarter" idx="31"/>
-          </p:nvPr>
-        </p:nvSpPr>
-        <p:spPr>
-          <a:xfrm>
-            <a:off x="7649952" y="3190641"/>
-            <a:ext cx="808685" cy="181530"/>
-          </a:xfrm>
-          <a:prstGeom prst="rect">
-            <a:avLst/>
-          </a:prstGeom>
-        </p:spPr>
-        <p:txBody>
-          <a:bodyPr anchor="ctr"/>
-          <a:lstStyle>
-            <a:lvl1pPr marL="0" indent="0" algn="l">
-              <a:buNone/>
-              <a:defRPr sz="1050" b="0" i="0" baseline="0">
-                <a:solidFill>
-                  <a:schemeClr val="tx1"/>
-                </a:solidFill>
-                <a:latin typeface="Arial" panose="020B0604020202020204" pitchFamily="34" charset="0"/>
-              </a:defRPr>
-            </a:lvl1pPr>
-            <a:lvl2pPr marL="457200" indent="0">
-              <a:buNone/>
-              <a:defRPr sz="1000" b="0" i="0">
-                <a:solidFill>
-                  <a:schemeClr val="bg1"/>
-                </a:solidFill>
-                <a:latin typeface="MB Corpo S Text Office Light" panose="020B0404050000000004" pitchFamily="34" charset="77"/>
-              </a:defRPr>
-            </a:lvl2pPr>
-            <a:lvl3pPr marL="914400" indent="0">
-              <a:buNone/>
-              <a:defRPr sz="900" b="0" i="0">
-                <a:solidFill>
-                  <a:schemeClr val="bg1"/>
-                </a:solidFill>
-                <a:latin typeface="MB Corpo S Text Office Light" panose="020B0404050000000004" pitchFamily="34" charset="77"/>
-              </a:defRPr>
-            </a:lvl3pPr>
-            <a:lvl4pPr marL="1371600" indent="0">
-              <a:buNone/>
-              <a:defRPr sz="800" b="0" i="0">
-                <a:solidFill>
-                  <a:schemeClr val="bg1"/>
-                </a:solidFill>
-                <a:latin typeface="MB Corpo S Text Office Light" panose="020B0404050000000004" pitchFamily="34" charset="77"/>
-              </a:defRPr>
-            </a:lvl4pPr>
-            <a:lvl5pPr marL="1828800" indent="0">
-              <a:buNone/>
-              <a:defRPr sz="800" b="0" i="0">
-                <a:solidFill>
-                  <a:schemeClr val="bg1"/>
-                </a:solidFill>
-                <a:latin typeface="MB Corpo S Text Office Light" panose="020B0404050000000004" pitchFamily="34" charset="77"/>
-              </a:defRPr>
-            </a:lvl5pPr>
-          </a:lstStyle>
-          <a:p>
-            <a:pPr lvl="0"/>
-            <a:endParaRPr lang="de-DE" dirty="0"/>
-          </a:p>
-        </p:txBody>
-      </p:sp>
-      <p:sp>
-        <p:nvSpPr>
-          <p:cNvPr id="58" name="Inhaltsplatzhalter 36">
-            <a:extLst>
-              <a:ext uri="{FF2B5EF4-FFF2-40B4-BE49-F238E27FC236}">
-                <a16:creationId xmlns:a16="http://schemas.microsoft.com/office/drawing/2014/main" id="{275D7E1D-0F36-D29A-1151-D876C276C6D3}"/>
-              </a:ext>
-            </a:extLst>
-          </p:cNvPr>
-          <p:cNvSpPr>
-            <a:spLocks noGrp="1"/>
-          </p:cNvSpPr>
-          <p:nvPr>
-            <p:ph sz="quarter" idx="32"/>
-          </p:nvPr>
-        </p:nvSpPr>
-        <p:spPr>
-          <a:xfrm>
-            <a:off x="7649952" y="3745533"/>
-            <a:ext cx="808685" cy="181530"/>
-          </a:xfrm>
-          <a:prstGeom prst="rect">
-            <a:avLst/>
-          </a:prstGeom>
-        </p:spPr>
-        <p:txBody>
-          <a:bodyPr anchor="ctr"/>
-          <a:lstStyle>
-            <a:lvl1pPr marL="0" indent="0" algn="l">
-              <a:buNone/>
-              <a:defRPr sz="1050" b="0" i="0" baseline="0">
-                <a:solidFill>
-                  <a:schemeClr val="tx1"/>
-                </a:solidFill>
-                <a:latin typeface="Arial" panose="020B0604020202020204" pitchFamily="34" charset="0"/>
-              </a:defRPr>
-            </a:lvl1pPr>
-            <a:lvl2pPr marL="457200" indent="0">
-              <a:buNone/>
-              <a:defRPr sz="1000" b="0" i="0">
-                <a:solidFill>
-                  <a:schemeClr val="bg1"/>
-                </a:solidFill>
-                <a:latin typeface="MB Corpo S Text Office Light" panose="020B0404050000000004" pitchFamily="34" charset="77"/>
-              </a:defRPr>
-            </a:lvl2pPr>
-            <a:lvl3pPr marL="914400" indent="0">
-              <a:buNone/>
-              <a:defRPr sz="900" b="0" i="0">
-                <a:solidFill>
-                  <a:schemeClr val="bg1"/>
-                </a:solidFill>
-                <a:latin typeface="MB Corpo S Text Office Light" panose="020B0404050000000004" pitchFamily="34" charset="77"/>
-              </a:defRPr>
-            </a:lvl3pPr>
-            <a:lvl4pPr marL="1371600" indent="0">
-              <a:buNone/>
-              <a:defRPr sz="800" b="0" i="0">
-                <a:solidFill>
-                  <a:schemeClr val="bg1"/>
-                </a:solidFill>
-                <a:latin typeface="MB Corpo S Text Office Light" panose="020B0404050000000004" pitchFamily="34" charset="77"/>
-              </a:defRPr>
-            </a:lvl4pPr>
-            <a:lvl5pPr marL="1828800" indent="0">
-              <a:buNone/>
-              <a:defRPr sz="800" b="0" i="0">
-                <a:solidFill>
-                  <a:schemeClr val="bg1"/>
-                </a:solidFill>
-                <a:latin typeface="MB Corpo S Text Office Light" panose="020B0404050000000004" pitchFamily="34" charset="77"/>
-              </a:defRPr>
-            </a:lvl5pPr>
-          </a:lstStyle>
-          <a:p>
-            <a:pPr lvl="0"/>
-            <a:endParaRPr lang="de-DE" dirty="0"/>
-          </a:p>
-        </p:txBody>
-      </p:sp>
-      <p:sp>
-        <p:nvSpPr>
           <p:cNvPr id="61" name="Textfeld 60">
             <a:extLst>
               <a:ext uri="{FF2B5EF4-FFF2-40B4-BE49-F238E27FC236}">
@@ -4600,678 +3412,6 @@
       </p:sp>
       <p:sp>
         <p:nvSpPr>
-          <p:cNvPr id="64" name="Inhaltsplatzhalter 36">
-            <a:extLst>
-              <a:ext uri="{FF2B5EF4-FFF2-40B4-BE49-F238E27FC236}">
-                <a16:creationId xmlns:a16="http://schemas.microsoft.com/office/drawing/2014/main" id="{BE0A8A39-4C13-9A11-BC0C-C95A19AD9AA6}"/>
-              </a:ext>
-            </a:extLst>
-          </p:cNvPr>
-          <p:cNvSpPr>
-            <a:spLocks noGrp="1"/>
-          </p:cNvSpPr>
-          <p:nvPr>
-            <p:ph sz="quarter" idx="34"/>
-          </p:nvPr>
-        </p:nvSpPr>
-        <p:spPr>
-          <a:xfrm>
-            <a:off x="10766047" y="2636079"/>
-            <a:ext cx="808684" cy="181530"/>
-          </a:xfrm>
-          <a:prstGeom prst="rect">
-            <a:avLst/>
-          </a:prstGeom>
-        </p:spPr>
-        <p:txBody>
-          <a:bodyPr anchor="ctr"/>
-          <a:lstStyle>
-            <a:lvl1pPr marL="0" indent="0" algn="l">
-              <a:buNone/>
-              <a:defRPr sz="1050" b="0" i="0" baseline="0">
-                <a:solidFill>
-                  <a:schemeClr val="tx1"/>
-                </a:solidFill>
-                <a:latin typeface="Arial" panose="020B0604020202020204" pitchFamily="34" charset="0"/>
-              </a:defRPr>
-            </a:lvl1pPr>
-            <a:lvl2pPr marL="457200" indent="0">
-              <a:buNone/>
-              <a:defRPr sz="1000" b="0" i="0">
-                <a:solidFill>
-                  <a:schemeClr val="bg1"/>
-                </a:solidFill>
-                <a:latin typeface="MB Corpo S Text Office Light" panose="020B0404050000000004" pitchFamily="34" charset="77"/>
-              </a:defRPr>
-            </a:lvl2pPr>
-            <a:lvl3pPr marL="914400" indent="0">
-              <a:buNone/>
-              <a:defRPr sz="900" b="0" i="0">
-                <a:solidFill>
-                  <a:schemeClr val="bg1"/>
-                </a:solidFill>
-                <a:latin typeface="MB Corpo S Text Office Light" panose="020B0404050000000004" pitchFamily="34" charset="77"/>
-              </a:defRPr>
-            </a:lvl3pPr>
-            <a:lvl4pPr marL="1371600" indent="0">
-              <a:buNone/>
-              <a:defRPr sz="800" b="0" i="0">
-                <a:solidFill>
-                  <a:schemeClr val="bg1"/>
-                </a:solidFill>
-                <a:latin typeface="MB Corpo S Text Office Light" panose="020B0404050000000004" pitchFamily="34" charset="77"/>
-              </a:defRPr>
-            </a:lvl4pPr>
-            <a:lvl5pPr marL="1828800" indent="0">
-              <a:buNone/>
-              <a:defRPr sz="800" b="0" i="0">
-                <a:solidFill>
-                  <a:schemeClr val="bg1"/>
-                </a:solidFill>
-                <a:latin typeface="MB Corpo S Text Office Light" panose="020B0404050000000004" pitchFamily="34" charset="77"/>
-              </a:defRPr>
-            </a:lvl5pPr>
-          </a:lstStyle>
-          <a:p>
-            <a:pPr lvl="0"/>
-            <a:endParaRPr lang="de-DE" dirty="0"/>
-          </a:p>
-        </p:txBody>
-      </p:sp>
-      <p:sp>
-        <p:nvSpPr>
-          <p:cNvPr id="65" name="Inhaltsplatzhalter 36">
-            <a:extLst>
-              <a:ext uri="{FF2B5EF4-FFF2-40B4-BE49-F238E27FC236}">
-                <a16:creationId xmlns:a16="http://schemas.microsoft.com/office/drawing/2014/main" id="{C03BF7D6-FABC-2740-39AD-F91164D37935}"/>
-              </a:ext>
-            </a:extLst>
-          </p:cNvPr>
-          <p:cNvSpPr>
-            <a:spLocks noGrp="1"/>
-          </p:cNvSpPr>
-          <p:nvPr>
-            <p:ph sz="quarter" idx="35"/>
-          </p:nvPr>
-        </p:nvSpPr>
-        <p:spPr>
-          <a:xfrm>
-            <a:off x="10762484" y="3190641"/>
-            <a:ext cx="808685" cy="181530"/>
-          </a:xfrm>
-          <a:prstGeom prst="rect">
-            <a:avLst/>
-          </a:prstGeom>
-        </p:spPr>
-        <p:txBody>
-          <a:bodyPr anchor="ctr"/>
-          <a:lstStyle>
-            <a:lvl1pPr marL="0" indent="0" algn="l">
-              <a:buNone/>
-              <a:defRPr sz="1050" b="0" i="0" baseline="0">
-                <a:solidFill>
-                  <a:schemeClr val="tx1"/>
-                </a:solidFill>
-                <a:latin typeface="Arial" panose="020B0604020202020204" pitchFamily="34" charset="0"/>
-              </a:defRPr>
-            </a:lvl1pPr>
-            <a:lvl2pPr marL="457200" indent="0">
-              <a:buNone/>
-              <a:defRPr sz="1000" b="0" i="0">
-                <a:solidFill>
-                  <a:schemeClr val="bg1"/>
-                </a:solidFill>
-                <a:latin typeface="MB Corpo S Text Office Light" panose="020B0404050000000004" pitchFamily="34" charset="77"/>
-              </a:defRPr>
-            </a:lvl2pPr>
-            <a:lvl3pPr marL="914400" indent="0">
-              <a:buNone/>
-              <a:defRPr sz="900" b="0" i="0">
-                <a:solidFill>
-                  <a:schemeClr val="bg1"/>
-                </a:solidFill>
-                <a:latin typeface="MB Corpo S Text Office Light" panose="020B0404050000000004" pitchFamily="34" charset="77"/>
-              </a:defRPr>
-            </a:lvl3pPr>
-            <a:lvl4pPr marL="1371600" indent="0">
-              <a:buNone/>
-              <a:defRPr sz="800" b="0" i="0">
-                <a:solidFill>
-                  <a:schemeClr val="bg1"/>
-                </a:solidFill>
-                <a:latin typeface="MB Corpo S Text Office Light" panose="020B0404050000000004" pitchFamily="34" charset="77"/>
-              </a:defRPr>
-            </a:lvl4pPr>
-            <a:lvl5pPr marL="1828800" indent="0">
-              <a:buNone/>
-              <a:defRPr sz="800" b="0" i="0">
-                <a:solidFill>
-                  <a:schemeClr val="bg1"/>
-                </a:solidFill>
-                <a:latin typeface="MB Corpo S Text Office Light" panose="020B0404050000000004" pitchFamily="34" charset="77"/>
-              </a:defRPr>
-            </a:lvl5pPr>
-          </a:lstStyle>
-          <a:p>
-            <a:pPr lvl="0"/>
-            <a:endParaRPr lang="de-DE" dirty="0"/>
-          </a:p>
-        </p:txBody>
-      </p:sp>
-      <p:sp>
-        <p:nvSpPr>
-          <p:cNvPr id="66" name="Inhaltsplatzhalter 36">
-            <a:extLst>
-              <a:ext uri="{FF2B5EF4-FFF2-40B4-BE49-F238E27FC236}">
-                <a16:creationId xmlns:a16="http://schemas.microsoft.com/office/drawing/2014/main" id="{66890CCF-C301-8ABF-9408-4A99E4462722}"/>
-              </a:ext>
-            </a:extLst>
-          </p:cNvPr>
-          <p:cNvSpPr>
-            <a:spLocks noGrp="1"/>
-          </p:cNvSpPr>
-          <p:nvPr>
-            <p:ph sz="quarter" idx="36"/>
-          </p:nvPr>
-        </p:nvSpPr>
-        <p:spPr>
-          <a:xfrm>
-            <a:off x="10762484" y="3745533"/>
-            <a:ext cx="808685" cy="181530"/>
-          </a:xfrm>
-          <a:prstGeom prst="rect">
-            <a:avLst/>
-          </a:prstGeom>
-        </p:spPr>
-        <p:txBody>
-          <a:bodyPr anchor="ctr"/>
-          <a:lstStyle>
-            <a:lvl1pPr marL="0" indent="0" algn="l">
-              <a:buNone/>
-              <a:defRPr sz="1050" b="0" i="0" baseline="0">
-                <a:solidFill>
-                  <a:schemeClr val="tx1"/>
-                </a:solidFill>
-                <a:latin typeface="Arial" panose="020B0604020202020204" pitchFamily="34" charset="0"/>
-              </a:defRPr>
-            </a:lvl1pPr>
-            <a:lvl2pPr marL="457200" indent="0">
-              <a:buNone/>
-              <a:defRPr sz="1000" b="0" i="0">
-                <a:solidFill>
-                  <a:schemeClr val="bg1"/>
-                </a:solidFill>
-                <a:latin typeface="MB Corpo S Text Office Light" panose="020B0404050000000004" pitchFamily="34" charset="77"/>
-              </a:defRPr>
-            </a:lvl2pPr>
-            <a:lvl3pPr marL="914400" indent="0">
-              <a:buNone/>
-              <a:defRPr sz="900" b="0" i="0">
-                <a:solidFill>
-                  <a:schemeClr val="bg1"/>
-                </a:solidFill>
-                <a:latin typeface="MB Corpo S Text Office Light" panose="020B0404050000000004" pitchFamily="34" charset="77"/>
-              </a:defRPr>
-            </a:lvl3pPr>
-            <a:lvl4pPr marL="1371600" indent="0">
-              <a:buNone/>
-              <a:defRPr sz="800" b="0" i="0">
-                <a:solidFill>
-                  <a:schemeClr val="bg1"/>
-                </a:solidFill>
-                <a:latin typeface="MB Corpo S Text Office Light" panose="020B0404050000000004" pitchFamily="34" charset="77"/>
-              </a:defRPr>
-            </a:lvl4pPr>
-            <a:lvl5pPr marL="1828800" indent="0">
-              <a:buNone/>
-              <a:defRPr sz="800" b="0" i="0">
-                <a:solidFill>
-                  <a:schemeClr val="bg1"/>
-                </a:solidFill>
-                <a:latin typeface="MB Corpo S Text Office Light" panose="020B0404050000000004" pitchFamily="34" charset="77"/>
-              </a:defRPr>
-            </a:lvl5pPr>
-          </a:lstStyle>
-          <a:p>
-            <a:pPr lvl="0"/>
-            <a:endParaRPr lang="de-DE" dirty="0"/>
-          </a:p>
-        </p:txBody>
-      </p:sp>
-      <p:sp>
-        <p:nvSpPr>
-          <p:cNvPr id="69" name="Inhaltsplatzhalter 36">
-            <a:extLst>
-              <a:ext uri="{FF2B5EF4-FFF2-40B4-BE49-F238E27FC236}">
-                <a16:creationId xmlns:a16="http://schemas.microsoft.com/office/drawing/2014/main" id="{30BE31B3-07F0-DA28-71CC-78C79917C30A}"/>
-              </a:ext>
-            </a:extLst>
-          </p:cNvPr>
-          <p:cNvSpPr>
-            <a:spLocks noGrp="1"/>
-          </p:cNvSpPr>
-          <p:nvPr>
-            <p:ph sz="quarter" idx="38"/>
-          </p:nvPr>
-        </p:nvSpPr>
-        <p:spPr>
-          <a:xfrm>
-            <a:off x="4503934" y="2268174"/>
-            <a:ext cx="808684" cy="181530"/>
-          </a:xfrm>
-          <a:prstGeom prst="rect">
-            <a:avLst/>
-          </a:prstGeom>
-        </p:spPr>
-        <p:txBody>
-          <a:bodyPr anchor="ctr"/>
-          <a:lstStyle>
-            <a:lvl1pPr marL="0" indent="0" algn="l">
-              <a:buNone/>
-              <a:defRPr sz="700" b="0" i="0" baseline="0">
-                <a:solidFill>
-                  <a:schemeClr val="tx1"/>
-                </a:solidFill>
-                <a:latin typeface="Arial" panose="020B0604020202020204" pitchFamily="34" charset="0"/>
-              </a:defRPr>
-            </a:lvl1pPr>
-            <a:lvl2pPr marL="457200" indent="0">
-              <a:buNone/>
-              <a:defRPr sz="1000" b="0" i="0">
-                <a:solidFill>
-                  <a:schemeClr val="bg1"/>
-                </a:solidFill>
-                <a:latin typeface="MB Corpo S Text Office Light" panose="020B0404050000000004" pitchFamily="34" charset="77"/>
-              </a:defRPr>
-            </a:lvl2pPr>
-            <a:lvl3pPr marL="914400" indent="0">
-              <a:buNone/>
-              <a:defRPr sz="900" b="0" i="0">
-                <a:solidFill>
-                  <a:schemeClr val="bg1"/>
-                </a:solidFill>
-                <a:latin typeface="MB Corpo S Text Office Light" panose="020B0404050000000004" pitchFamily="34" charset="77"/>
-              </a:defRPr>
-            </a:lvl3pPr>
-            <a:lvl4pPr marL="1371600" indent="0">
-              <a:buNone/>
-              <a:defRPr sz="800" b="0" i="0">
-                <a:solidFill>
-                  <a:schemeClr val="bg1"/>
-                </a:solidFill>
-                <a:latin typeface="MB Corpo S Text Office Light" panose="020B0404050000000004" pitchFamily="34" charset="77"/>
-              </a:defRPr>
-            </a:lvl4pPr>
-            <a:lvl5pPr marL="1828800" indent="0">
-              <a:buNone/>
-              <a:defRPr sz="800" b="0" i="0">
-                <a:solidFill>
-                  <a:schemeClr val="bg1"/>
-                </a:solidFill>
-                <a:latin typeface="MB Corpo S Text Office Light" panose="020B0404050000000004" pitchFamily="34" charset="77"/>
-              </a:defRPr>
-            </a:lvl5pPr>
-          </a:lstStyle>
-          <a:p>
-            <a:pPr lvl="0"/>
-            <a:endParaRPr lang="de-DE" dirty="0"/>
-          </a:p>
-        </p:txBody>
-      </p:sp>
-      <p:sp>
-        <p:nvSpPr>
-          <p:cNvPr id="70" name="Inhaltsplatzhalter 36">
-            <a:extLst>
-              <a:ext uri="{FF2B5EF4-FFF2-40B4-BE49-F238E27FC236}">
-                <a16:creationId xmlns:a16="http://schemas.microsoft.com/office/drawing/2014/main" id="{C2B4B28E-B744-320B-45F5-B01610695B31}"/>
-              </a:ext>
-            </a:extLst>
-          </p:cNvPr>
-          <p:cNvSpPr>
-            <a:spLocks noGrp="1"/>
-          </p:cNvSpPr>
-          <p:nvPr>
-            <p:ph sz="quarter" idx="39"/>
-          </p:nvPr>
-        </p:nvSpPr>
-        <p:spPr>
-          <a:xfrm>
-            <a:off x="7649952" y="2274058"/>
-            <a:ext cx="808684" cy="181530"/>
-          </a:xfrm>
-          <a:prstGeom prst="rect">
-            <a:avLst/>
-          </a:prstGeom>
-        </p:spPr>
-        <p:txBody>
-          <a:bodyPr anchor="ctr"/>
-          <a:lstStyle>
-            <a:lvl1pPr marL="0" indent="0" algn="l">
-              <a:buNone/>
-              <a:defRPr sz="700" b="0" i="0" baseline="0">
-                <a:solidFill>
-                  <a:schemeClr val="tx1"/>
-                </a:solidFill>
-                <a:latin typeface="Arial" panose="020B0604020202020204" pitchFamily="34" charset="0"/>
-              </a:defRPr>
-            </a:lvl1pPr>
-            <a:lvl2pPr marL="457200" indent="0">
-              <a:buNone/>
-              <a:defRPr sz="1000" b="0" i="0">
-                <a:solidFill>
-                  <a:schemeClr val="bg1"/>
-                </a:solidFill>
-                <a:latin typeface="MB Corpo S Text Office Light" panose="020B0404050000000004" pitchFamily="34" charset="77"/>
-              </a:defRPr>
-            </a:lvl2pPr>
-            <a:lvl3pPr marL="914400" indent="0">
-              <a:buNone/>
-              <a:defRPr sz="900" b="0" i="0">
-                <a:solidFill>
-                  <a:schemeClr val="bg1"/>
-                </a:solidFill>
-                <a:latin typeface="MB Corpo S Text Office Light" panose="020B0404050000000004" pitchFamily="34" charset="77"/>
-              </a:defRPr>
-            </a:lvl3pPr>
-            <a:lvl4pPr marL="1371600" indent="0">
-              <a:buNone/>
-              <a:defRPr sz="800" b="0" i="0">
-                <a:solidFill>
-                  <a:schemeClr val="bg1"/>
-                </a:solidFill>
-                <a:latin typeface="MB Corpo S Text Office Light" panose="020B0404050000000004" pitchFamily="34" charset="77"/>
-              </a:defRPr>
-            </a:lvl4pPr>
-            <a:lvl5pPr marL="1828800" indent="0">
-              <a:buNone/>
-              <a:defRPr sz="800" b="0" i="0">
-                <a:solidFill>
-                  <a:schemeClr val="bg1"/>
-                </a:solidFill>
-                <a:latin typeface="MB Corpo S Text Office Light" panose="020B0404050000000004" pitchFamily="34" charset="77"/>
-              </a:defRPr>
-            </a:lvl5pPr>
-          </a:lstStyle>
-          <a:p>
-            <a:pPr lvl="0"/>
-            <a:endParaRPr lang="de-DE" dirty="0"/>
-          </a:p>
-        </p:txBody>
-      </p:sp>
-      <p:sp>
-        <p:nvSpPr>
-          <p:cNvPr id="71" name="Inhaltsplatzhalter 36">
-            <a:extLst>
-              <a:ext uri="{FF2B5EF4-FFF2-40B4-BE49-F238E27FC236}">
-                <a16:creationId xmlns:a16="http://schemas.microsoft.com/office/drawing/2014/main" id="{521B8DCD-2FD6-8C90-46EB-B9178A3C65C4}"/>
-              </a:ext>
-            </a:extLst>
-          </p:cNvPr>
-          <p:cNvSpPr>
-            <a:spLocks noGrp="1"/>
-          </p:cNvSpPr>
-          <p:nvPr>
-            <p:ph sz="quarter" idx="40"/>
-          </p:nvPr>
-        </p:nvSpPr>
-        <p:spPr>
-          <a:xfrm>
-            <a:off x="10762485" y="2268174"/>
-            <a:ext cx="808684" cy="181530"/>
-          </a:xfrm>
-          <a:prstGeom prst="rect">
-            <a:avLst/>
-          </a:prstGeom>
-        </p:spPr>
-        <p:txBody>
-          <a:bodyPr anchor="ctr"/>
-          <a:lstStyle>
-            <a:lvl1pPr marL="0" indent="0" algn="l">
-              <a:buNone/>
-              <a:defRPr sz="700" b="0" i="0" baseline="0">
-                <a:solidFill>
-                  <a:schemeClr val="tx1"/>
-                </a:solidFill>
-                <a:latin typeface="Arial" panose="020B0604020202020204" pitchFamily="34" charset="0"/>
-              </a:defRPr>
-            </a:lvl1pPr>
-            <a:lvl2pPr marL="457200" indent="0">
-              <a:buNone/>
-              <a:defRPr sz="1000" b="0" i="0">
-                <a:solidFill>
-                  <a:schemeClr val="bg1"/>
-                </a:solidFill>
-                <a:latin typeface="MB Corpo S Text Office Light" panose="020B0404050000000004" pitchFamily="34" charset="77"/>
-              </a:defRPr>
-            </a:lvl2pPr>
-            <a:lvl3pPr marL="914400" indent="0">
-              <a:buNone/>
-              <a:defRPr sz="900" b="0" i="0">
-                <a:solidFill>
-                  <a:schemeClr val="bg1"/>
-                </a:solidFill>
-                <a:latin typeface="MB Corpo S Text Office Light" panose="020B0404050000000004" pitchFamily="34" charset="77"/>
-              </a:defRPr>
-            </a:lvl3pPr>
-            <a:lvl4pPr marL="1371600" indent="0">
-              <a:buNone/>
-              <a:defRPr sz="800" b="0" i="0">
-                <a:solidFill>
-                  <a:schemeClr val="bg1"/>
-                </a:solidFill>
-                <a:latin typeface="MB Corpo S Text Office Light" panose="020B0404050000000004" pitchFamily="34" charset="77"/>
-              </a:defRPr>
-            </a:lvl4pPr>
-            <a:lvl5pPr marL="1828800" indent="0">
-              <a:buNone/>
-              <a:defRPr sz="800" b="0" i="0">
-                <a:solidFill>
-                  <a:schemeClr val="bg1"/>
-                </a:solidFill>
-                <a:latin typeface="MB Corpo S Text Office Light" panose="020B0404050000000004" pitchFamily="34" charset="77"/>
-              </a:defRPr>
-            </a:lvl5pPr>
-          </a:lstStyle>
-          <a:p>
-            <a:pPr lvl="0"/>
-            <a:endParaRPr lang="de-DE" dirty="0"/>
-          </a:p>
-        </p:txBody>
-      </p:sp>
-      <p:sp>
-        <p:nvSpPr>
-          <p:cNvPr id="8" name="Inhaltsplatzhalter 54">
-            <a:extLst>
-              <a:ext uri="{FF2B5EF4-FFF2-40B4-BE49-F238E27FC236}">
-                <a16:creationId xmlns:a16="http://schemas.microsoft.com/office/drawing/2014/main" id="{4843759C-4B13-0884-F423-5B746F1CCD17}"/>
-              </a:ext>
-            </a:extLst>
-          </p:cNvPr>
-          <p:cNvSpPr>
-            <a:spLocks noGrp="1"/>
-          </p:cNvSpPr>
-          <p:nvPr>
-            <p:ph sz="quarter" idx="42"/>
-          </p:nvPr>
-        </p:nvSpPr>
-        <p:spPr>
-          <a:xfrm>
-            <a:off x="2511596" y="5572022"/>
-            <a:ext cx="1949450" cy="230832"/>
-          </a:xfrm>
-          <a:prstGeom prst="rect">
-            <a:avLst/>
-          </a:prstGeom>
-          <a:noFill/>
-        </p:spPr>
-        <p:txBody>
-          <a:bodyPr wrap="square" rtlCol="0">
-            <a:spAutoFit/>
-          </a:bodyPr>
-          <a:lstStyle>
-            <a:lvl1pPr marL="0" indent="0">
-              <a:buNone/>
-              <a:defRPr lang="de-DE" sz="1000" b="0" i="0" kern="1200" baseline="0" dirty="0" smtClean="0">
-                <a:solidFill>
-                  <a:schemeClr val="tx1"/>
-                </a:solidFill>
-                <a:latin typeface="Arial" panose="020B0604020202020204" pitchFamily="34" charset="0"/>
-                <a:ea typeface="+mn-ea"/>
-                <a:cs typeface="Arial" panose="020B0604020202020204" pitchFamily="34" charset="0"/>
-              </a:defRPr>
-            </a:lvl1pPr>
-            <a:lvl2pPr>
-              <a:defRPr lang="de-DE" sz="1800" smtClean="0"/>
-            </a:lvl2pPr>
-            <a:lvl3pPr>
-              <a:defRPr lang="de-DE" sz="1800" smtClean="0"/>
-            </a:lvl3pPr>
-            <a:lvl4pPr>
-              <a:defRPr lang="de-DE" smtClean="0"/>
-            </a:lvl4pPr>
-            <a:lvl5pPr>
-              <a:defRPr lang="de-DE"/>
-            </a:lvl5pPr>
-          </a:lstStyle>
-          <a:p>
-            <a:pPr marL="0" lvl="0" algn="ctr"/>
-            <a:r>
-              <a:rPr lang="de-DE" dirty="0"/>
-              <a:t>Mastertextformat bearbeiten</a:t>
-            </a:r>
-          </a:p>
-        </p:txBody>
-      </p:sp>
-      <p:sp>
-        <p:nvSpPr>
-          <p:cNvPr id="9" name="Inhaltsplatzhalter 54">
-            <a:extLst>
-              <a:ext uri="{FF2B5EF4-FFF2-40B4-BE49-F238E27FC236}">
-                <a16:creationId xmlns:a16="http://schemas.microsoft.com/office/drawing/2014/main" id="{AE52B0FB-67EF-5BD9-3C6B-075DE5F8E73B}"/>
-              </a:ext>
-            </a:extLst>
-          </p:cNvPr>
-          <p:cNvSpPr>
-            <a:spLocks noGrp="1"/>
-          </p:cNvSpPr>
-          <p:nvPr>
-            <p:ph sz="quarter" idx="43"/>
-          </p:nvPr>
-        </p:nvSpPr>
-        <p:spPr>
-          <a:xfrm>
-            <a:off x="5648490" y="5572022"/>
-            <a:ext cx="1949450" cy="230832"/>
-          </a:xfrm>
-          <a:prstGeom prst="rect">
-            <a:avLst/>
-          </a:prstGeom>
-          <a:noFill/>
-        </p:spPr>
-        <p:txBody>
-          <a:bodyPr wrap="square" rtlCol="0">
-            <a:spAutoFit/>
-          </a:bodyPr>
-          <a:lstStyle>
-            <a:lvl1pPr marL="0" indent="0">
-              <a:buNone/>
-              <a:defRPr lang="de-DE" sz="1000" b="0" i="0" kern="1200" baseline="0" dirty="0" smtClean="0">
-                <a:solidFill>
-                  <a:schemeClr val="tx1"/>
-                </a:solidFill>
-                <a:latin typeface="Arial" panose="020B0604020202020204" pitchFamily="34" charset="0"/>
-                <a:ea typeface="+mn-ea"/>
-                <a:cs typeface="Arial" panose="020B0604020202020204" pitchFamily="34" charset="0"/>
-              </a:defRPr>
-            </a:lvl1pPr>
-            <a:lvl2pPr>
-              <a:defRPr lang="de-DE" sz="1800" smtClean="0"/>
-            </a:lvl2pPr>
-            <a:lvl3pPr>
-              <a:defRPr lang="de-DE" sz="1800" smtClean="0"/>
-            </a:lvl3pPr>
-            <a:lvl4pPr>
-              <a:defRPr lang="de-DE" smtClean="0"/>
-            </a:lvl4pPr>
-            <a:lvl5pPr>
-              <a:defRPr lang="de-DE"/>
-            </a:lvl5pPr>
-          </a:lstStyle>
-          <a:p>
-            <a:pPr marL="0" lvl="0" algn="ctr"/>
-            <a:r>
-              <a:rPr lang="de-DE" dirty="0"/>
-              <a:t>Mastertextformat bearbeiten</a:t>
-            </a:r>
-          </a:p>
-        </p:txBody>
-      </p:sp>
-      <p:sp>
-        <p:nvSpPr>
-          <p:cNvPr id="27" name="Inhaltsplatzhalter 54">
-            <a:extLst>
-              <a:ext uri="{FF2B5EF4-FFF2-40B4-BE49-F238E27FC236}">
-                <a16:creationId xmlns:a16="http://schemas.microsoft.com/office/drawing/2014/main" id="{903DA698-2B66-78B4-D067-27877449FE50}"/>
-              </a:ext>
-            </a:extLst>
-          </p:cNvPr>
-          <p:cNvSpPr>
-            <a:spLocks noGrp="1"/>
-          </p:cNvSpPr>
-          <p:nvPr>
-            <p:ph sz="quarter" idx="44"/>
-          </p:nvPr>
-        </p:nvSpPr>
-        <p:spPr>
-          <a:xfrm>
-            <a:off x="8770775" y="5572022"/>
-            <a:ext cx="1949450" cy="230832"/>
-          </a:xfrm>
-          <a:prstGeom prst="rect">
-            <a:avLst/>
-          </a:prstGeom>
-          <a:noFill/>
-        </p:spPr>
-        <p:txBody>
-          <a:bodyPr wrap="square" rtlCol="0">
-            <a:spAutoFit/>
-          </a:bodyPr>
-          <a:lstStyle>
-            <a:lvl1pPr marL="0" indent="0">
-              <a:buNone/>
-              <a:defRPr lang="de-DE" sz="1000" b="0" i="0" kern="1200" baseline="0" dirty="0" smtClean="0">
-                <a:solidFill>
-                  <a:schemeClr val="tx1"/>
-                </a:solidFill>
-                <a:latin typeface="Arial" panose="020B0604020202020204" pitchFamily="34" charset="0"/>
-                <a:ea typeface="+mn-ea"/>
-                <a:cs typeface="Arial" panose="020B0604020202020204" pitchFamily="34" charset="0"/>
-              </a:defRPr>
-            </a:lvl1pPr>
-            <a:lvl2pPr>
-              <a:defRPr lang="de-DE" sz="1800" smtClean="0"/>
-            </a:lvl2pPr>
-            <a:lvl3pPr>
-              <a:defRPr lang="de-DE" sz="1800" smtClean="0"/>
-            </a:lvl3pPr>
-            <a:lvl4pPr>
-              <a:defRPr lang="de-DE" smtClean="0"/>
-            </a:lvl4pPr>
-            <a:lvl5pPr>
-              <a:defRPr lang="de-DE"/>
-            </a:lvl5pPr>
-          </a:lstStyle>
-          <a:p>
-            <a:pPr marL="0" lvl="0" algn="ctr"/>
-            <a:r>
-              <a:rPr lang="de-DE" dirty="0"/>
-              <a:t>Mastertextformat bearbeiten</a:t>
-            </a:r>
-          </a:p>
-        </p:txBody>
-      </p:sp>
-      <p:sp>
-        <p:nvSpPr>
           <p:cNvPr id="31" name="Bildplatzhalter 2">
             <a:extLst>
               <a:ext uri="{FF2B5EF4-FFF2-40B4-BE49-F238E27FC236}">
@@ -5380,10 +3520,10 @@
         </p:nvGrpSpPr>
         <p:grpSpPr>
           <a:xfrm>
-            <a:off x="482851" y="2101436"/>
-            <a:ext cx="1799009" cy="1363368"/>
-            <a:chOff x="482851" y="2101436"/>
-            <a:chExt cx="1755623" cy="1363368"/>
+            <a:off x="457796" y="2118136"/>
+            <a:ext cx="1763847" cy="1363368"/>
+            <a:chOff x="486925" y="2101436"/>
+            <a:chExt cx="1721309" cy="1363368"/>
           </a:xfrm>
         </p:grpSpPr>
         <p:cxnSp>
@@ -5402,7 +3542,7 @@
           </p:nvCxnSpPr>
           <p:spPr>
             <a:xfrm>
-              <a:off x="517165" y="2101436"/>
+              <a:off x="486925" y="2101436"/>
               <a:ext cx="1721309" cy="0"/>
             </a:xfrm>
             <a:prstGeom prst="line">
@@ -5447,7 +3587,7 @@
           </p:nvCxnSpPr>
           <p:spPr>
             <a:xfrm>
-              <a:off x="517165" y="2773181"/>
+              <a:off x="486925" y="2773181"/>
               <a:ext cx="1721309" cy="0"/>
             </a:xfrm>
             <a:prstGeom prst="line">
@@ -5492,7 +3632,7 @@
           </p:nvCxnSpPr>
           <p:spPr>
             <a:xfrm>
-              <a:off x="482851" y="3464804"/>
+              <a:off x="486925" y="3464804"/>
               <a:ext cx="1721309" cy="0"/>
             </a:xfrm>
             <a:prstGeom prst="line">
@@ -5522,10 +3662,730 @@
           </p:style>
         </p:cxnSp>
       </p:grpSp>
+      <p:sp>
+        <p:nvSpPr>
+          <p:cNvPr id="7" name="Inhaltsplatzhalter 6">
+            <a:extLst>
+              <a:ext uri="{FF2B5EF4-FFF2-40B4-BE49-F238E27FC236}">
+                <a16:creationId xmlns:a16="http://schemas.microsoft.com/office/drawing/2014/main" id="{56E3FAAB-479C-77E6-C909-661A185295C9}"/>
+              </a:ext>
+            </a:extLst>
+          </p:cNvPr>
+          <p:cNvSpPr>
+            <a:spLocks noGrp="1"/>
+          </p:cNvSpPr>
+          <p:nvPr>
+            <p:ph sz="quarter" idx="48"/>
+          </p:nvPr>
+        </p:nvSpPr>
+        <p:spPr>
+          <a:xfrm>
+            <a:off x="4492172" y="2590710"/>
+            <a:ext cx="959523" cy="200055"/>
+          </a:xfrm>
+          <a:prstGeom prst="rect">
+            <a:avLst/>
+          </a:prstGeom>
+        </p:spPr>
+        <p:txBody>
+          <a:bodyPr/>
+          <a:lstStyle>
+            <a:lvl1pPr marL="0" indent="0">
+              <a:buFontTx/>
+              <a:buNone/>
+              <a:defRPr sz="1050" baseline="0"/>
+            </a:lvl1pPr>
+          </a:lstStyle>
+          <a:p>
+            <a:pPr lvl="0"/>
+            <a:endParaRPr lang="de-DE" dirty="0"/>
+          </a:p>
+        </p:txBody>
+      </p:sp>
+      <p:sp>
+        <p:nvSpPr>
+          <p:cNvPr id="15" name="Inhaltsplatzhalter 6">
+            <a:extLst>
+              <a:ext uri="{FF2B5EF4-FFF2-40B4-BE49-F238E27FC236}">
+                <a16:creationId xmlns:a16="http://schemas.microsoft.com/office/drawing/2014/main" id="{B8FCF0F9-7348-DABC-9A07-42B5EC46B7C4}"/>
+              </a:ext>
+            </a:extLst>
+          </p:cNvPr>
+          <p:cNvSpPr>
+            <a:spLocks noGrp="1"/>
+          </p:cNvSpPr>
+          <p:nvPr>
+            <p:ph sz="quarter" idx="49"/>
+          </p:nvPr>
+        </p:nvSpPr>
+        <p:spPr>
+          <a:xfrm>
+            <a:off x="4492172" y="3131667"/>
+            <a:ext cx="959523" cy="200055"/>
+          </a:xfrm>
+          <a:prstGeom prst="rect">
+            <a:avLst/>
+          </a:prstGeom>
+        </p:spPr>
+        <p:txBody>
+          <a:bodyPr/>
+          <a:lstStyle>
+            <a:lvl1pPr marL="0" indent="0">
+              <a:buFontTx/>
+              <a:buNone/>
+              <a:defRPr sz="1050" baseline="0"/>
+            </a:lvl1pPr>
+          </a:lstStyle>
+          <a:p>
+            <a:pPr lvl="0"/>
+            <a:endParaRPr lang="de-DE" dirty="0"/>
+          </a:p>
+        </p:txBody>
+      </p:sp>
+      <p:sp>
+        <p:nvSpPr>
+          <p:cNvPr id="16" name="Inhaltsplatzhalter 6">
+            <a:extLst>
+              <a:ext uri="{FF2B5EF4-FFF2-40B4-BE49-F238E27FC236}">
+                <a16:creationId xmlns:a16="http://schemas.microsoft.com/office/drawing/2014/main" id="{1825555F-E05A-F040-B0B2-C36DA66EDFB2}"/>
+              </a:ext>
+            </a:extLst>
+          </p:cNvPr>
+          <p:cNvSpPr>
+            <a:spLocks noGrp="1"/>
+          </p:cNvSpPr>
+          <p:nvPr>
+            <p:ph sz="quarter" idx="50"/>
+          </p:nvPr>
+        </p:nvSpPr>
+        <p:spPr>
+          <a:xfrm>
+            <a:off x="4492172" y="3684018"/>
+            <a:ext cx="959523" cy="200055"/>
+          </a:xfrm>
+          <a:prstGeom prst="rect">
+            <a:avLst/>
+          </a:prstGeom>
+        </p:spPr>
+        <p:txBody>
+          <a:bodyPr/>
+          <a:lstStyle>
+            <a:lvl1pPr marL="0" indent="0">
+              <a:buFontTx/>
+              <a:buNone/>
+              <a:defRPr sz="1050" baseline="0"/>
+            </a:lvl1pPr>
+          </a:lstStyle>
+          <a:p>
+            <a:pPr lvl="0"/>
+            <a:endParaRPr lang="de-DE" dirty="0"/>
+          </a:p>
+        </p:txBody>
+      </p:sp>
+      <p:sp>
+        <p:nvSpPr>
+          <p:cNvPr id="17" name="Inhaltsplatzhalter 6">
+            <a:extLst>
+              <a:ext uri="{FF2B5EF4-FFF2-40B4-BE49-F238E27FC236}">
+                <a16:creationId xmlns:a16="http://schemas.microsoft.com/office/drawing/2014/main" id="{F9974DE1-7425-0FE8-C52C-E6F44A5001AE}"/>
+              </a:ext>
+            </a:extLst>
+          </p:cNvPr>
+          <p:cNvSpPr>
+            <a:spLocks noGrp="1"/>
+          </p:cNvSpPr>
+          <p:nvPr>
+            <p:ph sz="quarter" idx="51"/>
+          </p:nvPr>
+        </p:nvSpPr>
+        <p:spPr>
+          <a:xfrm>
+            <a:off x="4492172" y="2204918"/>
+            <a:ext cx="808684" cy="200055"/>
+          </a:xfrm>
+          <a:prstGeom prst="rect">
+            <a:avLst/>
+          </a:prstGeom>
+        </p:spPr>
+        <p:txBody>
+          <a:bodyPr/>
+          <a:lstStyle>
+            <a:lvl1pPr marL="0" indent="0">
+              <a:buFontTx/>
+              <a:buNone/>
+              <a:defRPr sz="700" baseline="0"/>
+            </a:lvl1pPr>
+          </a:lstStyle>
+          <a:p>
+            <a:pPr lvl="0"/>
+            <a:endParaRPr lang="de-DE" dirty="0"/>
+          </a:p>
+        </p:txBody>
+      </p:sp>
+      <p:sp>
+        <p:nvSpPr>
+          <p:cNvPr id="19" name="Inhaltsplatzhalter 6">
+            <a:extLst>
+              <a:ext uri="{FF2B5EF4-FFF2-40B4-BE49-F238E27FC236}">
+                <a16:creationId xmlns:a16="http://schemas.microsoft.com/office/drawing/2014/main" id="{48F6D96D-F618-FA70-4320-8260D486C91F}"/>
+              </a:ext>
+            </a:extLst>
+          </p:cNvPr>
+          <p:cNvSpPr>
+            <a:spLocks noGrp="1"/>
+          </p:cNvSpPr>
+          <p:nvPr>
+            <p:ph sz="quarter" idx="52"/>
+          </p:nvPr>
+        </p:nvSpPr>
+        <p:spPr>
+          <a:xfrm>
+            <a:off x="2386633" y="5572697"/>
+            <a:ext cx="2145861" cy="200055"/>
+          </a:xfrm>
+          <a:prstGeom prst="rect">
+            <a:avLst/>
+          </a:prstGeom>
+        </p:spPr>
+        <p:txBody>
+          <a:bodyPr/>
+          <a:lstStyle>
+            <a:lvl1pPr marL="0" indent="0" algn="ctr">
+              <a:buFontTx/>
+              <a:buNone/>
+              <a:defRPr sz="1050" baseline="0"/>
+            </a:lvl1pPr>
+          </a:lstStyle>
+          <a:p>
+            <a:pPr lvl="0"/>
+            <a:endParaRPr lang="de-DE" dirty="0"/>
+          </a:p>
+        </p:txBody>
+      </p:sp>
+      <p:sp>
+        <p:nvSpPr>
+          <p:cNvPr id="33" name="Inhaltsplatzhalter 6">
+            <a:extLst>
+              <a:ext uri="{FF2B5EF4-FFF2-40B4-BE49-F238E27FC236}">
+                <a16:creationId xmlns:a16="http://schemas.microsoft.com/office/drawing/2014/main" id="{24991BB3-4068-3C04-0F8E-33C7492C153E}"/>
+              </a:ext>
+            </a:extLst>
+          </p:cNvPr>
+          <p:cNvSpPr>
+            <a:spLocks noGrp="1"/>
+          </p:cNvSpPr>
+          <p:nvPr>
+            <p:ph sz="quarter" idx="53"/>
+          </p:nvPr>
+        </p:nvSpPr>
+        <p:spPr>
+          <a:xfrm>
+            <a:off x="7630813" y="2590710"/>
+            <a:ext cx="959523" cy="200055"/>
+          </a:xfrm>
+          <a:prstGeom prst="rect">
+            <a:avLst/>
+          </a:prstGeom>
+        </p:spPr>
+        <p:txBody>
+          <a:bodyPr/>
+          <a:lstStyle>
+            <a:lvl1pPr marL="0" indent="0">
+              <a:buFontTx/>
+              <a:buNone/>
+              <a:defRPr sz="1050" baseline="0"/>
+            </a:lvl1pPr>
+          </a:lstStyle>
+          <a:p>
+            <a:pPr lvl="0"/>
+            <a:endParaRPr lang="de-DE" dirty="0"/>
+          </a:p>
+        </p:txBody>
+      </p:sp>
+      <p:sp>
+        <p:nvSpPr>
+          <p:cNvPr id="40" name="Inhaltsplatzhalter 6">
+            <a:extLst>
+              <a:ext uri="{FF2B5EF4-FFF2-40B4-BE49-F238E27FC236}">
+                <a16:creationId xmlns:a16="http://schemas.microsoft.com/office/drawing/2014/main" id="{AB5C065A-5431-DEA0-044E-F05FEB90945E}"/>
+              </a:ext>
+            </a:extLst>
+          </p:cNvPr>
+          <p:cNvSpPr>
+            <a:spLocks noGrp="1"/>
+          </p:cNvSpPr>
+          <p:nvPr>
+            <p:ph sz="quarter" idx="54"/>
+          </p:nvPr>
+        </p:nvSpPr>
+        <p:spPr>
+          <a:xfrm>
+            <a:off x="7630813" y="3131667"/>
+            <a:ext cx="959523" cy="200055"/>
+          </a:xfrm>
+          <a:prstGeom prst="rect">
+            <a:avLst/>
+          </a:prstGeom>
+        </p:spPr>
+        <p:txBody>
+          <a:bodyPr/>
+          <a:lstStyle>
+            <a:lvl1pPr marL="0" indent="0">
+              <a:buFontTx/>
+              <a:buNone/>
+              <a:defRPr sz="1050" baseline="0"/>
+            </a:lvl1pPr>
+          </a:lstStyle>
+          <a:p>
+            <a:pPr lvl="0"/>
+            <a:endParaRPr lang="de-DE" dirty="0"/>
+          </a:p>
+        </p:txBody>
+      </p:sp>
+      <p:sp>
+        <p:nvSpPr>
+          <p:cNvPr id="42" name="Inhaltsplatzhalter 6">
+            <a:extLst>
+              <a:ext uri="{FF2B5EF4-FFF2-40B4-BE49-F238E27FC236}">
+                <a16:creationId xmlns:a16="http://schemas.microsoft.com/office/drawing/2014/main" id="{E43CA7FC-1159-5E5F-A2D8-5A276EFCC29B}"/>
+              </a:ext>
+            </a:extLst>
+          </p:cNvPr>
+          <p:cNvSpPr>
+            <a:spLocks noGrp="1"/>
+          </p:cNvSpPr>
+          <p:nvPr>
+            <p:ph sz="quarter" idx="55"/>
+          </p:nvPr>
+        </p:nvSpPr>
+        <p:spPr>
+          <a:xfrm>
+            <a:off x="7630813" y="3684018"/>
+            <a:ext cx="959523" cy="200055"/>
+          </a:xfrm>
+          <a:prstGeom prst="rect">
+            <a:avLst/>
+          </a:prstGeom>
+        </p:spPr>
+        <p:txBody>
+          <a:bodyPr/>
+          <a:lstStyle>
+            <a:lvl1pPr marL="0" indent="0">
+              <a:buFontTx/>
+              <a:buNone/>
+              <a:defRPr sz="1050" baseline="0"/>
+            </a:lvl1pPr>
+          </a:lstStyle>
+          <a:p>
+            <a:pPr lvl="0"/>
+            <a:endParaRPr lang="de-DE" dirty="0"/>
+          </a:p>
+        </p:txBody>
+      </p:sp>
+      <p:sp>
+        <p:nvSpPr>
+          <p:cNvPr id="43" name="Inhaltsplatzhalter 6">
+            <a:extLst>
+              <a:ext uri="{FF2B5EF4-FFF2-40B4-BE49-F238E27FC236}">
+                <a16:creationId xmlns:a16="http://schemas.microsoft.com/office/drawing/2014/main" id="{B18FA5FF-B3E9-FCB4-1AC1-D6A3520094E8}"/>
+              </a:ext>
+            </a:extLst>
+          </p:cNvPr>
+          <p:cNvSpPr>
+            <a:spLocks noGrp="1"/>
+          </p:cNvSpPr>
+          <p:nvPr>
+            <p:ph sz="quarter" idx="56"/>
+          </p:nvPr>
+        </p:nvSpPr>
+        <p:spPr>
+          <a:xfrm>
+            <a:off x="7630813" y="2204918"/>
+            <a:ext cx="808684" cy="200055"/>
+          </a:xfrm>
+          <a:prstGeom prst="rect">
+            <a:avLst/>
+          </a:prstGeom>
+        </p:spPr>
+        <p:txBody>
+          <a:bodyPr/>
+          <a:lstStyle>
+            <a:lvl1pPr marL="0" indent="0">
+              <a:buFontTx/>
+              <a:buNone/>
+              <a:defRPr sz="700" baseline="0"/>
+            </a:lvl1pPr>
+          </a:lstStyle>
+          <a:p>
+            <a:pPr lvl="0"/>
+            <a:endParaRPr lang="de-DE" dirty="0"/>
+          </a:p>
+        </p:txBody>
+      </p:sp>
+      <p:sp>
+        <p:nvSpPr>
+          <p:cNvPr id="44" name="Inhaltsplatzhalter 6">
+            <a:extLst>
+              <a:ext uri="{FF2B5EF4-FFF2-40B4-BE49-F238E27FC236}">
+                <a16:creationId xmlns:a16="http://schemas.microsoft.com/office/drawing/2014/main" id="{0668D744-97BA-F81A-5FA7-1B359652F654}"/>
+              </a:ext>
+            </a:extLst>
+          </p:cNvPr>
+          <p:cNvSpPr>
+            <a:spLocks noGrp="1"/>
+          </p:cNvSpPr>
+          <p:nvPr>
+            <p:ph sz="quarter" idx="57"/>
+          </p:nvPr>
+        </p:nvSpPr>
+        <p:spPr>
+          <a:xfrm>
+            <a:off x="5525274" y="5572697"/>
+            <a:ext cx="2145861" cy="200055"/>
+          </a:xfrm>
+          <a:prstGeom prst="rect">
+            <a:avLst/>
+          </a:prstGeom>
+        </p:spPr>
+        <p:txBody>
+          <a:bodyPr/>
+          <a:lstStyle>
+            <a:lvl1pPr marL="0" indent="0" algn="ctr">
+              <a:buFontTx/>
+              <a:buNone/>
+              <a:defRPr sz="1050" baseline="0"/>
+            </a:lvl1pPr>
+          </a:lstStyle>
+          <a:p>
+            <a:pPr lvl="0"/>
+            <a:endParaRPr lang="de-DE" dirty="0"/>
+          </a:p>
+        </p:txBody>
+      </p:sp>
+      <p:sp>
+        <p:nvSpPr>
+          <p:cNvPr id="45" name="Inhaltsplatzhalter 6">
+            <a:extLst>
+              <a:ext uri="{FF2B5EF4-FFF2-40B4-BE49-F238E27FC236}">
+                <a16:creationId xmlns:a16="http://schemas.microsoft.com/office/drawing/2014/main" id="{DE351616-E905-2AB1-F3A5-38A2E87988EB}"/>
+              </a:ext>
+            </a:extLst>
+          </p:cNvPr>
+          <p:cNvSpPr>
+            <a:spLocks noGrp="1"/>
+          </p:cNvSpPr>
+          <p:nvPr>
+            <p:ph sz="quarter" idx="58"/>
+          </p:nvPr>
+        </p:nvSpPr>
+        <p:spPr>
+          <a:xfrm>
+            <a:off x="10753521" y="2590710"/>
+            <a:ext cx="959523" cy="200055"/>
+          </a:xfrm>
+          <a:prstGeom prst="rect">
+            <a:avLst/>
+          </a:prstGeom>
+        </p:spPr>
+        <p:txBody>
+          <a:bodyPr/>
+          <a:lstStyle>
+            <a:lvl1pPr marL="0" indent="0">
+              <a:buFontTx/>
+              <a:buNone/>
+              <a:defRPr sz="1050" baseline="0"/>
+            </a:lvl1pPr>
+          </a:lstStyle>
+          <a:p>
+            <a:pPr lvl="0"/>
+            <a:endParaRPr lang="de-DE" dirty="0"/>
+          </a:p>
+        </p:txBody>
+      </p:sp>
+      <p:sp>
+        <p:nvSpPr>
+          <p:cNvPr id="47" name="Inhaltsplatzhalter 6">
+            <a:extLst>
+              <a:ext uri="{FF2B5EF4-FFF2-40B4-BE49-F238E27FC236}">
+                <a16:creationId xmlns:a16="http://schemas.microsoft.com/office/drawing/2014/main" id="{C94D834B-DFC8-AF32-0506-413F02472231}"/>
+              </a:ext>
+            </a:extLst>
+          </p:cNvPr>
+          <p:cNvSpPr>
+            <a:spLocks noGrp="1"/>
+          </p:cNvSpPr>
+          <p:nvPr>
+            <p:ph sz="quarter" idx="59"/>
+          </p:nvPr>
+        </p:nvSpPr>
+        <p:spPr>
+          <a:xfrm>
+            <a:off x="10753521" y="3131667"/>
+            <a:ext cx="959523" cy="200055"/>
+          </a:xfrm>
+          <a:prstGeom prst="rect">
+            <a:avLst/>
+          </a:prstGeom>
+        </p:spPr>
+        <p:txBody>
+          <a:bodyPr/>
+          <a:lstStyle>
+            <a:lvl1pPr marL="0" indent="0">
+              <a:buFontTx/>
+              <a:buNone/>
+              <a:defRPr sz="1050" baseline="0"/>
+            </a:lvl1pPr>
+          </a:lstStyle>
+          <a:p>
+            <a:pPr lvl="0"/>
+            <a:endParaRPr lang="de-DE" dirty="0"/>
+          </a:p>
+        </p:txBody>
+      </p:sp>
+      <p:sp>
+        <p:nvSpPr>
+          <p:cNvPr id="48" name="Inhaltsplatzhalter 6">
+            <a:extLst>
+              <a:ext uri="{FF2B5EF4-FFF2-40B4-BE49-F238E27FC236}">
+                <a16:creationId xmlns:a16="http://schemas.microsoft.com/office/drawing/2014/main" id="{0319EDD4-2540-1F4B-0B7E-2729DC4567C5}"/>
+              </a:ext>
+            </a:extLst>
+          </p:cNvPr>
+          <p:cNvSpPr>
+            <a:spLocks noGrp="1"/>
+          </p:cNvSpPr>
+          <p:nvPr>
+            <p:ph sz="quarter" idx="60"/>
+          </p:nvPr>
+        </p:nvSpPr>
+        <p:spPr>
+          <a:xfrm>
+            <a:off x="10753521" y="3684018"/>
+            <a:ext cx="959523" cy="200055"/>
+          </a:xfrm>
+          <a:prstGeom prst="rect">
+            <a:avLst/>
+          </a:prstGeom>
+        </p:spPr>
+        <p:txBody>
+          <a:bodyPr/>
+          <a:lstStyle>
+            <a:lvl1pPr marL="0" indent="0">
+              <a:buFontTx/>
+              <a:buNone/>
+              <a:defRPr sz="1050" baseline="0"/>
+            </a:lvl1pPr>
+          </a:lstStyle>
+          <a:p>
+            <a:pPr lvl="0"/>
+            <a:endParaRPr lang="de-DE" dirty="0"/>
+          </a:p>
+        </p:txBody>
+      </p:sp>
+      <p:sp>
+        <p:nvSpPr>
+          <p:cNvPr id="51" name="Inhaltsplatzhalter 6">
+            <a:extLst>
+              <a:ext uri="{FF2B5EF4-FFF2-40B4-BE49-F238E27FC236}">
+                <a16:creationId xmlns:a16="http://schemas.microsoft.com/office/drawing/2014/main" id="{2438F2C2-C301-AD61-17A3-E2517E822F31}"/>
+              </a:ext>
+            </a:extLst>
+          </p:cNvPr>
+          <p:cNvSpPr>
+            <a:spLocks noGrp="1"/>
+          </p:cNvSpPr>
+          <p:nvPr>
+            <p:ph sz="quarter" idx="61"/>
+          </p:nvPr>
+        </p:nvSpPr>
+        <p:spPr>
+          <a:xfrm>
+            <a:off x="10753521" y="2204918"/>
+            <a:ext cx="808684" cy="200055"/>
+          </a:xfrm>
+          <a:prstGeom prst="rect">
+            <a:avLst/>
+          </a:prstGeom>
+        </p:spPr>
+        <p:txBody>
+          <a:bodyPr/>
+          <a:lstStyle>
+            <a:lvl1pPr marL="0" indent="0">
+              <a:buFontTx/>
+              <a:buNone/>
+              <a:defRPr sz="700" baseline="0"/>
+            </a:lvl1pPr>
+          </a:lstStyle>
+          <a:p>
+            <a:pPr lvl="0"/>
+            <a:endParaRPr lang="de-DE" dirty="0"/>
+          </a:p>
+        </p:txBody>
+      </p:sp>
+      <p:sp>
+        <p:nvSpPr>
+          <p:cNvPr id="52" name="Inhaltsplatzhalter 6">
+            <a:extLst>
+              <a:ext uri="{FF2B5EF4-FFF2-40B4-BE49-F238E27FC236}">
+                <a16:creationId xmlns:a16="http://schemas.microsoft.com/office/drawing/2014/main" id="{B29127A2-B666-C328-CF04-D0976D1B7736}"/>
+              </a:ext>
+            </a:extLst>
+          </p:cNvPr>
+          <p:cNvSpPr>
+            <a:spLocks noGrp="1"/>
+          </p:cNvSpPr>
+          <p:nvPr>
+            <p:ph sz="quarter" idx="62"/>
+          </p:nvPr>
+        </p:nvSpPr>
+        <p:spPr>
+          <a:xfrm>
+            <a:off x="8647982" y="5572697"/>
+            <a:ext cx="2145861" cy="200055"/>
+          </a:xfrm>
+          <a:prstGeom prst="rect">
+            <a:avLst/>
+          </a:prstGeom>
+        </p:spPr>
+        <p:txBody>
+          <a:bodyPr/>
+          <a:lstStyle>
+            <a:lvl1pPr marL="0" indent="0" algn="ctr">
+              <a:buFontTx/>
+              <a:buNone/>
+              <a:defRPr sz="1050" baseline="0"/>
+            </a:lvl1pPr>
+          </a:lstStyle>
+          <a:p>
+            <a:pPr lvl="0"/>
+            <a:endParaRPr lang="de-DE" dirty="0"/>
+          </a:p>
+        </p:txBody>
+      </p:sp>
+      <p:sp>
+        <p:nvSpPr>
+          <p:cNvPr id="59" name="Inhaltsplatzhalter 6">
+            <a:extLst>
+              <a:ext uri="{FF2B5EF4-FFF2-40B4-BE49-F238E27FC236}">
+                <a16:creationId xmlns:a16="http://schemas.microsoft.com/office/drawing/2014/main" id="{2DF6E6F2-DEE2-40D0-23AF-31FED09AB79E}"/>
+              </a:ext>
+            </a:extLst>
+          </p:cNvPr>
+          <p:cNvSpPr>
+            <a:spLocks noGrp="1"/>
+          </p:cNvSpPr>
+          <p:nvPr>
+            <p:ph sz="quarter" idx="63"/>
+          </p:nvPr>
+        </p:nvSpPr>
+        <p:spPr>
+          <a:xfrm>
+            <a:off x="389964" y="3522438"/>
+            <a:ext cx="1763844" cy="261607"/>
+          </a:xfrm>
+          <a:prstGeom prst="rect">
+            <a:avLst/>
+          </a:prstGeom>
+        </p:spPr>
+        <p:txBody>
+          <a:bodyPr/>
+          <a:lstStyle>
+            <a:lvl1pPr marL="0" indent="0">
+              <a:buFontTx/>
+              <a:buNone/>
+              <a:defRPr sz="1050" baseline="0"/>
+            </a:lvl1pPr>
+          </a:lstStyle>
+          <a:p>
+            <a:pPr lvl="0"/>
+            <a:endParaRPr lang="de-DE" dirty="0"/>
+          </a:p>
+        </p:txBody>
+      </p:sp>
+      <p:sp>
+        <p:nvSpPr>
+          <p:cNvPr id="60" name="Inhaltsplatzhalter 6">
+            <a:extLst>
+              <a:ext uri="{FF2B5EF4-FFF2-40B4-BE49-F238E27FC236}">
+                <a16:creationId xmlns:a16="http://schemas.microsoft.com/office/drawing/2014/main" id="{6B57F45D-73B0-915E-8BB0-CAD092C8356C}"/>
+              </a:ext>
+            </a:extLst>
+          </p:cNvPr>
+          <p:cNvSpPr>
+            <a:spLocks noGrp="1"/>
+          </p:cNvSpPr>
+          <p:nvPr>
+            <p:ph sz="quarter" idx="64"/>
+          </p:nvPr>
+        </p:nvSpPr>
+        <p:spPr>
+          <a:xfrm>
+            <a:off x="389964" y="2817471"/>
+            <a:ext cx="1763844" cy="261607"/>
+          </a:xfrm>
+          <a:prstGeom prst="rect">
+            <a:avLst/>
+          </a:prstGeom>
+        </p:spPr>
+        <p:txBody>
+          <a:bodyPr/>
+          <a:lstStyle>
+            <a:lvl1pPr marL="0" indent="0">
+              <a:buFontTx/>
+              <a:buNone/>
+              <a:defRPr sz="1050" baseline="0"/>
+            </a:lvl1pPr>
+          </a:lstStyle>
+          <a:p>
+            <a:pPr lvl="0"/>
+            <a:endParaRPr lang="de-DE" dirty="0"/>
+          </a:p>
+        </p:txBody>
+      </p:sp>
+      <p:sp>
+        <p:nvSpPr>
+          <p:cNvPr id="67" name="Inhaltsplatzhalter 6">
+            <a:extLst>
+              <a:ext uri="{FF2B5EF4-FFF2-40B4-BE49-F238E27FC236}">
+                <a16:creationId xmlns:a16="http://schemas.microsoft.com/office/drawing/2014/main" id="{87D189EF-A726-4E6F-268B-1E63E1EC5F6C}"/>
+              </a:ext>
+            </a:extLst>
+          </p:cNvPr>
+          <p:cNvSpPr>
+            <a:spLocks noGrp="1"/>
+          </p:cNvSpPr>
+          <p:nvPr>
+            <p:ph sz="quarter" idx="65"/>
+          </p:nvPr>
+        </p:nvSpPr>
+        <p:spPr>
+          <a:xfrm>
+            <a:off x="389964" y="2146263"/>
+            <a:ext cx="1763844" cy="261607"/>
+          </a:xfrm>
+          <a:prstGeom prst="rect">
+            <a:avLst/>
+          </a:prstGeom>
+        </p:spPr>
+        <p:txBody>
+          <a:bodyPr/>
+          <a:lstStyle>
+            <a:lvl1pPr marL="0" indent="0">
+              <a:buFontTx/>
+              <a:buNone/>
+              <a:defRPr sz="1050" baseline="0"/>
+            </a:lvl1pPr>
+          </a:lstStyle>
+          <a:p>
+            <a:pPr lvl="0"/>
+            <a:endParaRPr lang="de-DE" dirty="0"/>
+          </a:p>
+        </p:txBody>
+      </p:sp>
     </p:spTree>
     <p:extLst>
       <p:ext uri="{BB962C8B-B14F-4D97-AF65-F5344CB8AC3E}">
-        <p14:creationId xmlns:p14="http://schemas.microsoft.com/office/powerpoint/2010/main" val="2257213375"/>
+        <p14:creationId xmlns:p14="http://schemas.microsoft.com/office/powerpoint/2010/main" val="615521546"/>
       </p:ext>
     </p:extLst>
   </p:cSld>
@@ -5566,8 +4426,8 @@
   </p:cSld>
   <p:clrMap bg1="lt1" tx1="dk1" bg2="lt2" tx2="dk2" accent1="accent1" accent2="accent2" accent3="accent3" accent4="accent4" accent5="accent5" accent6="accent6" hlink="hlink" folHlink="folHlink"/>
   <p:sldLayoutIdLst>
-    <p:sldLayoutId id="2147483661" r:id="rId1"/>
-    <p:sldLayoutId id="2147483674" r:id="rId2"/>
+    <p:sldLayoutId id="2147483674" r:id="rId1"/>
+    <p:sldLayoutId id="2147483675" r:id="rId2"/>
   </p:sldLayoutIdLst>
   <p:txStyles>
     <p:titleStyle>
@@ -5871,18 +4731,18 @@
       </p:grpSpPr>
       <p:sp>
         <p:nvSpPr>
-          <p:cNvPr id="2" name="Inhaltsplatzhalter 1">
-            <a:extLst>
-              <a:ext uri="{FF2B5EF4-FFF2-40B4-BE49-F238E27FC236}">
-                <a16:creationId xmlns:a16="http://schemas.microsoft.com/office/drawing/2014/main" id="{8D08136A-7BF2-422B-1E81-1DFBF233733D}"/>
-              </a:ext>
-            </a:extLst>
-          </p:cNvPr>
-          <p:cNvSpPr>
-            <a:spLocks noGrp="1"/>
-          </p:cNvSpPr>
-          <p:nvPr>
-            <p:ph sz="quarter" idx="21"/>
+          <p:cNvPr id="2" name="Bildplatzhalter 1">
+            <a:extLst>
+              <a:ext uri="{FF2B5EF4-FFF2-40B4-BE49-F238E27FC236}">
+                <a16:creationId xmlns:a16="http://schemas.microsoft.com/office/drawing/2014/main" id="{AF0F1A4C-F45D-7FB6-0C6D-CE4A1A28E45F}"/>
+              </a:ext>
+            </a:extLst>
+          </p:cNvPr>
+          <p:cNvSpPr>
+            <a:spLocks noGrp="1"/>
+          </p:cNvSpPr>
+          <p:nvPr>
+            <p:ph type="pic" sz="quarter" idx="10"/>
           </p:nvPr>
         </p:nvSpPr>
         <p:spPr/>
@@ -5896,18 +4756,18 @@
       </p:sp>
       <p:sp>
         <p:nvSpPr>
-          <p:cNvPr id="3" name="Inhaltsplatzhalter 2">
-            <a:extLst>
-              <a:ext uri="{FF2B5EF4-FFF2-40B4-BE49-F238E27FC236}">
-                <a16:creationId xmlns:a16="http://schemas.microsoft.com/office/drawing/2014/main" id="{D1EC0BB6-EB61-3A96-F7D9-85FB7F61664B}"/>
-              </a:ext>
-            </a:extLst>
-          </p:cNvPr>
-          <p:cNvSpPr>
-            <a:spLocks noGrp="1"/>
-          </p:cNvSpPr>
-          <p:nvPr>
-            <p:ph sz="quarter" idx="20"/>
+          <p:cNvPr id="3" name="Bildplatzhalter 2">
+            <a:extLst>
+              <a:ext uri="{FF2B5EF4-FFF2-40B4-BE49-F238E27FC236}">
+                <a16:creationId xmlns:a16="http://schemas.microsoft.com/office/drawing/2014/main" id="{56D2D038-F7F7-3515-F95C-D1179DD6375B}"/>
+              </a:ext>
+            </a:extLst>
+          </p:cNvPr>
+          <p:cNvSpPr>
+            <a:spLocks noGrp="1"/>
+          </p:cNvSpPr>
+          <p:nvPr>
+            <p:ph type="pic" sz="quarter" idx="45"/>
           </p:nvPr>
         </p:nvSpPr>
         <p:spPr/>
@@ -5921,18 +4781,18 @@
       </p:sp>
       <p:sp>
         <p:nvSpPr>
-          <p:cNvPr id="4" name="Inhaltsplatzhalter 3">
-            <a:extLst>
-              <a:ext uri="{FF2B5EF4-FFF2-40B4-BE49-F238E27FC236}">
-                <a16:creationId xmlns:a16="http://schemas.microsoft.com/office/drawing/2014/main" id="{DD9D0F1D-83A6-A985-32B1-BA364E774ADF}"/>
-              </a:ext>
-            </a:extLst>
-          </p:cNvPr>
-          <p:cNvSpPr>
-            <a:spLocks noGrp="1"/>
-          </p:cNvSpPr>
-          <p:nvPr>
-            <p:ph sz="quarter" idx="19"/>
+          <p:cNvPr id="4" name="Bildplatzhalter 3">
+            <a:extLst>
+              <a:ext uri="{FF2B5EF4-FFF2-40B4-BE49-F238E27FC236}">
+                <a16:creationId xmlns:a16="http://schemas.microsoft.com/office/drawing/2014/main" id="{6C0394E2-09EF-1832-356A-A846F232C46B}"/>
+              </a:ext>
+            </a:extLst>
+          </p:cNvPr>
+          <p:cNvSpPr>
+            <a:spLocks noGrp="1"/>
+          </p:cNvSpPr>
+          <p:nvPr>
+            <p:ph type="pic" sz="quarter" idx="46"/>
           </p:nvPr>
         </p:nvSpPr>
         <p:spPr/>
@@ -5946,18 +4806,18 @@
       </p:sp>
       <p:sp>
         <p:nvSpPr>
-          <p:cNvPr id="5" name="Bildplatzhalter 4">
-            <a:extLst>
-              <a:ext uri="{FF2B5EF4-FFF2-40B4-BE49-F238E27FC236}">
-                <a16:creationId xmlns:a16="http://schemas.microsoft.com/office/drawing/2014/main" id="{7DCCE73C-6D95-B593-0F78-69E7934101EB}"/>
-              </a:ext>
-            </a:extLst>
-          </p:cNvPr>
-          <p:cNvSpPr>
-            <a:spLocks noGrp="1"/>
-          </p:cNvSpPr>
-          <p:nvPr>
-            <p:ph type="pic" sz="quarter" idx="10"/>
+          <p:cNvPr id="5" name="Inhaltsplatzhalter 4">
+            <a:extLst>
+              <a:ext uri="{FF2B5EF4-FFF2-40B4-BE49-F238E27FC236}">
+                <a16:creationId xmlns:a16="http://schemas.microsoft.com/office/drawing/2014/main" id="{BF55FF9D-2C8A-0AAD-0AF2-C0563E15F3BC}"/>
+              </a:ext>
+            </a:extLst>
+          </p:cNvPr>
+          <p:cNvSpPr>
+            <a:spLocks noGrp="1"/>
+          </p:cNvSpPr>
+          <p:nvPr>
+            <p:ph sz="quarter" idx="48"/>
           </p:nvPr>
         </p:nvSpPr>
         <p:spPr/>
@@ -5974,15 +4834,15 @@
           <p:cNvPr id="6" name="Inhaltsplatzhalter 5">
             <a:extLst>
               <a:ext uri="{FF2B5EF4-FFF2-40B4-BE49-F238E27FC236}">
-                <a16:creationId xmlns:a16="http://schemas.microsoft.com/office/drawing/2014/main" id="{0F5BC612-DFBD-AD5E-F3A8-099277E801C8}"/>
-              </a:ext>
-            </a:extLst>
-          </p:cNvPr>
-          <p:cNvSpPr>
-            <a:spLocks noGrp="1"/>
-          </p:cNvSpPr>
-          <p:nvPr>
-            <p:ph sz="quarter" idx="13"/>
+                <a16:creationId xmlns:a16="http://schemas.microsoft.com/office/drawing/2014/main" id="{CC766C79-B2D9-9940-2300-75E7ED46EB63}"/>
+              </a:ext>
+            </a:extLst>
+          </p:cNvPr>
+          <p:cNvSpPr>
+            <a:spLocks noGrp="1"/>
+          </p:cNvSpPr>
+          <p:nvPr>
+            <p:ph sz="quarter" idx="49"/>
           </p:nvPr>
         </p:nvSpPr>
         <p:spPr/>
@@ -5999,15 +4859,15 @@
           <p:cNvPr id="7" name="Inhaltsplatzhalter 6">
             <a:extLst>
               <a:ext uri="{FF2B5EF4-FFF2-40B4-BE49-F238E27FC236}">
-                <a16:creationId xmlns:a16="http://schemas.microsoft.com/office/drawing/2014/main" id="{415B2D1F-D653-D365-BF3C-E98EA5E653A4}"/>
-              </a:ext>
-            </a:extLst>
-          </p:cNvPr>
-          <p:cNvSpPr>
-            <a:spLocks noGrp="1"/>
-          </p:cNvSpPr>
-          <p:nvPr>
-            <p:ph sz="quarter" idx="14"/>
+                <a16:creationId xmlns:a16="http://schemas.microsoft.com/office/drawing/2014/main" id="{C1B40786-32C4-377D-1D0E-171C12738C2A}"/>
+              </a:ext>
+            </a:extLst>
+          </p:cNvPr>
+          <p:cNvSpPr>
+            <a:spLocks noGrp="1"/>
+          </p:cNvSpPr>
+          <p:nvPr>
+            <p:ph sz="quarter" idx="50"/>
           </p:nvPr>
         </p:nvSpPr>
         <p:spPr/>
@@ -6024,15 +4884,15 @@
           <p:cNvPr id="8" name="Inhaltsplatzhalter 7">
             <a:extLst>
               <a:ext uri="{FF2B5EF4-FFF2-40B4-BE49-F238E27FC236}">
-                <a16:creationId xmlns:a16="http://schemas.microsoft.com/office/drawing/2014/main" id="{9344726C-2098-C1B4-F386-A09F6FFC831C}"/>
-              </a:ext>
-            </a:extLst>
-          </p:cNvPr>
-          <p:cNvSpPr>
-            <a:spLocks noGrp="1"/>
-          </p:cNvSpPr>
-          <p:nvPr>
-            <p:ph sz="quarter" idx="15"/>
+                <a16:creationId xmlns:a16="http://schemas.microsoft.com/office/drawing/2014/main" id="{A9983682-5EDB-0BA3-85C3-5AA970223B48}"/>
+              </a:ext>
+            </a:extLst>
+          </p:cNvPr>
+          <p:cNvSpPr>
+            <a:spLocks noGrp="1"/>
+          </p:cNvSpPr>
+          <p:nvPr>
+            <p:ph sz="quarter" idx="51"/>
           </p:nvPr>
         </p:nvSpPr>
         <p:spPr/>
@@ -6049,15 +4909,15 @@
           <p:cNvPr id="9" name="Inhaltsplatzhalter 8">
             <a:extLst>
               <a:ext uri="{FF2B5EF4-FFF2-40B4-BE49-F238E27FC236}">
-                <a16:creationId xmlns:a16="http://schemas.microsoft.com/office/drawing/2014/main" id="{9DD2D98D-8807-3E47-A5E6-19EFC09950B5}"/>
-              </a:ext>
-            </a:extLst>
-          </p:cNvPr>
-          <p:cNvSpPr>
-            <a:spLocks noGrp="1"/>
-          </p:cNvSpPr>
-          <p:nvPr>
-            <p:ph sz="quarter" idx="30"/>
+                <a16:creationId xmlns:a16="http://schemas.microsoft.com/office/drawing/2014/main" id="{B4970F99-0048-D0B5-4391-949C04E7C776}"/>
+              </a:ext>
+            </a:extLst>
+          </p:cNvPr>
+          <p:cNvSpPr>
+            <a:spLocks noGrp="1"/>
+          </p:cNvSpPr>
+          <p:nvPr>
+            <p:ph sz="quarter" idx="52"/>
           </p:nvPr>
         </p:nvSpPr>
         <p:spPr/>
@@ -6074,15 +4934,15 @@
           <p:cNvPr id="10" name="Inhaltsplatzhalter 9">
             <a:extLst>
               <a:ext uri="{FF2B5EF4-FFF2-40B4-BE49-F238E27FC236}">
-                <a16:creationId xmlns:a16="http://schemas.microsoft.com/office/drawing/2014/main" id="{05B0E036-B5AE-169C-CF6E-8D4F2CB002A1}"/>
-              </a:ext>
-            </a:extLst>
-          </p:cNvPr>
-          <p:cNvSpPr>
-            <a:spLocks noGrp="1"/>
-          </p:cNvSpPr>
-          <p:nvPr>
-            <p:ph sz="quarter" idx="31"/>
+                <a16:creationId xmlns:a16="http://schemas.microsoft.com/office/drawing/2014/main" id="{6F5DFC90-E5A1-F495-0880-30672C743AB9}"/>
+              </a:ext>
+            </a:extLst>
+          </p:cNvPr>
+          <p:cNvSpPr>
+            <a:spLocks noGrp="1"/>
+          </p:cNvSpPr>
+          <p:nvPr>
+            <p:ph sz="quarter" idx="53"/>
           </p:nvPr>
         </p:nvSpPr>
         <p:spPr/>
@@ -6099,15 +4959,15 @@
           <p:cNvPr id="11" name="Inhaltsplatzhalter 10">
             <a:extLst>
               <a:ext uri="{FF2B5EF4-FFF2-40B4-BE49-F238E27FC236}">
-                <a16:creationId xmlns:a16="http://schemas.microsoft.com/office/drawing/2014/main" id="{14CA4E4F-DF1E-B16D-521E-C3021578F943}"/>
-              </a:ext>
-            </a:extLst>
-          </p:cNvPr>
-          <p:cNvSpPr>
-            <a:spLocks noGrp="1"/>
-          </p:cNvSpPr>
-          <p:nvPr>
-            <p:ph sz="quarter" idx="32"/>
+                <a16:creationId xmlns:a16="http://schemas.microsoft.com/office/drawing/2014/main" id="{210B1E30-48F6-D1E3-964C-93A0B78D56F9}"/>
+              </a:ext>
+            </a:extLst>
+          </p:cNvPr>
+          <p:cNvSpPr>
+            <a:spLocks noGrp="1"/>
+          </p:cNvSpPr>
+          <p:nvPr>
+            <p:ph sz="quarter" idx="54"/>
           </p:nvPr>
         </p:nvSpPr>
         <p:spPr/>
@@ -6124,15 +4984,15 @@
           <p:cNvPr id="12" name="Inhaltsplatzhalter 11">
             <a:extLst>
               <a:ext uri="{FF2B5EF4-FFF2-40B4-BE49-F238E27FC236}">
-                <a16:creationId xmlns:a16="http://schemas.microsoft.com/office/drawing/2014/main" id="{982635BA-3F0B-9088-C082-C0A5EC274E6E}"/>
-              </a:ext>
-            </a:extLst>
-          </p:cNvPr>
-          <p:cNvSpPr>
-            <a:spLocks noGrp="1"/>
-          </p:cNvSpPr>
-          <p:nvPr>
-            <p:ph sz="quarter" idx="34"/>
+                <a16:creationId xmlns:a16="http://schemas.microsoft.com/office/drawing/2014/main" id="{AF825A11-4590-87F8-B877-EAAB153859C0}"/>
+              </a:ext>
+            </a:extLst>
+          </p:cNvPr>
+          <p:cNvSpPr>
+            <a:spLocks noGrp="1"/>
+          </p:cNvSpPr>
+          <p:nvPr>
+            <p:ph sz="quarter" idx="55"/>
           </p:nvPr>
         </p:nvSpPr>
         <p:spPr/>
@@ -6149,15 +5009,15 @@
           <p:cNvPr id="13" name="Inhaltsplatzhalter 12">
             <a:extLst>
               <a:ext uri="{FF2B5EF4-FFF2-40B4-BE49-F238E27FC236}">
-                <a16:creationId xmlns:a16="http://schemas.microsoft.com/office/drawing/2014/main" id="{FF3B304D-40B6-1D51-6CD6-8C8AFA7C2DC3}"/>
-              </a:ext>
-            </a:extLst>
-          </p:cNvPr>
-          <p:cNvSpPr>
-            <a:spLocks noGrp="1"/>
-          </p:cNvSpPr>
-          <p:nvPr>
-            <p:ph sz="quarter" idx="35"/>
+                <a16:creationId xmlns:a16="http://schemas.microsoft.com/office/drawing/2014/main" id="{8E81A11F-9C4B-3524-7BA7-00261216172C}"/>
+              </a:ext>
+            </a:extLst>
+          </p:cNvPr>
+          <p:cNvSpPr>
+            <a:spLocks noGrp="1"/>
+          </p:cNvSpPr>
+          <p:nvPr>
+            <p:ph sz="quarter" idx="56"/>
           </p:nvPr>
         </p:nvSpPr>
         <p:spPr/>
@@ -6174,15 +5034,15 @@
           <p:cNvPr id="14" name="Inhaltsplatzhalter 13">
             <a:extLst>
               <a:ext uri="{FF2B5EF4-FFF2-40B4-BE49-F238E27FC236}">
-                <a16:creationId xmlns:a16="http://schemas.microsoft.com/office/drawing/2014/main" id="{9190A925-B99E-09B4-97D7-86B4AD8EDACC}"/>
-              </a:ext>
-            </a:extLst>
-          </p:cNvPr>
-          <p:cNvSpPr>
-            <a:spLocks noGrp="1"/>
-          </p:cNvSpPr>
-          <p:nvPr>
-            <p:ph sz="quarter" idx="36"/>
+                <a16:creationId xmlns:a16="http://schemas.microsoft.com/office/drawing/2014/main" id="{52401875-B7BA-24BF-6535-B14DB4223A4D}"/>
+              </a:ext>
+            </a:extLst>
+          </p:cNvPr>
+          <p:cNvSpPr>
+            <a:spLocks noGrp="1"/>
+          </p:cNvSpPr>
+          <p:nvPr>
+            <p:ph sz="quarter" idx="57"/>
           </p:nvPr>
         </p:nvSpPr>
         <p:spPr/>
@@ -6199,15 +5059,15 @@
           <p:cNvPr id="15" name="Inhaltsplatzhalter 14">
             <a:extLst>
               <a:ext uri="{FF2B5EF4-FFF2-40B4-BE49-F238E27FC236}">
-                <a16:creationId xmlns:a16="http://schemas.microsoft.com/office/drawing/2014/main" id="{DD000242-3BDE-5D62-97E6-0E8DEF84B342}"/>
-              </a:ext>
-            </a:extLst>
-          </p:cNvPr>
-          <p:cNvSpPr>
-            <a:spLocks noGrp="1"/>
-          </p:cNvSpPr>
-          <p:nvPr>
-            <p:ph sz="quarter" idx="38"/>
+                <a16:creationId xmlns:a16="http://schemas.microsoft.com/office/drawing/2014/main" id="{02083766-88E0-6517-0C2B-79A42D0A86E7}"/>
+              </a:ext>
+            </a:extLst>
+          </p:cNvPr>
+          <p:cNvSpPr>
+            <a:spLocks noGrp="1"/>
+          </p:cNvSpPr>
+          <p:nvPr>
+            <p:ph sz="quarter" idx="58"/>
           </p:nvPr>
         </p:nvSpPr>
         <p:spPr/>
@@ -6224,15 +5084,15 @@
           <p:cNvPr id="16" name="Inhaltsplatzhalter 15">
             <a:extLst>
               <a:ext uri="{FF2B5EF4-FFF2-40B4-BE49-F238E27FC236}">
-                <a16:creationId xmlns:a16="http://schemas.microsoft.com/office/drawing/2014/main" id="{87F266F2-E891-D2E9-0CFE-C6B780A42EA5}"/>
-              </a:ext>
-            </a:extLst>
-          </p:cNvPr>
-          <p:cNvSpPr>
-            <a:spLocks noGrp="1"/>
-          </p:cNvSpPr>
-          <p:nvPr>
-            <p:ph sz="quarter" idx="39"/>
+                <a16:creationId xmlns:a16="http://schemas.microsoft.com/office/drawing/2014/main" id="{30E98CD9-7A62-0C71-FFB7-DAF9955DE913}"/>
+              </a:ext>
+            </a:extLst>
+          </p:cNvPr>
+          <p:cNvSpPr>
+            <a:spLocks noGrp="1"/>
+          </p:cNvSpPr>
+          <p:nvPr>
+            <p:ph sz="quarter" idx="59"/>
           </p:nvPr>
         </p:nvSpPr>
         <p:spPr/>
@@ -6249,15 +5109,15 @@
           <p:cNvPr id="17" name="Inhaltsplatzhalter 16">
             <a:extLst>
               <a:ext uri="{FF2B5EF4-FFF2-40B4-BE49-F238E27FC236}">
-                <a16:creationId xmlns:a16="http://schemas.microsoft.com/office/drawing/2014/main" id="{6A7F8004-1558-4E31-C13E-8F56EDF46DD5}"/>
-              </a:ext>
-            </a:extLst>
-          </p:cNvPr>
-          <p:cNvSpPr>
-            <a:spLocks noGrp="1"/>
-          </p:cNvSpPr>
-          <p:nvPr>
-            <p:ph sz="quarter" idx="40"/>
+                <a16:creationId xmlns:a16="http://schemas.microsoft.com/office/drawing/2014/main" id="{26AEF3A4-D00B-112D-5F70-169F90380DEE}"/>
+              </a:ext>
+            </a:extLst>
+          </p:cNvPr>
+          <p:cNvSpPr>
+            <a:spLocks noGrp="1"/>
+          </p:cNvSpPr>
+          <p:nvPr>
+            <p:ph sz="quarter" idx="60"/>
           </p:nvPr>
         </p:nvSpPr>
         <p:spPr/>
@@ -6274,15 +5134,15 @@
           <p:cNvPr id="18" name="Inhaltsplatzhalter 17">
             <a:extLst>
               <a:ext uri="{FF2B5EF4-FFF2-40B4-BE49-F238E27FC236}">
-                <a16:creationId xmlns:a16="http://schemas.microsoft.com/office/drawing/2014/main" id="{8DB1230C-CAA9-3F93-6019-EB2AA99FF29C}"/>
-              </a:ext>
-            </a:extLst>
-          </p:cNvPr>
-          <p:cNvSpPr>
-            <a:spLocks noGrp="1"/>
-          </p:cNvSpPr>
-          <p:nvPr>
-            <p:ph sz="quarter" idx="42"/>
+                <a16:creationId xmlns:a16="http://schemas.microsoft.com/office/drawing/2014/main" id="{9D923002-2A98-80A8-A415-CCB6D7EFCD62}"/>
+              </a:ext>
+            </a:extLst>
+          </p:cNvPr>
+          <p:cNvSpPr>
+            <a:spLocks noGrp="1"/>
+          </p:cNvSpPr>
+          <p:nvPr>
+            <p:ph sz="quarter" idx="61"/>
           </p:nvPr>
         </p:nvSpPr>
         <p:spPr/>
@@ -6299,15 +5159,15 @@
           <p:cNvPr id="19" name="Inhaltsplatzhalter 18">
             <a:extLst>
               <a:ext uri="{FF2B5EF4-FFF2-40B4-BE49-F238E27FC236}">
-                <a16:creationId xmlns:a16="http://schemas.microsoft.com/office/drawing/2014/main" id="{CB3F1C7D-8DFA-51B7-02E9-506C71375608}"/>
-              </a:ext>
-            </a:extLst>
-          </p:cNvPr>
-          <p:cNvSpPr>
-            <a:spLocks noGrp="1"/>
-          </p:cNvSpPr>
-          <p:nvPr>
-            <p:ph sz="quarter" idx="43"/>
+                <a16:creationId xmlns:a16="http://schemas.microsoft.com/office/drawing/2014/main" id="{4EFF5EF4-C6AA-41D2-8121-5B0A077E7212}"/>
+              </a:ext>
+            </a:extLst>
+          </p:cNvPr>
+          <p:cNvSpPr>
+            <a:spLocks noGrp="1"/>
+          </p:cNvSpPr>
+          <p:nvPr>
+            <p:ph sz="quarter" idx="62"/>
           </p:nvPr>
         </p:nvSpPr>
         <p:spPr/>
@@ -6324,15 +5184,15 @@
           <p:cNvPr id="20" name="Inhaltsplatzhalter 19">
             <a:extLst>
               <a:ext uri="{FF2B5EF4-FFF2-40B4-BE49-F238E27FC236}">
-                <a16:creationId xmlns:a16="http://schemas.microsoft.com/office/drawing/2014/main" id="{FCEFC38A-F8EE-CEEA-FAD3-84589CE8D3C9}"/>
-              </a:ext>
-            </a:extLst>
-          </p:cNvPr>
-          <p:cNvSpPr>
-            <a:spLocks noGrp="1"/>
-          </p:cNvSpPr>
-          <p:nvPr>
-            <p:ph sz="quarter" idx="44"/>
+                <a16:creationId xmlns:a16="http://schemas.microsoft.com/office/drawing/2014/main" id="{EB872D89-479D-4286-FFE4-CCE150962DA1}"/>
+              </a:ext>
+            </a:extLst>
+          </p:cNvPr>
+          <p:cNvSpPr>
+            <a:spLocks noGrp="1"/>
+          </p:cNvSpPr>
+          <p:nvPr>
+            <p:ph sz="quarter" idx="63"/>
           </p:nvPr>
         </p:nvSpPr>
         <p:spPr/>
@@ -6346,18 +5206,18 @@
       </p:sp>
       <p:sp>
         <p:nvSpPr>
-          <p:cNvPr id="21" name="Bildplatzhalter 20">
-            <a:extLst>
-              <a:ext uri="{FF2B5EF4-FFF2-40B4-BE49-F238E27FC236}">
-                <a16:creationId xmlns:a16="http://schemas.microsoft.com/office/drawing/2014/main" id="{713D9C9F-B6F5-679B-B71C-7FA5372EC0D4}"/>
-              </a:ext>
-            </a:extLst>
-          </p:cNvPr>
-          <p:cNvSpPr>
-            <a:spLocks noGrp="1"/>
-          </p:cNvSpPr>
-          <p:nvPr>
-            <p:ph type="pic" sz="quarter" idx="45"/>
+          <p:cNvPr id="21" name="Inhaltsplatzhalter 20">
+            <a:extLst>
+              <a:ext uri="{FF2B5EF4-FFF2-40B4-BE49-F238E27FC236}">
+                <a16:creationId xmlns:a16="http://schemas.microsoft.com/office/drawing/2014/main" id="{917A9255-4318-3549-3172-C81C56BE849C}"/>
+              </a:ext>
+            </a:extLst>
+          </p:cNvPr>
+          <p:cNvSpPr>
+            <a:spLocks noGrp="1"/>
+          </p:cNvSpPr>
+          <p:nvPr>
+            <p:ph sz="quarter" idx="64"/>
           </p:nvPr>
         </p:nvSpPr>
         <p:spPr/>
@@ -6371,18 +5231,18 @@
       </p:sp>
       <p:sp>
         <p:nvSpPr>
-          <p:cNvPr id="22" name="Bildplatzhalter 21">
-            <a:extLst>
-              <a:ext uri="{FF2B5EF4-FFF2-40B4-BE49-F238E27FC236}">
-                <a16:creationId xmlns:a16="http://schemas.microsoft.com/office/drawing/2014/main" id="{F86EF916-8F94-F78F-495E-834CBAD82A9C}"/>
-              </a:ext>
-            </a:extLst>
-          </p:cNvPr>
-          <p:cNvSpPr>
-            <a:spLocks noGrp="1"/>
-          </p:cNvSpPr>
-          <p:nvPr>
-            <p:ph type="pic" sz="quarter" idx="46"/>
+          <p:cNvPr id="22" name="Inhaltsplatzhalter 21">
+            <a:extLst>
+              <a:ext uri="{FF2B5EF4-FFF2-40B4-BE49-F238E27FC236}">
+                <a16:creationId xmlns:a16="http://schemas.microsoft.com/office/drawing/2014/main" id="{69DE415B-75AD-0E87-4B07-DD5E97AA9071}"/>
+              </a:ext>
+            </a:extLst>
+          </p:cNvPr>
+          <p:cNvSpPr>
+            <a:spLocks noGrp="1"/>
+          </p:cNvSpPr>
+          <p:nvPr>
+            <p:ph sz="quarter" idx="65"/>
           </p:nvPr>
         </p:nvSpPr>
         <p:spPr/>
@@ -6397,7 +5257,7 @@
     </p:spTree>
     <p:extLst>
       <p:ext uri="{BB962C8B-B14F-4D97-AF65-F5344CB8AC3E}">
-        <p14:creationId xmlns:p14="http://schemas.microsoft.com/office/powerpoint/2010/main" val="3004399866"/>
+        <p14:creationId xmlns:p14="http://schemas.microsoft.com/office/powerpoint/2010/main" val="3828294545"/>
       </p:ext>
     </p:extLst>
   </p:cSld>
@@ -6426,18 +5286,18 @@
       </p:grpSpPr>
       <p:sp>
         <p:nvSpPr>
-          <p:cNvPr id="2" name="Inhaltsplatzhalter 1">
-            <a:extLst>
-              <a:ext uri="{FF2B5EF4-FFF2-40B4-BE49-F238E27FC236}">
-                <a16:creationId xmlns:a16="http://schemas.microsoft.com/office/drawing/2014/main" id="{EC43375F-8532-1B29-2BE5-5FBED5398423}"/>
-              </a:ext>
-            </a:extLst>
-          </p:cNvPr>
-          <p:cNvSpPr>
-            <a:spLocks noGrp="1"/>
-          </p:cNvSpPr>
-          <p:nvPr>
-            <p:ph sz="quarter" idx="21"/>
+          <p:cNvPr id="2" name="Bildplatzhalter 1">
+            <a:extLst>
+              <a:ext uri="{FF2B5EF4-FFF2-40B4-BE49-F238E27FC236}">
+                <a16:creationId xmlns:a16="http://schemas.microsoft.com/office/drawing/2014/main" id="{0C71F093-2AD8-81C7-46C8-FC56396D3657}"/>
+              </a:ext>
+            </a:extLst>
+          </p:cNvPr>
+          <p:cNvSpPr>
+            <a:spLocks noGrp="1"/>
+          </p:cNvSpPr>
+          <p:nvPr>
+            <p:ph type="pic" sz="quarter" idx="10"/>
           </p:nvPr>
         </p:nvSpPr>
         <p:spPr/>
@@ -6451,18 +5311,18 @@
       </p:sp>
       <p:sp>
         <p:nvSpPr>
-          <p:cNvPr id="3" name="Inhaltsplatzhalter 2">
-            <a:extLst>
-              <a:ext uri="{FF2B5EF4-FFF2-40B4-BE49-F238E27FC236}">
-                <a16:creationId xmlns:a16="http://schemas.microsoft.com/office/drawing/2014/main" id="{0564DD7E-E2B8-8BEB-9D38-B807781BCFE7}"/>
-              </a:ext>
-            </a:extLst>
-          </p:cNvPr>
-          <p:cNvSpPr>
-            <a:spLocks noGrp="1"/>
-          </p:cNvSpPr>
-          <p:nvPr>
-            <p:ph sz="quarter" idx="20"/>
+          <p:cNvPr id="3" name="Bildplatzhalter 2">
+            <a:extLst>
+              <a:ext uri="{FF2B5EF4-FFF2-40B4-BE49-F238E27FC236}">
+                <a16:creationId xmlns:a16="http://schemas.microsoft.com/office/drawing/2014/main" id="{65659E3A-2915-61C1-81BE-44CF1AA9FD37}"/>
+              </a:ext>
+            </a:extLst>
+          </p:cNvPr>
+          <p:cNvSpPr>
+            <a:spLocks noGrp="1"/>
+          </p:cNvSpPr>
+          <p:nvPr>
+            <p:ph type="pic" sz="quarter" idx="45"/>
           </p:nvPr>
         </p:nvSpPr>
         <p:spPr/>
@@ -6476,18 +5336,18 @@
       </p:sp>
       <p:sp>
         <p:nvSpPr>
-          <p:cNvPr id="4" name="Inhaltsplatzhalter 3">
-            <a:extLst>
-              <a:ext uri="{FF2B5EF4-FFF2-40B4-BE49-F238E27FC236}">
-                <a16:creationId xmlns:a16="http://schemas.microsoft.com/office/drawing/2014/main" id="{F592F865-05C9-A8CE-7089-A597244F27A0}"/>
-              </a:ext>
-            </a:extLst>
-          </p:cNvPr>
-          <p:cNvSpPr>
-            <a:spLocks noGrp="1"/>
-          </p:cNvSpPr>
-          <p:nvPr>
-            <p:ph sz="quarter" idx="19"/>
+          <p:cNvPr id="4" name="Bildplatzhalter 3">
+            <a:extLst>
+              <a:ext uri="{FF2B5EF4-FFF2-40B4-BE49-F238E27FC236}">
+                <a16:creationId xmlns:a16="http://schemas.microsoft.com/office/drawing/2014/main" id="{0291D3E5-F89D-C927-254B-5B3171376D16}"/>
+              </a:ext>
+            </a:extLst>
+          </p:cNvPr>
+          <p:cNvSpPr>
+            <a:spLocks noGrp="1"/>
+          </p:cNvSpPr>
+          <p:nvPr>
+            <p:ph type="pic" sz="quarter" idx="46"/>
           </p:nvPr>
         </p:nvSpPr>
         <p:spPr/>
@@ -6501,18 +5361,18 @@
       </p:sp>
       <p:sp>
         <p:nvSpPr>
-          <p:cNvPr id="5" name="Bildplatzhalter 4">
-            <a:extLst>
-              <a:ext uri="{FF2B5EF4-FFF2-40B4-BE49-F238E27FC236}">
-                <a16:creationId xmlns:a16="http://schemas.microsoft.com/office/drawing/2014/main" id="{EE3CF621-7C87-CB75-C133-8DFD6A7A2283}"/>
-              </a:ext>
-            </a:extLst>
-          </p:cNvPr>
-          <p:cNvSpPr>
-            <a:spLocks noGrp="1"/>
-          </p:cNvSpPr>
-          <p:nvPr>
-            <p:ph type="pic" sz="quarter" idx="10"/>
+          <p:cNvPr id="5" name="Inhaltsplatzhalter 4">
+            <a:extLst>
+              <a:ext uri="{FF2B5EF4-FFF2-40B4-BE49-F238E27FC236}">
+                <a16:creationId xmlns:a16="http://schemas.microsoft.com/office/drawing/2014/main" id="{4CE6B826-D58C-6F11-A760-7C5B78C6DE6A}"/>
+              </a:ext>
+            </a:extLst>
+          </p:cNvPr>
+          <p:cNvSpPr>
+            <a:spLocks noGrp="1"/>
+          </p:cNvSpPr>
+          <p:nvPr>
+            <p:ph sz="quarter" idx="48"/>
           </p:nvPr>
         </p:nvSpPr>
         <p:spPr/>
@@ -6529,15 +5389,15 @@
           <p:cNvPr id="6" name="Inhaltsplatzhalter 5">
             <a:extLst>
               <a:ext uri="{FF2B5EF4-FFF2-40B4-BE49-F238E27FC236}">
-                <a16:creationId xmlns:a16="http://schemas.microsoft.com/office/drawing/2014/main" id="{6D541CAD-413D-4986-74C8-7D9EEBE59AD8}"/>
-              </a:ext>
-            </a:extLst>
-          </p:cNvPr>
-          <p:cNvSpPr>
-            <a:spLocks noGrp="1"/>
-          </p:cNvSpPr>
-          <p:nvPr>
-            <p:ph sz="quarter" idx="13"/>
+                <a16:creationId xmlns:a16="http://schemas.microsoft.com/office/drawing/2014/main" id="{8E1BA32B-DD56-4FFA-5659-DDE40CE37BC9}"/>
+              </a:ext>
+            </a:extLst>
+          </p:cNvPr>
+          <p:cNvSpPr>
+            <a:spLocks noGrp="1"/>
+          </p:cNvSpPr>
+          <p:nvPr>
+            <p:ph sz="quarter" idx="49"/>
           </p:nvPr>
         </p:nvSpPr>
         <p:spPr/>
@@ -6554,15 +5414,15 @@
           <p:cNvPr id="7" name="Inhaltsplatzhalter 6">
             <a:extLst>
               <a:ext uri="{FF2B5EF4-FFF2-40B4-BE49-F238E27FC236}">
-                <a16:creationId xmlns:a16="http://schemas.microsoft.com/office/drawing/2014/main" id="{23024A59-A061-4058-606B-1C306FB263B8}"/>
-              </a:ext>
-            </a:extLst>
-          </p:cNvPr>
-          <p:cNvSpPr>
-            <a:spLocks noGrp="1"/>
-          </p:cNvSpPr>
-          <p:nvPr>
-            <p:ph sz="quarter" idx="14"/>
+                <a16:creationId xmlns:a16="http://schemas.microsoft.com/office/drawing/2014/main" id="{A4375541-9323-2BEE-7AA6-C64752CCA130}"/>
+              </a:ext>
+            </a:extLst>
+          </p:cNvPr>
+          <p:cNvSpPr>
+            <a:spLocks noGrp="1"/>
+          </p:cNvSpPr>
+          <p:nvPr>
+            <p:ph sz="quarter" idx="50"/>
           </p:nvPr>
         </p:nvSpPr>
         <p:spPr/>
@@ -6579,15 +5439,15 @@
           <p:cNvPr id="8" name="Inhaltsplatzhalter 7">
             <a:extLst>
               <a:ext uri="{FF2B5EF4-FFF2-40B4-BE49-F238E27FC236}">
-                <a16:creationId xmlns:a16="http://schemas.microsoft.com/office/drawing/2014/main" id="{FE2CFB75-7798-9C85-4E90-B243BF925E45}"/>
-              </a:ext>
-            </a:extLst>
-          </p:cNvPr>
-          <p:cNvSpPr>
-            <a:spLocks noGrp="1"/>
-          </p:cNvSpPr>
-          <p:nvPr>
-            <p:ph sz="quarter" idx="15"/>
+                <a16:creationId xmlns:a16="http://schemas.microsoft.com/office/drawing/2014/main" id="{ED81A0CD-4C6B-DE86-3C80-FBD7288A4693}"/>
+              </a:ext>
+            </a:extLst>
+          </p:cNvPr>
+          <p:cNvSpPr>
+            <a:spLocks noGrp="1"/>
+          </p:cNvSpPr>
+          <p:nvPr>
+            <p:ph sz="quarter" idx="51"/>
           </p:nvPr>
         </p:nvSpPr>
         <p:spPr/>
@@ -6604,15 +5464,15 @@
           <p:cNvPr id="9" name="Inhaltsplatzhalter 8">
             <a:extLst>
               <a:ext uri="{FF2B5EF4-FFF2-40B4-BE49-F238E27FC236}">
-                <a16:creationId xmlns:a16="http://schemas.microsoft.com/office/drawing/2014/main" id="{5C529B44-4ACB-F279-15F1-52B09F8AB425}"/>
-              </a:ext>
-            </a:extLst>
-          </p:cNvPr>
-          <p:cNvSpPr>
-            <a:spLocks noGrp="1"/>
-          </p:cNvSpPr>
-          <p:nvPr>
-            <p:ph sz="quarter" idx="30"/>
+                <a16:creationId xmlns:a16="http://schemas.microsoft.com/office/drawing/2014/main" id="{5DF943C5-515F-E12F-0CB5-97DB3AF42CD1}"/>
+              </a:ext>
+            </a:extLst>
+          </p:cNvPr>
+          <p:cNvSpPr>
+            <a:spLocks noGrp="1"/>
+          </p:cNvSpPr>
+          <p:nvPr>
+            <p:ph sz="quarter" idx="52"/>
           </p:nvPr>
         </p:nvSpPr>
         <p:spPr/>
@@ -6629,15 +5489,15 @@
           <p:cNvPr id="10" name="Inhaltsplatzhalter 9">
             <a:extLst>
               <a:ext uri="{FF2B5EF4-FFF2-40B4-BE49-F238E27FC236}">
-                <a16:creationId xmlns:a16="http://schemas.microsoft.com/office/drawing/2014/main" id="{C76F41EB-AD52-A504-1169-FAE3B1AF010F}"/>
-              </a:ext>
-            </a:extLst>
-          </p:cNvPr>
-          <p:cNvSpPr>
-            <a:spLocks noGrp="1"/>
-          </p:cNvSpPr>
-          <p:nvPr>
-            <p:ph sz="quarter" idx="31"/>
+                <a16:creationId xmlns:a16="http://schemas.microsoft.com/office/drawing/2014/main" id="{459052D9-CB4D-43E0-9323-777518B3D165}"/>
+              </a:ext>
+            </a:extLst>
+          </p:cNvPr>
+          <p:cNvSpPr>
+            <a:spLocks noGrp="1"/>
+          </p:cNvSpPr>
+          <p:nvPr>
+            <p:ph sz="quarter" idx="53"/>
           </p:nvPr>
         </p:nvSpPr>
         <p:spPr/>
@@ -6654,15 +5514,15 @@
           <p:cNvPr id="11" name="Inhaltsplatzhalter 10">
             <a:extLst>
               <a:ext uri="{FF2B5EF4-FFF2-40B4-BE49-F238E27FC236}">
-                <a16:creationId xmlns:a16="http://schemas.microsoft.com/office/drawing/2014/main" id="{B4B86E84-B284-2822-DC3D-02E5FB0FBDD5}"/>
-              </a:ext>
-            </a:extLst>
-          </p:cNvPr>
-          <p:cNvSpPr>
-            <a:spLocks noGrp="1"/>
-          </p:cNvSpPr>
-          <p:nvPr>
-            <p:ph sz="quarter" idx="32"/>
+                <a16:creationId xmlns:a16="http://schemas.microsoft.com/office/drawing/2014/main" id="{A501DFCD-DA7F-6271-5BA4-572B5D76F832}"/>
+              </a:ext>
+            </a:extLst>
+          </p:cNvPr>
+          <p:cNvSpPr>
+            <a:spLocks noGrp="1"/>
+          </p:cNvSpPr>
+          <p:nvPr>
+            <p:ph sz="quarter" idx="54"/>
           </p:nvPr>
         </p:nvSpPr>
         <p:spPr/>
@@ -6679,15 +5539,15 @@
           <p:cNvPr id="12" name="Inhaltsplatzhalter 11">
             <a:extLst>
               <a:ext uri="{FF2B5EF4-FFF2-40B4-BE49-F238E27FC236}">
-                <a16:creationId xmlns:a16="http://schemas.microsoft.com/office/drawing/2014/main" id="{B9E6C68B-CBE5-9229-61BC-B5276CE3991E}"/>
-              </a:ext>
-            </a:extLst>
-          </p:cNvPr>
-          <p:cNvSpPr>
-            <a:spLocks noGrp="1"/>
-          </p:cNvSpPr>
-          <p:nvPr>
-            <p:ph sz="quarter" idx="34"/>
+                <a16:creationId xmlns:a16="http://schemas.microsoft.com/office/drawing/2014/main" id="{75D9B0E4-A9C6-F806-8D60-FBF9C861D815}"/>
+              </a:ext>
+            </a:extLst>
+          </p:cNvPr>
+          <p:cNvSpPr>
+            <a:spLocks noGrp="1"/>
+          </p:cNvSpPr>
+          <p:nvPr>
+            <p:ph sz="quarter" idx="55"/>
           </p:nvPr>
         </p:nvSpPr>
         <p:spPr/>
@@ -6704,15 +5564,15 @@
           <p:cNvPr id="13" name="Inhaltsplatzhalter 12">
             <a:extLst>
               <a:ext uri="{FF2B5EF4-FFF2-40B4-BE49-F238E27FC236}">
-                <a16:creationId xmlns:a16="http://schemas.microsoft.com/office/drawing/2014/main" id="{6D088282-8ABD-7FF6-292D-B6DC7AF42CED}"/>
-              </a:ext>
-            </a:extLst>
-          </p:cNvPr>
-          <p:cNvSpPr>
-            <a:spLocks noGrp="1"/>
-          </p:cNvSpPr>
-          <p:nvPr>
-            <p:ph sz="quarter" idx="35"/>
+                <a16:creationId xmlns:a16="http://schemas.microsoft.com/office/drawing/2014/main" id="{E3488AA3-9AF5-4675-C90F-70EF397E162B}"/>
+              </a:ext>
+            </a:extLst>
+          </p:cNvPr>
+          <p:cNvSpPr>
+            <a:spLocks noGrp="1"/>
+          </p:cNvSpPr>
+          <p:nvPr>
+            <p:ph sz="quarter" idx="56"/>
           </p:nvPr>
         </p:nvSpPr>
         <p:spPr/>
@@ -6729,15 +5589,15 @@
           <p:cNvPr id="14" name="Inhaltsplatzhalter 13">
             <a:extLst>
               <a:ext uri="{FF2B5EF4-FFF2-40B4-BE49-F238E27FC236}">
-                <a16:creationId xmlns:a16="http://schemas.microsoft.com/office/drawing/2014/main" id="{B48586D7-2D65-B3D0-EB47-4DC5C7825F1B}"/>
-              </a:ext>
-            </a:extLst>
-          </p:cNvPr>
-          <p:cNvSpPr>
-            <a:spLocks noGrp="1"/>
-          </p:cNvSpPr>
-          <p:nvPr>
-            <p:ph sz="quarter" idx="36"/>
+                <a16:creationId xmlns:a16="http://schemas.microsoft.com/office/drawing/2014/main" id="{B4988515-3E4F-5E78-57EC-30B4D2A5731B}"/>
+              </a:ext>
+            </a:extLst>
+          </p:cNvPr>
+          <p:cNvSpPr>
+            <a:spLocks noGrp="1"/>
+          </p:cNvSpPr>
+          <p:nvPr>
+            <p:ph sz="quarter" idx="57"/>
           </p:nvPr>
         </p:nvSpPr>
         <p:spPr/>
@@ -6754,15 +5614,15 @@
           <p:cNvPr id="15" name="Inhaltsplatzhalter 14">
             <a:extLst>
               <a:ext uri="{FF2B5EF4-FFF2-40B4-BE49-F238E27FC236}">
-                <a16:creationId xmlns:a16="http://schemas.microsoft.com/office/drawing/2014/main" id="{3346E8F3-5C59-9816-8D90-09E136C16DDE}"/>
-              </a:ext>
-            </a:extLst>
-          </p:cNvPr>
-          <p:cNvSpPr>
-            <a:spLocks noGrp="1"/>
-          </p:cNvSpPr>
-          <p:nvPr>
-            <p:ph sz="quarter" idx="38"/>
+                <a16:creationId xmlns:a16="http://schemas.microsoft.com/office/drawing/2014/main" id="{DE902FC7-DE8D-DB53-0663-97DCE4844562}"/>
+              </a:ext>
+            </a:extLst>
+          </p:cNvPr>
+          <p:cNvSpPr>
+            <a:spLocks noGrp="1"/>
+          </p:cNvSpPr>
+          <p:nvPr>
+            <p:ph sz="quarter" idx="58"/>
           </p:nvPr>
         </p:nvSpPr>
         <p:spPr/>
@@ -6779,15 +5639,15 @@
           <p:cNvPr id="16" name="Inhaltsplatzhalter 15">
             <a:extLst>
               <a:ext uri="{FF2B5EF4-FFF2-40B4-BE49-F238E27FC236}">
-                <a16:creationId xmlns:a16="http://schemas.microsoft.com/office/drawing/2014/main" id="{609B1594-F607-4FAC-5084-B99A38D00C37}"/>
-              </a:ext>
-            </a:extLst>
-          </p:cNvPr>
-          <p:cNvSpPr>
-            <a:spLocks noGrp="1"/>
-          </p:cNvSpPr>
-          <p:nvPr>
-            <p:ph sz="quarter" idx="39"/>
+                <a16:creationId xmlns:a16="http://schemas.microsoft.com/office/drawing/2014/main" id="{5EF43A89-4986-94D7-E3D2-B0CBC29CFA4C}"/>
+              </a:ext>
+            </a:extLst>
+          </p:cNvPr>
+          <p:cNvSpPr>
+            <a:spLocks noGrp="1"/>
+          </p:cNvSpPr>
+          <p:nvPr>
+            <p:ph sz="quarter" idx="59"/>
           </p:nvPr>
         </p:nvSpPr>
         <p:spPr/>
@@ -6804,15 +5664,15 @@
           <p:cNvPr id="17" name="Inhaltsplatzhalter 16">
             <a:extLst>
               <a:ext uri="{FF2B5EF4-FFF2-40B4-BE49-F238E27FC236}">
-                <a16:creationId xmlns:a16="http://schemas.microsoft.com/office/drawing/2014/main" id="{5029E96F-88A8-38CA-C8DB-9B2911CBFA92}"/>
-              </a:ext>
-            </a:extLst>
-          </p:cNvPr>
-          <p:cNvSpPr>
-            <a:spLocks noGrp="1"/>
-          </p:cNvSpPr>
-          <p:nvPr>
-            <p:ph sz="quarter" idx="40"/>
+                <a16:creationId xmlns:a16="http://schemas.microsoft.com/office/drawing/2014/main" id="{11673C78-B5D2-8F4B-AF1A-0B83167BA6A6}"/>
+              </a:ext>
+            </a:extLst>
+          </p:cNvPr>
+          <p:cNvSpPr>
+            <a:spLocks noGrp="1"/>
+          </p:cNvSpPr>
+          <p:nvPr>
+            <p:ph sz="quarter" idx="60"/>
           </p:nvPr>
         </p:nvSpPr>
         <p:spPr/>
@@ -6829,15 +5689,15 @@
           <p:cNvPr id="18" name="Inhaltsplatzhalter 17">
             <a:extLst>
               <a:ext uri="{FF2B5EF4-FFF2-40B4-BE49-F238E27FC236}">
-                <a16:creationId xmlns:a16="http://schemas.microsoft.com/office/drawing/2014/main" id="{E92BAE32-3791-F22C-9DE1-291900929D66}"/>
-              </a:ext>
-            </a:extLst>
-          </p:cNvPr>
-          <p:cNvSpPr>
-            <a:spLocks noGrp="1"/>
-          </p:cNvSpPr>
-          <p:nvPr>
-            <p:ph sz="quarter" idx="42"/>
+                <a16:creationId xmlns:a16="http://schemas.microsoft.com/office/drawing/2014/main" id="{DB427399-9877-DCA8-C77B-B6EFAE4892D1}"/>
+              </a:ext>
+            </a:extLst>
+          </p:cNvPr>
+          <p:cNvSpPr>
+            <a:spLocks noGrp="1"/>
+          </p:cNvSpPr>
+          <p:nvPr>
+            <p:ph sz="quarter" idx="61"/>
           </p:nvPr>
         </p:nvSpPr>
         <p:spPr/>
@@ -6854,15 +5714,15 @@
           <p:cNvPr id="19" name="Inhaltsplatzhalter 18">
             <a:extLst>
               <a:ext uri="{FF2B5EF4-FFF2-40B4-BE49-F238E27FC236}">
-                <a16:creationId xmlns:a16="http://schemas.microsoft.com/office/drawing/2014/main" id="{712CDA96-1F1B-E8E0-AAF1-56968BF39B61}"/>
-              </a:ext>
-            </a:extLst>
-          </p:cNvPr>
-          <p:cNvSpPr>
-            <a:spLocks noGrp="1"/>
-          </p:cNvSpPr>
-          <p:nvPr>
-            <p:ph sz="quarter" idx="43"/>
+                <a16:creationId xmlns:a16="http://schemas.microsoft.com/office/drawing/2014/main" id="{9D91712B-CE98-35CE-C823-CED29B27A0E6}"/>
+              </a:ext>
+            </a:extLst>
+          </p:cNvPr>
+          <p:cNvSpPr>
+            <a:spLocks noGrp="1"/>
+          </p:cNvSpPr>
+          <p:nvPr>
+            <p:ph sz="quarter" idx="62"/>
           </p:nvPr>
         </p:nvSpPr>
         <p:spPr/>
@@ -6879,15 +5739,15 @@
           <p:cNvPr id="20" name="Inhaltsplatzhalter 19">
             <a:extLst>
               <a:ext uri="{FF2B5EF4-FFF2-40B4-BE49-F238E27FC236}">
-                <a16:creationId xmlns:a16="http://schemas.microsoft.com/office/drawing/2014/main" id="{14FCAD4A-3192-E065-F38D-919BE88DF9F9}"/>
-              </a:ext>
-            </a:extLst>
-          </p:cNvPr>
-          <p:cNvSpPr>
-            <a:spLocks noGrp="1"/>
-          </p:cNvSpPr>
-          <p:nvPr>
-            <p:ph sz="quarter" idx="44"/>
+                <a16:creationId xmlns:a16="http://schemas.microsoft.com/office/drawing/2014/main" id="{513DAB81-7E1B-3862-A366-9AF3B5FF661D}"/>
+              </a:ext>
+            </a:extLst>
+          </p:cNvPr>
+          <p:cNvSpPr>
+            <a:spLocks noGrp="1"/>
+          </p:cNvSpPr>
+          <p:nvPr>
+            <p:ph sz="quarter" idx="63"/>
           </p:nvPr>
         </p:nvSpPr>
         <p:spPr/>
@@ -6901,18 +5761,18 @@
       </p:sp>
       <p:sp>
         <p:nvSpPr>
-          <p:cNvPr id="21" name="Bildplatzhalter 20">
-            <a:extLst>
-              <a:ext uri="{FF2B5EF4-FFF2-40B4-BE49-F238E27FC236}">
-                <a16:creationId xmlns:a16="http://schemas.microsoft.com/office/drawing/2014/main" id="{18F791A0-4989-1C08-A098-03F04448A29B}"/>
-              </a:ext>
-            </a:extLst>
-          </p:cNvPr>
-          <p:cNvSpPr>
-            <a:spLocks noGrp="1"/>
-          </p:cNvSpPr>
-          <p:nvPr>
-            <p:ph type="pic" sz="quarter" idx="45"/>
+          <p:cNvPr id="21" name="Inhaltsplatzhalter 20">
+            <a:extLst>
+              <a:ext uri="{FF2B5EF4-FFF2-40B4-BE49-F238E27FC236}">
+                <a16:creationId xmlns:a16="http://schemas.microsoft.com/office/drawing/2014/main" id="{22F03503-A348-4E97-688F-8F7F63D09622}"/>
+              </a:ext>
+            </a:extLst>
+          </p:cNvPr>
+          <p:cNvSpPr>
+            <a:spLocks noGrp="1"/>
+          </p:cNvSpPr>
+          <p:nvPr>
+            <p:ph sz="quarter" idx="64"/>
           </p:nvPr>
         </p:nvSpPr>
         <p:spPr/>
@@ -6926,18 +5786,18 @@
       </p:sp>
       <p:sp>
         <p:nvSpPr>
-          <p:cNvPr id="22" name="Bildplatzhalter 21">
-            <a:extLst>
-              <a:ext uri="{FF2B5EF4-FFF2-40B4-BE49-F238E27FC236}">
-                <a16:creationId xmlns:a16="http://schemas.microsoft.com/office/drawing/2014/main" id="{91F709CD-9357-BC36-0C20-5A545FF57AB7}"/>
-              </a:ext>
-            </a:extLst>
-          </p:cNvPr>
-          <p:cNvSpPr>
-            <a:spLocks noGrp="1"/>
-          </p:cNvSpPr>
-          <p:nvPr>
-            <p:ph type="pic" sz="quarter" idx="46"/>
+          <p:cNvPr id="22" name="Inhaltsplatzhalter 21">
+            <a:extLst>
+              <a:ext uri="{FF2B5EF4-FFF2-40B4-BE49-F238E27FC236}">
+                <a16:creationId xmlns:a16="http://schemas.microsoft.com/office/drawing/2014/main" id="{ADDBEC99-3C16-118C-5B3A-CD415CB293AA}"/>
+              </a:ext>
+            </a:extLst>
+          </p:cNvPr>
+          <p:cNvSpPr>
+            <a:spLocks noGrp="1"/>
+          </p:cNvSpPr>
+          <p:nvPr>
+            <p:ph sz="quarter" idx="65"/>
           </p:nvPr>
         </p:nvSpPr>
         <p:spPr/>
@@ -6952,7 +5812,7 @@
     </p:spTree>
     <p:extLst>
       <p:ext uri="{BB962C8B-B14F-4D97-AF65-F5344CB8AC3E}">
-        <p14:creationId xmlns:p14="http://schemas.microsoft.com/office/powerpoint/2010/main" val="1842763979"/>
+        <p14:creationId xmlns:p14="http://schemas.microsoft.com/office/powerpoint/2010/main" val="3941431360"/>
       </p:ext>
     </p:extLst>
   </p:cSld>
@@ -7003,67 +5863,15 @@
         <a:srgbClr val="954F72"/>
       </a:folHlink>
     </a:clrScheme>
-    <a:fontScheme name="Office">
+    <a:fontScheme name="Arial">
       <a:majorFont>
-        <a:latin typeface="Calibri Light" panose="020F0302020204030204"/>
+        <a:latin typeface="Arial" panose="020B0604020202020204"/>
         <a:ea typeface=""/>
         <a:cs typeface=""/>
-        <a:font script="Jpan" typeface="游ゴシック Light"/>
-        <a:font script="Hang" typeface="맑은 고딕"/>
-        <a:font script="Hans" typeface="等线 Light"/>
-        <a:font script="Hant" typeface="新細明體"/>
-        <a:font script="Arab" typeface="Times New Roman"/>
-        <a:font script="Hebr" typeface="Times New Roman"/>
-        <a:font script="Thai" typeface="Angsana New"/>
-        <a:font script="Ethi" typeface="Nyala"/>
-        <a:font script="Beng" typeface="Vrinda"/>
-        <a:font script="Gujr" typeface="Shruti"/>
-        <a:font script="Khmr" typeface="MoolBoran"/>
-        <a:font script="Knda" typeface="Tunga"/>
-        <a:font script="Guru" typeface="Raavi"/>
-        <a:font script="Cans" typeface="Euphemia"/>
-        <a:font script="Cher" typeface="Plantagenet Cherokee"/>
-        <a:font script="Yiii" typeface="Microsoft Yi Baiti"/>
-        <a:font script="Tibt" typeface="Microsoft Himalaya"/>
-        <a:font script="Thaa" typeface="MV Boli"/>
-        <a:font script="Deva" typeface="Mangal"/>
-        <a:font script="Telu" typeface="Gautami"/>
-        <a:font script="Taml" typeface="Latha"/>
-        <a:font script="Syrc" typeface="Estrangelo Edessa"/>
-        <a:font script="Orya" typeface="Kalinga"/>
-        <a:font script="Mlym" typeface="Kartika"/>
-        <a:font script="Laoo" typeface="DokChampa"/>
-        <a:font script="Sinh" typeface="Iskoola Pota"/>
-        <a:font script="Mong" typeface="Mongolian Baiti"/>
-        <a:font script="Viet" typeface="Times New Roman"/>
-        <a:font script="Uigh" typeface="Microsoft Uighur"/>
-        <a:font script="Geor" typeface="Sylfaen"/>
-        <a:font script="Armn" typeface="Arial"/>
-        <a:font script="Bugi" typeface="Leelawadee UI"/>
-        <a:font script="Bopo" typeface="Microsoft JhengHei"/>
-        <a:font script="Java" typeface="Javanese Text"/>
-        <a:font script="Lisu" typeface="Segoe UI"/>
-        <a:font script="Mymr" typeface="Myanmar Text"/>
-        <a:font script="Nkoo" typeface="Ebrima"/>
-        <a:font script="Olck" typeface="Nirmala UI"/>
-        <a:font script="Osma" typeface="Ebrima"/>
-        <a:font script="Phag" typeface="Phagspa"/>
-        <a:font script="Syrn" typeface="Estrangelo Edessa"/>
-        <a:font script="Syrj" typeface="Estrangelo Edessa"/>
-        <a:font script="Syre" typeface="Estrangelo Edessa"/>
-        <a:font script="Sora" typeface="Nirmala UI"/>
-        <a:font script="Tale" typeface="Microsoft Tai Le"/>
-        <a:font script="Talu" typeface="Microsoft New Tai Lue"/>
-        <a:font script="Tfng" typeface="Ebrima"/>
-      </a:majorFont>
-      <a:minorFont>
-        <a:latin typeface="Calibri" panose="020F0502020204030204"/>
-        <a:ea typeface=""/>
-        <a:cs typeface=""/>
-        <a:font script="Jpan" typeface="游ゴシック"/>
-        <a:font script="Hang" typeface="맑은 고딕"/>
-        <a:font script="Hans" typeface="等线"/>
-        <a:font script="Hant" typeface="新細明體"/>
+        <a:font script="Jpan" typeface="ＭＳ Ｐゴシック"/>
+        <a:font script="Hang" typeface="굴림"/>
+        <a:font script="Hans" typeface="黑体"/>
+        <a:font script="Hant" typeface="微軟正黑體"/>
         <a:font script="Arab" typeface="Arial"/>
         <a:font script="Hebr" typeface="Arial"/>
         <a:font script="Thai" typeface="Cordia New"/>
@@ -7090,23 +5898,41 @@
         <a:font script="Viet" typeface="Arial"/>
         <a:font script="Uigh" typeface="Microsoft Uighur"/>
         <a:font script="Geor" typeface="Sylfaen"/>
-        <a:font script="Armn" typeface="Arial"/>
-        <a:font script="Bugi" typeface="Leelawadee UI"/>
-        <a:font script="Bopo" typeface="Microsoft JhengHei"/>
-        <a:font script="Java" typeface="Javanese Text"/>
-        <a:font script="Lisu" typeface="Segoe UI"/>
-        <a:font script="Mymr" typeface="Myanmar Text"/>
-        <a:font script="Nkoo" typeface="Ebrima"/>
-        <a:font script="Olck" typeface="Nirmala UI"/>
-        <a:font script="Osma" typeface="Ebrima"/>
-        <a:font script="Phag" typeface="Phagspa"/>
-        <a:font script="Syrn" typeface="Estrangelo Edessa"/>
-        <a:font script="Syrj" typeface="Estrangelo Edessa"/>
-        <a:font script="Syre" typeface="Estrangelo Edessa"/>
-        <a:font script="Sora" typeface="Nirmala UI"/>
-        <a:font script="Tale" typeface="Microsoft Tai Le"/>
-        <a:font script="Talu" typeface="Microsoft New Tai Lue"/>
-        <a:font script="Tfng" typeface="Ebrima"/>
+      </a:majorFont>
+      <a:minorFont>
+        <a:latin typeface="Arial" panose="020B0604020202020204"/>
+        <a:ea typeface=""/>
+        <a:cs typeface=""/>
+        <a:font script="Jpan" typeface="ＭＳ Ｐゴシック"/>
+        <a:font script="Hang" typeface="굴림"/>
+        <a:font script="Hans" typeface="黑体"/>
+        <a:font script="Hant" typeface="微軟正黑體"/>
+        <a:font script="Arab" typeface="Arial"/>
+        <a:font script="Hebr" typeface="Arial"/>
+        <a:font script="Thai" typeface="Cordia New"/>
+        <a:font script="Ethi" typeface="Nyala"/>
+        <a:font script="Beng" typeface="Vrinda"/>
+        <a:font script="Gujr" typeface="Shruti"/>
+        <a:font script="Khmr" typeface="DaunPenh"/>
+        <a:font script="Knda" typeface="Tunga"/>
+        <a:font script="Guru" typeface="Raavi"/>
+        <a:font script="Cans" typeface="Euphemia"/>
+        <a:font script="Cher" typeface="Plantagenet Cherokee"/>
+        <a:font script="Yiii" typeface="Microsoft Yi Baiti"/>
+        <a:font script="Tibt" typeface="Microsoft Himalaya"/>
+        <a:font script="Thaa" typeface="MV Boli"/>
+        <a:font script="Deva" typeface="Mangal"/>
+        <a:font script="Telu" typeface="Gautami"/>
+        <a:font script="Taml" typeface="Latha"/>
+        <a:font script="Syrc" typeface="Estrangelo Edessa"/>
+        <a:font script="Orya" typeface="Kalinga"/>
+        <a:font script="Mlym" typeface="Kartika"/>
+        <a:font script="Laoo" typeface="DokChampa"/>
+        <a:font script="Sinh" typeface="Iskoola Pota"/>
+        <a:font script="Mong" typeface="Mongolian Baiti"/>
+        <a:font script="Viet" typeface="Arial"/>
+        <a:font script="Uigh" typeface="Microsoft Uighur"/>
+        <a:font script="Geor" typeface="Sylfaen"/>
       </a:minorFont>
     </a:fontScheme>
     <a:fmtScheme name="Office">
@@ -7553,12 +6379,21 @@
 </file>
 
 <file path=customXml/item1.xml><?xml version="1.0" encoding="utf-8"?>
+<?mso-contentType ?>
+<FormTemplates xmlns="http://schemas.microsoft.com/sharepoint/v3/contenttype/forms">
+  <Display>DocumentLibraryForm</Display>
+  <Edit>DocumentLibraryForm</Edit>
+  <New>DocumentLibraryForm</New>
+</FormTemplates>
+</file>
+
+<file path=customXml/item2.xml><?xml version="1.0" encoding="utf-8"?>
 <p:properties xmlns:p="http://schemas.microsoft.com/office/2006/metadata/properties" xmlns:xsi="http://www.w3.org/2001/XMLSchema-instance" xmlns:pc="http://schemas.microsoft.com/office/infopath/2007/PartnerControls">
   <documentManagement/>
 </p:properties>
 </file>
 
-<file path=customXml/item2.xml><?xml version="1.0" encoding="utf-8"?>
+<file path=customXml/item3.xml><?xml version="1.0" encoding="utf-8"?>
 <ct:contentTypeSchema xmlns:ct="http://schemas.microsoft.com/office/2006/metadata/contentType" xmlns:ma="http://schemas.microsoft.com/office/2006/metadata/properties/metaAttributes" ct:_="" ma:_="" ma:contentTypeName="Document" ma:contentTypeID="0x01010064197803C465D446836144CFFBAF95BB" ma:contentTypeVersion="15" ma:contentTypeDescription="Create a new document." ma:contentTypeScope="" ma:versionID="b58560df06a927cc3c67641f60622423">
   <xsd:schema xmlns:xsd="http://www.w3.org/2001/XMLSchema" xmlns:xs="http://www.w3.org/2001/XMLSchema" xmlns:p="http://schemas.microsoft.com/office/2006/metadata/properties" xmlns:ns2="b8de2189-1669-4b7f-8bca-b051fbd0df0c" xmlns:ns3="c75f4f1a-ba0f-4f85-b58c-75f45d1fd2a2" targetNamespace="http://schemas.microsoft.com/office/2006/metadata/properties" ma:root="true" ma:fieldsID="30d9d5745b4fccaf54626e2a28e89516" ns2:_="" ns3:_="">
     <xsd:import namespace="b8de2189-1669-4b7f-8bca-b051fbd0df0c"/>
@@ -7787,16 +6622,15 @@
 </ct:contentTypeSchema>
 </file>
 
-<file path=customXml/item3.xml><?xml version="1.0" encoding="utf-8"?>
-<?mso-contentType ?>
-<FormTemplates xmlns="http://schemas.microsoft.com/sharepoint/v3/contenttype/forms">
-  <Display>DocumentLibraryForm</Display>
-  <Edit>DocumentLibraryForm</Edit>
-  <New>DocumentLibraryForm</New>
-</FormTemplates>
+<file path=customXml/itemProps1.xml><?xml version="1.0" encoding="utf-8"?>
+<ds:datastoreItem xmlns:ds="http://schemas.openxmlformats.org/officeDocument/2006/customXml" ds:itemID="{AEE23FB0-1A61-4D13-A2F0-19E462C02F6A}">
+  <ds:schemaRefs>
+    <ds:schemaRef ds:uri="http://schemas.microsoft.com/sharepoint/v3/contenttype/forms"/>
+  </ds:schemaRefs>
+</ds:datastoreItem>
 </file>
 
-<file path=customXml/itemProps1.xml><?xml version="1.0" encoding="utf-8"?>
+<file path=customXml/itemProps2.xml><?xml version="1.0" encoding="utf-8"?>
 <ds:datastoreItem xmlns:ds="http://schemas.openxmlformats.org/officeDocument/2006/customXml" ds:itemID="{DD91D62F-1AA1-4D4F-9AFD-6D4DC1D7C41F}">
   <ds:schemaRefs>
     <ds:schemaRef ds:uri="b8de2189-1669-4b7f-8bca-b051fbd0df0c"/>
@@ -7813,7 +6647,7 @@
 </ds:datastoreItem>
 </file>
 
-<file path=customXml/itemProps2.xml><?xml version="1.0" encoding="utf-8"?>
+<file path=customXml/itemProps3.xml><?xml version="1.0" encoding="utf-8"?>
 <ds:datastoreItem xmlns:ds="http://schemas.openxmlformats.org/officeDocument/2006/customXml" ds:itemID="{9F959A94-4C2A-4411-B230-A3B53D8E2621}">
   <ds:schemaRefs>
     <ds:schemaRef ds:uri="http://schemas.microsoft.com/office/2006/metadata/contentType"/>
@@ -7830,12 +6664,4 @@
     <ds:schemaRef ds:uri="http://schemas.microsoft.com/internal/obd"/>
   </ds:schemaRefs>
 </ds:datastoreItem>
-</file>
-
-<file path=customXml/itemProps3.xml><?xml version="1.0" encoding="utf-8"?>
-<ds:datastoreItem xmlns:ds="http://schemas.openxmlformats.org/officeDocument/2006/customXml" ds:itemID="{AEE23FB0-1A61-4D13-A2F0-19E462C02F6A}">
-  <ds:schemaRefs>
-    <ds:schemaRef ds:uri="http://schemas.microsoft.com/sharepoint/v3/contenttype/forms"/>
-  </ds:schemaRefs>
-</ds:datastoreItem>
 </file>